--- a/Submission4/Slide.pptx
+++ b/Submission4/Slide.pptx
@@ -1,6 +1,6 @@
 
 <file path=ppt/presentation.xml><?xml version="1.0" encoding="utf-8"?>
-<p:presentation xmlns:a="http://schemas.openxmlformats.org/drawingml/2006/main" xmlns:r="http://schemas.openxmlformats.org/officeDocument/2006/relationships" xmlns:mc="http://schemas.openxmlformats.org/markup-compatibility/2006" xmlns:mv="urn:schemas-microsoft-com:mac:vml" xmlns:p="http://schemas.openxmlformats.org/presentationml/2006/main" xmlns:c="http://schemas.openxmlformats.org/drawingml/2006/chart" xmlns:dgm="http://schemas.openxmlformats.org/drawingml/2006/diagram" xmlns:o="urn:schemas-microsoft-com:office:office" xmlns:v="urn:schemas-microsoft-com:vml" xmlns:pvml="urn:schemas-microsoft-com:office:powerpoint" xmlns:com="http://schemas.openxmlformats.org/drawingml/2006/compatibility" xmlns:p14="http://schemas.microsoft.com/office/powerpoint/2010/main" xmlns:p15="http://schemas.microsoft.com/office/powerpoint/2012/main" xmlns:ahyp="http://schemas.microsoft.com/office/drawing/2018/hyperlinkcolor" autoCompressPictures="0" embedTrueTypeFonts="1" strictFirstAndLastChars="0" saveSubsetFonts="1">
+<p:presentation xmlns:a="http://schemas.openxmlformats.org/drawingml/2006/main" xmlns:r="http://schemas.openxmlformats.org/officeDocument/2006/relationships" xmlns:mc="http://schemas.openxmlformats.org/markup-compatibility/2006" xmlns:mv="urn:schemas-microsoft-com:mac:vml" xmlns:p="http://schemas.openxmlformats.org/presentationml/2006/main" xmlns:c="http://schemas.openxmlformats.org/drawingml/2006/chart" xmlns:dgm="http://schemas.openxmlformats.org/drawingml/2006/diagram" xmlns:o="urn:schemas-microsoft-com:office:office" xmlns:v="urn:schemas-microsoft-com:vml" xmlns:pvml="urn:schemas-microsoft-com:office:powerpoint" xmlns:com="http://schemas.openxmlformats.org/drawingml/2006/compatibility" xmlns:p14="http://schemas.microsoft.com/office/powerpoint/2010/main" xmlns:p15="http://schemas.microsoft.com/office/powerpoint/2012/main" xmlns:ahyp="http://schemas.microsoft.com/office/drawing/2018/hyperlinkcolor" autoCompressPictures="0" embedTrueTypeFonts="1" strictFirstAndLastChars="0" saveSubsetFonts="1" showSpecialPlsOnTitleSld="0">
   <p:sldMasterIdLst>
     <p:sldMasterId id="2147483659" r:id="rId5"/>
   </p:sldMasterIdLst>
@@ -15,21 +15,29 @@
     <p:sldId id="260" r:id="rId11"/>
     <p:sldId id="261" r:id="rId12"/>
     <p:sldId id="262" r:id="rId13"/>
+    <p:sldId id="263" r:id="rId14"/>
+    <p:sldId id="264" r:id="rId15"/>
+    <p:sldId id="265" r:id="rId16"/>
+    <p:sldId id="266" r:id="rId17"/>
+    <p:sldId id="267" r:id="rId18"/>
+    <p:sldId id="268" r:id="rId19"/>
+    <p:sldId id="269" r:id="rId20"/>
+    <p:sldId id="270" r:id="rId21"/>
   </p:sldIdLst>
   <p:sldSz cy="5143500" cx="9144000"/>
   <p:notesSz cx="6858000" cy="9144000"/>
   <p:embeddedFontLst>
     <p:embeddedFont>
       <p:font typeface="Roboto Slab"/>
-      <p:regular r:id="rId14"/>
-      <p:bold r:id="rId15"/>
+      <p:regular r:id="rId22"/>
+      <p:bold r:id="rId23"/>
     </p:embeddedFont>
     <p:embeddedFont>
       <p:font typeface="Proxima Nova"/>
-      <p:regular r:id="rId16"/>
-      <p:bold r:id="rId17"/>
-      <p:italic r:id="rId18"/>
-      <p:boldItalic r:id="rId19"/>
+      <p:regular r:id="rId24"/>
+      <p:bold r:id="rId25"/>
+      <p:italic r:id="rId26"/>
+      <p:boldItalic r:id="rId27"/>
     </p:embeddedFont>
   </p:embeddedFontLst>
   <p:defaultTextStyle>
@@ -805,12 +813,12 @@
 </p:notes>
 </file>
 
-<file path=ppt/notesSlides/notesSlide2.xml><?xml version="1.0" encoding="utf-8"?>
+<file path=ppt/notesSlides/notesSlide10.xml><?xml version="1.0" encoding="utf-8"?>
 <p:notes xmlns:a="http://schemas.openxmlformats.org/drawingml/2006/main" xmlns:r="http://schemas.openxmlformats.org/officeDocument/2006/relationships" xmlns:mc="http://schemas.openxmlformats.org/markup-compatibility/2006" xmlns:mv="urn:schemas-microsoft-com:mac:vml" xmlns:p="http://schemas.openxmlformats.org/presentationml/2006/main" xmlns:c="http://schemas.openxmlformats.org/drawingml/2006/chart" xmlns:dgm="http://schemas.openxmlformats.org/drawingml/2006/diagram" xmlns:o="urn:schemas-microsoft-com:office:office" xmlns:v="urn:schemas-microsoft-com:vml" xmlns:pvml="urn:schemas-microsoft-com:office:powerpoint" xmlns:com="http://schemas.openxmlformats.org/drawingml/2006/compatibility" xmlns:p14="http://schemas.microsoft.com/office/powerpoint/2010/main" xmlns:p15="http://schemas.microsoft.com/office/powerpoint/2012/main" xmlns:ahyp="http://schemas.microsoft.com/office/drawing/2018/hyperlinkcolor" showMasterPhAnim="0" showMasterSp="0">
   <p:cSld>
     <p:spTree>
       <p:nvGrpSpPr>
-        <p:cNvPr id="62" name="Shape 62"/>
+        <p:cNvPr id="123" name="Shape 123"/>
         <p:cNvGrpSpPr/>
         <p:nvPr/>
       </p:nvGrpSpPr>
@@ -824,7 +832,7 @@
       </p:grpSpPr>
       <p:sp>
         <p:nvSpPr>
-          <p:cNvPr id="63" name="Google Shape;63;g2a5487d0449_0_45:notes"/>
+          <p:cNvPr id="124" name="Google Shape;124;g2639be00719_3_10:notes"/>
           <p:cNvSpPr/>
           <p:nvPr>
             <p:ph idx="2" type="sldImg"/>
@@ -859,7 +867,7 @@
       </p:sp>
       <p:sp>
         <p:nvSpPr>
-          <p:cNvPr id="64" name="Google Shape;64;g2a5487d0449_0_45:notes"/>
+          <p:cNvPr id="125" name="Google Shape;125;g2639be00719_3_10:notes"/>
           <p:cNvSpPr txBox="1"/>
           <p:nvPr>
             <p:ph idx="1" type="body"/>
@@ -904,12 +912,12 @@
 </p:notes>
 </file>
 
-<file path=ppt/notesSlides/notesSlide3.xml><?xml version="1.0" encoding="utf-8"?>
+<file path=ppt/notesSlides/notesSlide11.xml><?xml version="1.0" encoding="utf-8"?>
 <p:notes xmlns:a="http://schemas.openxmlformats.org/drawingml/2006/main" xmlns:r="http://schemas.openxmlformats.org/officeDocument/2006/relationships" xmlns:mc="http://schemas.openxmlformats.org/markup-compatibility/2006" xmlns:mv="urn:schemas-microsoft-com:mac:vml" xmlns:p="http://schemas.openxmlformats.org/presentationml/2006/main" xmlns:c="http://schemas.openxmlformats.org/drawingml/2006/chart" xmlns:dgm="http://schemas.openxmlformats.org/drawingml/2006/diagram" xmlns:o="urn:schemas-microsoft-com:office:office" xmlns:v="urn:schemas-microsoft-com:vml" xmlns:pvml="urn:schemas-microsoft-com:office:powerpoint" xmlns:com="http://schemas.openxmlformats.org/drawingml/2006/compatibility" xmlns:p14="http://schemas.microsoft.com/office/powerpoint/2010/main" xmlns:p15="http://schemas.microsoft.com/office/powerpoint/2012/main" xmlns:ahyp="http://schemas.microsoft.com/office/drawing/2018/hyperlinkcolor" showMasterPhAnim="0" showMasterSp="0">
   <p:cSld>
     <p:spTree>
       <p:nvGrpSpPr>
-        <p:cNvPr id="68" name="Shape 68"/>
+        <p:cNvPr id="130" name="Shape 130"/>
         <p:cNvGrpSpPr/>
         <p:nvPr/>
       </p:nvGrpSpPr>
@@ -923,7 +931,7 @@
       </p:grpSpPr>
       <p:sp>
         <p:nvSpPr>
-          <p:cNvPr id="69" name="Google Shape;69;g2a54a37efe9_0_0:notes"/>
+          <p:cNvPr id="131" name="Google Shape;131;g2639be00719_4_0:notes"/>
           <p:cNvSpPr/>
           <p:nvPr>
             <p:ph idx="2" type="sldImg"/>
@@ -958,7 +966,7 @@
       </p:sp>
       <p:sp>
         <p:nvSpPr>
-          <p:cNvPr id="70" name="Google Shape;70;g2a54a37efe9_0_0:notes"/>
+          <p:cNvPr id="132" name="Google Shape;132;g2639be00719_4_0:notes"/>
           <p:cNvSpPr txBox="1"/>
           <p:nvPr>
             <p:ph idx="1" type="body"/>
@@ -1003,12 +1011,12 @@
 </p:notes>
 </file>
 
-<file path=ppt/notesSlides/notesSlide4.xml><?xml version="1.0" encoding="utf-8"?>
+<file path=ppt/notesSlides/notesSlide12.xml><?xml version="1.0" encoding="utf-8"?>
 <p:notes xmlns:a="http://schemas.openxmlformats.org/drawingml/2006/main" xmlns:r="http://schemas.openxmlformats.org/officeDocument/2006/relationships" xmlns:mc="http://schemas.openxmlformats.org/markup-compatibility/2006" xmlns:mv="urn:schemas-microsoft-com:mac:vml" xmlns:p="http://schemas.openxmlformats.org/presentationml/2006/main" xmlns:c="http://schemas.openxmlformats.org/drawingml/2006/chart" xmlns:dgm="http://schemas.openxmlformats.org/drawingml/2006/diagram" xmlns:o="urn:schemas-microsoft-com:office:office" xmlns:v="urn:schemas-microsoft-com:vml" xmlns:pvml="urn:schemas-microsoft-com:office:powerpoint" xmlns:com="http://schemas.openxmlformats.org/drawingml/2006/compatibility" xmlns:p14="http://schemas.microsoft.com/office/powerpoint/2010/main" xmlns:p15="http://schemas.microsoft.com/office/powerpoint/2012/main" xmlns:ahyp="http://schemas.microsoft.com/office/drawing/2018/hyperlinkcolor" showMasterPhAnim="0" showMasterSp="0">
   <p:cSld>
     <p:spTree>
       <p:nvGrpSpPr>
-        <p:cNvPr id="74" name="Shape 74"/>
+        <p:cNvPr id="139" name="Shape 139"/>
         <p:cNvGrpSpPr/>
         <p:nvPr/>
       </p:nvGrpSpPr>
@@ -1022,7 +1030,7 @@
       </p:grpSpPr>
       <p:sp>
         <p:nvSpPr>
-          <p:cNvPr id="75" name="Google Shape;75;g2a54a37efe9_0_5:notes"/>
+          <p:cNvPr id="140" name="Google Shape;140;g2639be00719_4_18:notes"/>
           <p:cNvSpPr/>
           <p:nvPr>
             <p:ph idx="2" type="sldImg"/>
@@ -1057,7 +1065,7 @@
       </p:sp>
       <p:sp>
         <p:nvSpPr>
-          <p:cNvPr id="76" name="Google Shape;76;g2a54a37efe9_0_5:notes"/>
+          <p:cNvPr id="141" name="Google Shape;141;g2639be00719_4_18:notes"/>
           <p:cNvSpPr txBox="1"/>
           <p:nvPr>
             <p:ph idx="1" type="body"/>
@@ -1102,12 +1110,12 @@
 </p:notes>
 </file>
 
-<file path=ppt/notesSlides/notesSlide5.xml><?xml version="1.0" encoding="utf-8"?>
+<file path=ppt/notesSlides/notesSlide13.xml><?xml version="1.0" encoding="utf-8"?>
 <p:notes xmlns:a="http://schemas.openxmlformats.org/drawingml/2006/main" xmlns:r="http://schemas.openxmlformats.org/officeDocument/2006/relationships" xmlns:mc="http://schemas.openxmlformats.org/markup-compatibility/2006" xmlns:mv="urn:schemas-microsoft-com:mac:vml" xmlns:p="http://schemas.openxmlformats.org/presentationml/2006/main" xmlns:c="http://schemas.openxmlformats.org/drawingml/2006/chart" xmlns:dgm="http://schemas.openxmlformats.org/drawingml/2006/diagram" xmlns:o="urn:schemas-microsoft-com:office:office" xmlns:v="urn:schemas-microsoft-com:vml" xmlns:pvml="urn:schemas-microsoft-com:office:powerpoint" xmlns:com="http://schemas.openxmlformats.org/drawingml/2006/compatibility" xmlns:p14="http://schemas.microsoft.com/office/powerpoint/2010/main" xmlns:p15="http://schemas.microsoft.com/office/powerpoint/2012/main" xmlns:ahyp="http://schemas.microsoft.com/office/drawing/2018/hyperlinkcolor" showMasterPhAnim="0" showMasterSp="0">
   <p:cSld>
     <p:spTree>
       <p:nvGrpSpPr>
-        <p:cNvPr id="80" name="Shape 80"/>
+        <p:cNvPr id="146" name="Shape 146"/>
         <p:cNvGrpSpPr/>
         <p:nvPr/>
       </p:nvGrpSpPr>
@@ -1121,7 +1129,7 @@
       </p:grpSpPr>
       <p:sp>
         <p:nvSpPr>
-          <p:cNvPr id="81" name="Google Shape;81;g2a54a37efe9_0_15:notes"/>
+          <p:cNvPr id="147" name="Google Shape;147;g2a54a37efe9_0_15:notes"/>
           <p:cNvSpPr/>
           <p:nvPr>
             <p:ph idx="2" type="sldImg"/>
@@ -1156,7 +1164,7 @@
       </p:sp>
       <p:sp>
         <p:nvSpPr>
-          <p:cNvPr id="82" name="Google Shape;82;g2a54a37efe9_0_15:notes"/>
+          <p:cNvPr id="148" name="Google Shape;148;g2a54a37efe9_0_15:notes"/>
           <p:cNvSpPr txBox="1"/>
           <p:nvPr>
             <p:ph idx="1" type="body"/>
@@ -1201,12 +1209,12 @@
 </p:notes>
 </file>
 
-<file path=ppt/notesSlides/notesSlide6.xml><?xml version="1.0" encoding="utf-8"?>
+<file path=ppt/notesSlides/notesSlide14.xml><?xml version="1.0" encoding="utf-8"?>
 <p:notes xmlns:a="http://schemas.openxmlformats.org/drawingml/2006/main" xmlns:r="http://schemas.openxmlformats.org/officeDocument/2006/relationships" xmlns:mc="http://schemas.openxmlformats.org/markup-compatibility/2006" xmlns:mv="urn:schemas-microsoft-com:mac:vml" xmlns:p="http://schemas.openxmlformats.org/presentationml/2006/main" xmlns:c="http://schemas.openxmlformats.org/drawingml/2006/chart" xmlns:dgm="http://schemas.openxmlformats.org/drawingml/2006/diagram" xmlns:o="urn:schemas-microsoft-com:office:office" xmlns:v="urn:schemas-microsoft-com:vml" xmlns:pvml="urn:schemas-microsoft-com:office:powerpoint" xmlns:com="http://schemas.openxmlformats.org/drawingml/2006/compatibility" xmlns:p14="http://schemas.microsoft.com/office/powerpoint/2010/main" xmlns:p15="http://schemas.microsoft.com/office/powerpoint/2012/main" xmlns:ahyp="http://schemas.microsoft.com/office/drawing/2018/hyperlinkcolor" showMasterPhAnim="0" showMasterSp="0">
   <p:cSld>
     <p:spTree>
       <p:nvGrpSpPr>
-        <p:cNvPr id="86" name="Shape 86"/>
+        <p:cNvPr id="153" name="Shape 153"/>
         <p:cNvGrpSpPr/>
         <p:nvPr/>
       </p:nvGrpSpPr>
@@ -1220,7 +1228,7 @@
       </p:grpSpPr>
       <p:sp>
         <p:nvSpPr>
-          <p:cNvPr id="87" name="Google Shape;87;g2a54a37efe9_0_20:notes"/>
+          <p:cNvPr id="154" name="Google Shape;154;g2a54a37efe9_0_20:notes"/>
           <p:cNvSpPr/>
           <p:nvPr>
             <p:ph idx="2" type="sldImg"/>
@@ -1255,7 +1263,7 @@
       </p:sp>
       <p:sp>
         <p:nvSpPr>
-          <p:cNvPr id="88" name="Google Shape;88;g2a54a37efe9_0_20:notes"/>
+          <p:cNvPr id="155" name="Google Shape;155;g2a54a37efe9_0_20:notes"/>
           <p:cNvSpPr txBox="1"/>
           <p:nvPr>
             <p:ph idx="1" type="body"/>
@@ -1300,12 +1308,12 @@
 </p:notes>
 </file>
 
-<file path=ppt/notesSlides/notesSlide7.xml><?xml version="1.0" encoding="utf-8"?>
+<file path=ppt/notesSlides/notesSlide15.xml><?xml version="1.0" encoding="utf-8"?>
 <p:notes xmlns:a="http://schemas.openxmlformats.org/drawingml/2006/main" xmlns:r="http://schemas.openxmlformats.org/officeDocument/2006/relationships" xmlns:mc="http://schemas.openxmlformats.org/markup-compatibility/2006" xmlns:mv="urn:schemas-microsoft-com:mac:vml" xmlns:p="http://schemas.openxmlformats.org/presentationml/2006/main" xmlns:c="http://schemas.openxmlformats.org/drawingml/2006/chart" xmlns:dgm="http://schemas.openxmlformats.org/drawingml/2006/diagram" xmlns:o="urn:schemas-microsoft-com:office:office" xmlns:v="urn:schemas-microsoft-com:vml" xmlns:pvml="urn:schemas-microsoft-com:office:powerpoint" xmlns:com="http://schemas.openxmlformats.org/drawingml/2006/compatibility" xmlns:p14="http://schemas.microsoft.com/office/powerpoint/2010/main" xmlns:p15="http://schemas.microsoft.com/office/powerpoint/2012/main" xmlns:ahyp="http://schemas.microsoft.com/office/drawing/2018/hyperlinkcolor" showMasterPhAnim="0" showMasterSp="0">
   <p:cSld>
     <p:spTree>
       <p:nvGrpSpPr>
-        <p:cNvPr id="92" name="Shape 92"/>
+        <p:cNvPr id="160" name="Shape 160"/>
         <p:cNvGrpSpPr/>
         <p:nvPr/>
       </p:nvGrpSpPr>
@@ -1319,7 +1327,7 @@
       </p:grpSpPr>
       <p:sp>
         <p:nvSpPr>
-          <p:cNvPr id="93" name="Google Shape;93;g2a54a37efe9_0_25:notes"/>
+          <p:cNvPr id="161" name="Google Shape;161;g2a54a37efe9_0_25:notes"/>
           <p:cNvSpPr/>
           <p:nvPr>
             <p:ph idx="2" type="sldImg"/>
@@ -1354,7 +1362,799 @@
       </p:sp>
       <p:sp>
         <p:nvSpPr>
-          <p:cNvPr id="94" name="Google Shape;94;g2a54a37efe9_0_25:notes"/>
+          <p:cNvPr id="162" name="Google Shape;162;g2a54a37efe9_0_25:notes"/>
+          <p:cNvSpPr txBox="1"/>
+          <p:nvPr>
+            <p:ph idx="1" type="body"/>
+          </p:nvPr>
+        </p:nvSpPr>
+        <p:spPr>
+          <a:xfrm>
+            <a:off x="685800" y="4343400"/>
+            <a:ext cx="5486400" cy="4114800"/>
+          </a:xfrm>
+          <a:prstGeom prst="rect">
+            <a:avLst/>
+          </a:prstGeom>
+        </p:spPr>
+        <p:txBody>
+          <a:bodyPr anchorCtr="0" anchor="t" bIns="91425" lIns="91425" spcFirstLastPara="1" rIns="91425" wrap="square" tIns="91425">
+            <a:noAutofit/>
+          </a:bodyPr>
+          <a:lstStyle/>
+          <a:p>
+            <a:pPr indent="0" lvl="0" marL="0" rtl="0" algn="l">
+              <a:spcBef>
+                <a:spcPts val="0"/>
+              </a:spcBef>
+              <a:spcAft>
+                <a:spcPts val="0"/>
+              </a:spcAft>
+              <a:buNone/>
+            </a:pPr>
+            <a:r>
+              <a:t/>
+            </a:r>
+            <a:endParaRPr/>
+          </a:p>
+        </p:txBody>
+      </p:sp>
+    </p:spTree>
+  </p:cSld>
+  <p:clrMapOvr>
+    <a:masterClrMapping/>
+  </p:clrMapOvr>
+</p:notes>
+</file>
+
+<file path=ppt/notesSlides/notesSlide2.xml><?xml version="1.0" encoding="utf-8"?>
+<p:notes xmlns:a="http://schemas.openxmlformats.org/drawingml/2006/main" xmlns:r="http://schemas.openxmlformats.org/officeDocument/2006/relationships" xmlns:mc="http://schemas.openxmlformats.org/markup-compatibility/2006" xmlns:mv="urn:schemas-microsoft-com:mac:vml" xmlns:p="http://schemas.openxmlformats.org/presentationml/2006/main" xmlns:c="http://schemas.openxmlformats.org/drawingml/2006/chart" xmlns:dgm="http://schemas.openxmlformats.org/drawingml/2006/diagram" xmlns:o="urn:schemas-microsoft-com:office:office" xmlns:v="urn:schemas-microsoft-com:vml" xmlns:pvml="urn:schemas-microsoft-com:office:powerpoint" xmlns:com="http://schemas.openxmlformats.org/drawingml/2006/compatibility" xmlns:p14="http://schemas.microsoft.com/office/powerpoint/2010/main" xmlns:p15="http://schemas.microsoft.com/office/powerpoint/2012/main" xmlns:ahyp="http://schemas.microsoft.com/office/drawing/2018/hyperlinkcolor" showMasterPhAnim="0" showMasterSp="0">
+  <p:cSld>
+    <p:spTree>
+      <p:nvGrpSpPr>
+        <p:cNvPr id="62" name="Shape 62"/>
+        <p:cNvGrpSpPr/>
+        <p:nvPr/>
+      </p:nvGrpSpPr>
+      <p:grpSpPr>
+        <a:xfrm>
+          <a:off x="0" y="0"/>
+          <a:ext cx="0" cy="0"/>
+          <a:chOff x="0" y="0"/>
+          <a:chExt cx="0" cy="0"/>
+        </a:xfrm>
+      </p:grpSpPr>
+      <p:sp>
+        <p:nvSpPr>
+          <p:cNvPr id="63" name="Google Shape;63;g2639be00719_0_30:notes"/>
+          <p:cNvSpPr/>
+          <p:nvPr>
+            <p:ph idx="2" type="sldImg"/>
+          </p:nvPr>
+        </p:nvSpPr>
+        <p:spPr>
+          <a:xfrm>
+            <a:off x="381300" y="685800"/>
+            <a:ext cx="6096000" cy="3429000"/>
+          </a:xfrm>
+          <a:custGeom>
+            <a:rect b="b" l="l" r="r" t="t"/>
+            <a:pathLst>
+              <a:path extrusionOk="0" h="120000" w="120000">
+                <a:moveTo>
+                  <a:pt x="0" y="0"/>
+                </a:moveTo>
+                <a:lnTo>
+                  <a:pt x="120000" y="0"/>
+                </a:lnTo>
+                <a:lnTo>
+                  <a:pt x="120000" y="120000"/>
+                </a:lnTo>
+                <a:lnTo>
+                  <a:pt x="0" y="120000"/>
+                </a:lnTo>
+                <a:close/>
+              </a:path>
+            </a:pathLst>
+          </a:custGeom>
+        </p:spPr>
+      </p:sp>
+      <p:sp>
+        <p:nvSpPr>
+          <p:cNvPr id="64" name="Google Shape;64;g2639be00719_0_30:notes"/>
+          <p:cNvSpPr txBox="1"/>
+          <p:nvPr>
+            <p:ph idx="1" type="body"/>
+          </p:nvPr>
+        </p:nvSpPr>
+        <p:spPr>
+          <a:xfrm>
+            <a:off x="685800" y="4343400"/>
+            <a:ext cx="5486400" cy="4114800"/>
+          </a:xfrm>
+          <a:prstGeom prst="rect">
+            <a:avLst/>
+          </a:prstGeom>
+        </p:spPr>
+        <p:txBody>
+          <a:bodyPr anchorCtr="0" anchor="t" bIns="91425" lIns="91425" spcFirstLastPara="1" rIns="91425" wrap="square" tIns="91425">
+            <a:noAutofit/>
+          </a:bodyPr>
+          <a:lstStyle/>
+          <a:p>
+            <a:pPr indent="0" lvl="0" marL="0" rtl="0" algn="l">
+              <a:spcBef>
+                <a:spcPts val="0"/>
+              </a:spcBef>
+              <a:spcAft>
+                <a:spcPts val="0"/>
+              </a:spcAft>
+              <a:buNone/>
+            </a:pPr>
+            <a:r>
+              <a:t/>
+            </a:r>
+            <a:endParaRPr/>
+          </a:p>
+        </p:txBody>
+      </p:sp>
+    </p:spTree>
+  </p:cSld>
+  <p:clrMapOvr>
+    <a:masterClrMapping/>
+  </p:clrMapOvr>
+</p:notes>
+</file>
+
+<file path=ppt/notesSlides/notesSlide3.xml><?xml version="1.0" encoding="utf-8"?>
+<p:notes xmlns:a="http://schemas.openxmlformats.org/drawingml/2006/main" xmlns:r="http://schemas.openxmlformats.org/officeDocument/2006/relationships" xmlns:mc="http://schemas.openxmlformats.org/markup-compatibility/2006" xmlns:mv="urn:schemas-microsoft-com:mac:vml" xmlns:p="http://schemas.openxmlformats.org/presentationml/2006/main" xmlns:c="http://schemas.openxmlformats.org/drawingml/2006/chart" xmlns:dgm="http://schemas.openxmlformats.org/drawingml/2006/diagram" xmlns:o="urn:schemas-microsoft-com:office:office" xmlns:v="urn:schemas-microsoft-com:vml" xmlns:pvml="urn:schemas-microsoft-com:office:powerpoint" xmlns:com="http://schemas.openxmlformats.org/drawingml/2006/compatibility" xmlns:p14="http://schemas.microsoft.com/office/powerpoint/2010/main" xmlns:p15="http://schemas.microsoft.com/office/powerpoint/2012/main" xmlns:ahyp="http://schemas.microsoft.com/office/drawing/2018/hyperlinkcolor" showMasterPhAnim="0" showMasterSp="0">
+  <p:cSld>
+    <p:spTree>
+      <p:nvGrpSpPr>
+        <p:cNvPr id="69" name="Shape 69"/>
+        <p:cNvGrpSpPr/>
+        <p:nvPr/>
+      </p:nvGrpSpPr>
+      <p:grpSpPr>
+        <a:xfrm>
+          <a:off x="0" y="0"/>
+          <a:ext cx="0" cy="0"/>
+          <a:chOff x="0" y="0"/>
+          <a:chExt cx="0" cy="0"/>
+        </a:xfrm>
+      </p:grpSpPr>
+      <p:sp>
+        <p:nvSpPr>
+          <p:cNvPr id="70" name="Google Shape;70;g2a5487d0449_0_45:notes"/>
+          <p:cNvSpPr/>
+          <p:nvPr>
+            <p:ph idx="2" type="sldImg"/>
+          </p:nvPr>
+        </p:nvSpPr>
+        <p:spPr>
+          <a:xfrm>
+            <a:off x="381300" y="685800"/>
+            <a:ext cx="6096000" cy="3429000"/>
+          </a:xfrm>
+          <a:custGeom>
+            <a:rect b="b" l="l" r="r" t="t"/>
+            <a:pathLst>
+              <a:path extrusionOk="0" h="120000" w="120000">
+                <a:moveTo>
+                  <a:pt x="0" y="0"/>
+                </a:moveTo>
+                <a:lnTo>
+                  <a:pt x="120000" y="0"/>
+                </a:lnTo>
+                <a:lnTo>
+                  <a:pt x="120000" y="120000"/>
+                </a:lnTo>
+                <a:lnTo>
+                  <a:pt x="0" y="120000"/>
+                </a:lnTo>
+                <a:close/>
+              </a:path>
+            </a:pathLst>
+          </a:custGeom>
+        </p:spPr>
+      </p:sp>
+      <p:sp>
+        <p:nvSpPr>
+          <p:cNvPr id="71" name="Google Shape;71;g2a5487d0449_0_45:notes"/>
+          <p:cNvSpPr txBox="1"/>
+          <p:nvPr>
+            <p:ph idx="1" type="body"/>
+          </p:nvPr>
+        </p:nvSpPr>
+        <p:spPr>
+          <a:xfrm>
+            <a:off x="685800" y="4343400"/>
+            <a:ext cx="5486400" cy="4114800"/>
+          </a:xfrm>
+          <a:prstGeom prst="rect">
+            <a:avLst/>
+          </a:prstGeom>
+        </p:spPr>
+        <p:txBody>
+          <a:bodyPr anchorCtr="0" anchor="t" bIns="91425" lIns="91425" spcFirstLastPara="1" rIns="91425" wrap="square" tIns="91425">
+            <a:noAutofit/>
+          </a:bodyPr>
+          <a:lstStyle/>
+          <a:p>
+            <a:pPr indent="0" lvl="0" marL="0" rtl="0" algn="l">
+              <a:spcBef>
+                <a:spcPts val="0"/>
+              </a:spcBef>
+              <a:spcAft>
+                <a:spcPts val="0"/>
+              </a:spcAft>
+              <a:buNone/>
+            </a:pPr>
+            <a:r>
+              <a:t/>
+            </a:r>
+            <a:endParaRPr/>
+          </a:p>
+        </p:txBody>
+      </p:sp>
+    </p:spTree>
+  </p:cSld>
+  <p:clrMapOvr>
+    <a:masterClrMapping/>
+  </p:clrMapOvr>
+</p:notes>
+</file>
+
+<file path=ppt/notesSlides/notesSlide4.xml><?xml version="1.0" encoding="utf-8"?>
+<p:notes xmlns:a="http://schemas.openxmlformats.org/drawingml/2006/main" xmlns:r="http://schemas.openxmlformats.org/officeDocument/2006/relationships" xmlns:mc="http://schemas.openxmlformats.org/markup-compatibility/2006" xmlns:mv="urn:schemas-microsoft-com:mac:vml" xmlns:p="http://schemas.openxmlformats.org/presentationml/2006/main" xmlns:c="http://schemas.openxmlformats.org/drawingml/2006/chart" xmlns:dgm="http://schemas.openxmlformats.org/drawingml/2006/diagram" xmlns:o="urn:schemas-microsoft-com:office:office" xmlns:v="urn:schemas-microsoft-com:vml" xmlns:pvml="urn:schemas-microsoft-com:office:powerpoint" xmlns:com="http://schemas.openxmlformats.org/drawingml/2006/compatibility" xmlns:p14="http://schemas.microsoft.com/office/powerpoint/2010/main" xmlns:p15="http://schemas.microsoft.com/office/powerpoint/2012/main" xmlns:ahyp="http://schemas.microsoft.com/office/drawing/2018/hyperlinkcolor" showMasterPhAnim="0" showMasterSp="0">
+  <p:cSld>
+    <p:spTree>
+      <p:nvGrpSpPr>
+        <p:cNvPr id="76" name="Shape 76"/>
+        <p:cNvGrpSpPr/>
+        <p:nvPr/>
+      </p:nvGrpSpPr>
+      <p:grpSpPr>
+        <a:xfrm>
+          <a:off x="0" y="0"/>
+          <a:ext cx="0" cy="0"/>
+          <a:chOff x="0" y="0"/>
+          <a:chExt cx="0" cy="0"/>
+        </a:xfrm>
+      </p:grpSpPr>
+      <p:sp>
+        <p:nvSpPr>
+          <p:cNvPr id="77" name="Google Shape;77;g2639be00719_2_0:notes"/>
+          <p:cNvSpPr/>
+          <p:nvPr>
+            <p:ph idx="2" type="sldImg"/>
+          </p:nvPr>
+        </p:nvSpPr>
+        <p:spPr>
+          <a:xfrm>
+            <a:off x="381300" y="685800"/>
+            <a:ext cx="6096000" cy="3429000"/>
+          </a:xfrm>
+          <a:custGeom>
+            <a:rect b="b" l="l" r="r" t="t"/>
+            <a:pathLst>
+              <a:path extrusionOk="0" h="120000" w="120000">
+                <a:moveTo>
+                  <a:pt x="0" y="0"/>
+                </a:moveTo>
+                <a:lnTo>
+                  <a:pt x="120000" y="0"/>
+                </a:lnTo>
+                <a:lnTo>
+                  <a:pt x="120000" y="120000"/>
+                </a:lnTo>
+                <a:lnTo>
+                  <a:pt x="0" y="120000"/>
+                </a:lnTo>
+                <a:close/>
+              </a:path>
+            </a:pathLst>
+          </a:custGeom>
+        </p:spPr>
+      </p:sp>
+      <p:sp>
+        <p:nvSpPr>
+          <p:cNvPr id="78" name="Google Shape;78;g2639be00719_2_0:notes"/>
+          <p:cNvSpPr txBox="1"/>
+          <p:nvPr>
+            <p:ph idx="1" type="body"/>
+          </p:nvPr>
+        </p:nvSpPr>
+        <p:spPr>
+          <a:xfrm>
+            <a:off x="685800" y="4343400"/>
+            <a:ext cx="5486400" cy="4114800"/>
+          </a:xfrm>
+          <a:prstGeom prst="rect">
+            <a:avLst/>
+          </a:prstGeom>
+        </p:spPr>
+        <p:txBody>
+          <a:bodyPr anchorCtr="0" anchor="t" bIns="91425" lIns="91425" spcFirstLastPara="1" rIns="91425" wrap="square" tIns="91425">
+            <a:noAutofit/>
+          </a:bodyPr>
+          <a:lstStyle/>
+          <a:p>
+            <a:pPr indent="0" lvl="0" marL="0" rtl="0" algn="l">
+              <a:spcBef>
+                <a:spcPts val="0"/>
+              </a:spcBef>
+              <a:spcAft>
+                <a:spcPts val="0"/>
+              </a:spcAft>
+              <a:buNone/>
+            </a:pPr>
+            <a:r>
+              <a:t/>
+            </a:r>
+            <a:endParaRPr/>
+          </a:p>
+        </p:txBody>
+      </p:sp>
+    </p:spTree>
+  </p:cSld>
+  <p:clrMapOvr>
+    <a:masterClrMapping/>
+  </p:clrMapOvr>
+</p:notes>
+</file>
+
+<file path=ppt/notesSlides/notesSlide5.xml><?xml version="1.0" encoding="utf-8"?>
+<p:notes xmlns:a="http://schemas.openxmlformats.org/drawingml/2006/main" xmlns:r="http://schemas.openxmlformats.org/officeDocument/2006/relationships" xmlns:mc="http://schemas.openxmlformats.org/markup-compatibility/2006" xmlns:mv="urn:schemas-microsoft-com:mac:vml" xmlns:p="http://schemas.openxmlformats.org/presentationml/2006/main" xmlns:c="http://schemas.openxmlformats.org/drawingml/2006/chart" xmlns:dgm="http://schemas.openxmlformats.org/drawingml/2006/diagram" xmlns:o="urn:schemas-microsoft-com:office:office" xmlns:v="urn:schemas-microsoft-com:vml" xmlns:pvml="urn:schemas-microsoft-com:office:powerpoint" xmlns:com="http://schemas.openxmlformats.org/drawingml/2006/compatibility" xmlns:p14="http://schemas.microsoft.com/office/powerpoint/2010/main" xmlns:p15="http://schemas.microsoft.com/office/powerpoint/2012/main" xmlns:ahyp="http://schemas.microsoft.com/office/drawing/2018/hyperlinkcolor" showMasterPhAnim="0" showMasterSp="0">
+  <p:cSld>
+    <p:spTree>
+      <p:nvGrpSpPr>
+        <p:cNvPr id="84" name="Shape 84"/>
+        <p:cNvGrpSpPr/>
+        <p:nvPr/>
+      </p:nvGrpSpPr>
+      <p:grpSpPr>
+        <a:xfrm>
+          <a:off x="0" y="0"/>
+          <a:ext cx="0" cy="0"/>
+          <a:chOff x="0" y="0"/>
+          <a:chExt cx="0" cy="0"/>
+        </a:xfrm>
+      </p:grpSpPr>
+      <p:sp>
+        <p:nvSpPr>
+          <p:cNvPr id="85" name="Google Shape;85;g2639be00719_2_5:notes"/>
+          <p:cNvSpPr/>
+          <p:nvPr>
+            <p:ph idx="2" type="sldImg"/>
+          </p:nvPr>
+        </p:nvSpPr>
+        <p:spPr>
+          <a:xfrm>
+            <a:off x="381300" y="685800"/>
+            <a:ext cx="6096000" cy="3429000"/>
+          </a:xfrm>
+          <a:custGeom>
+            <a:rect b="b" l="l" r="r" t="t"/>
+            <a:pathLst>
+              <a:path extrusionOk="0" h="120000" w="120000">
+                <a:moveTo>
+                  <a:pt x="0" y="0"/>
+                </a:moveTo>
+                <a:lnTo>
+                  <a:pt x="120000" y="0"/>
+                </a:lnTo>
+                <a:lnTo>
+                  <a:pt x="120000" y="120000"/>
+                </a:lnTo>
+                <a:lnTo>
+                  <a:pt x="0" y="120000"/>
+                </a:lnTo>
+                <a:close/>
+              </a:path>
+            </a:pathLst>
+          </a:custGeom>
+        </p:spPr>
+      </p:sp>
+      <p:sp>
+        <p:nvSpPr>
+          <p:cNvPr id="86" name="Google Shape;86;g2639be00719_2_5:notes"/>
+          <p:cNvSpPr txBox="1"/>
+          <p:nvPr>
+            <p:ph idx="1" type="body"/>
+          </p:nvPr>
+        </p:nvSpPr>
+        <p:spPr>
+          <a:xfrm>
+            <a:off x="685800" y="4343400"/>
+            <a:ext cx="5486400" cy="4114800"/>
+          </a:xfrm>
+          <a:prstGeom prst="rect">
+            <a:avLst/>
+          </a:prstGeom>
+        </p:spPr>
+        <p:txBody>
+          <a:bodyPr anchorCtr="0" anchor="t" bIns="91425" lIns="91425" spcFirstLastPara="1" rIns="91425" wrap="square" tIns="91425">
+            <a:noAutofit/>
+          </a:bodyPr>
+          <a:lstStyle/>
+          <a:p>
+            <a:pPr indent="0" lvl="0" marL="0" rtl="0" algn="l">
+              <a:spcBef>
+                <a:spcPts val="0"/>
+              </a:spcBef>
+              <a:spcAft>
+                <a:spcPts val="0"/>
+              </a:spcAft>
+              <a:buNone/>
+            </a:pPr>
+            <a:r>
+              <a:t/>
+            </a:r>
+            <a:endParaRPr/>
+          </a:p>
+        </p:txBody>
+      </p:sp>
+    </p:spTree>
+  </p:cSld>
+  <p:clrMapOvr>
+    <a:masterClrMapping/>
+  </p:clrMapOvr>
+</p:notes>
+</file>
+
+<file path=ppt/notesSlides/notesSlide6.xml><?xml version="1.0" encoding="utf-8"?>
+<p:notes xmlns:a="http://schemas.openxmlformats.org/drawingml/2006/main" xmlns:r="http://schemas.openxmlformats.org/officeDocument/2006/relationships" xmlns:mc="http://schemas.openxmlformats.org/markup-compatibility/2006" xmlns:mv="urn:schemas-microsoft-com:mac:vml" xmlns:p="http://schemas.openxmlformats.org/presentationml/2006/main" xmlns:c="http://schemas.openxmlformats.org/drawingml/2006/chart" xmlns:dgm="http://schemas.openxmlformats.org/drawingml/2006/diagram" xmlns:o="urn:schemas-microsoft-com:office:office" xmlns:v="urn:schemas-microsoft-com:vml" xmlns:pvml="urn:schemas-microsoft-com:office:powerpoint" xmlns:com="http://schemas.openxmlformats.org/drawingml/2006/compatibility" xmlns:p14="http://schemas.microsoft.com/office/powerpoint/2010/main" xmlns:p15="http://schemas.microsoft.com/office/powerpoint/2012/main" xmlns:ahyp="http://schemas.microsoft.com/office/drawing/2018/hyperlinkcolor" showMasterPhAnim="0" showMasterSp="0">
+  <p:cSld>
+    <p:spTree>
+      <p:nvGrpSpPr>
+        <p:cNvPr id="91" name="Shape 91"/>
+        <p:cNvGrpSpPr/>
+        <p:nvPr/>
+      </p:nvGrpSpPr>
+      <p:grpSpPr>
+        <a:xfrm>
+          <a:off x="0" y="0"/>
+          <a:ext cx="0" cy="0"/>
+          <a:chOff x="0" y="0"/>
+          <a:chExt cx="0" cy="0"/>
+        </a:xfrm>
+      </p:grpSpPr>
+      <p:sp>
+        <p:nvSpPr>
+          <p:cNvPr id="92" name="Google Shape;92;g2639be00719_0_0:notes"/>
+          <p:cNvSpPr/>
+          <p:nvPr>
+            <p:ph idx="2" type="sldImg"/>
+          </p:nvPr>
+        </p:nvSpPr>
+        <p:spPr>
+          <a:xfrm>
+            <a:off x="381300" y="685800"/>
+            <a:ext cx="6096000" cy="3429000"/>
+          </a:xfrm>
+          <a:custGeom>
+            <a:rect b="b" l="l" r="r" t="t"/>
+            <a:pathLst>
+              <a:path extrusionOk="0" h="120000" w="120000">
+                <a:moveTo>
+                  <a:pt x="0" y="0"/>
+                </a:moveTo>
+                <a:lnTo>
+                  <a:pt x="120000" y="0"/>
+                </a:lnTo>
+                <a:lnTo>
+                  <a:pt x="120000" y="120000"/>
+                </a:lnTo>
+                <a:lnTo>
+                  <a:pt x="0" y="120000"/>
+                </a:lnTo>
+                <a:close/>
+              </a:path>
+            </a:pathLst>
+          </a:custGeom>
+        </p:spPr>
+      </p:sp>
+      <p:sp>
+        <p:nvSpPr>
+          <p:cNvPr id="93" name="Google Shape;93;g2639be00719_0_0:notes"/>
+          <p:cNvSpPr txBox="1"/>
+          <p:nvPr>
+            <p:ph idx="1" type="body"/>
+          </p:nvPr>
+        </p:nvSpPr>
+        <p:spPr>
+          <a:xfrm>
+            <a:off x="685800" y="4343400"/>
+            <a:ext cx="5486400" cy="4114800"/>
+          </a:xfrm>
+          <a:prstGeom prst="rect">
+            <a:avLst/>
+          </a:prstGeom>
+        </p:spPr>
+        <p:txBody>
+          <a:bodyPr anchorCtr="0" anchor="t" bIns="91425" lIns="91425" spcFirstLastPara="1" rIns="91425" wrap="square" tIns="91425">
+            <a:noAutofit/>
+          </a:bodyPr>
+          <a:lstStyle/>
+          <a:p>
+            <a:pPr indent="0" lvl="0" marL="0" rtl="0" algn="l">
+              <a:spcBef>
+                <a:spcPts val="0"/>
+              </a:spcBef>
+              <a:spcAft>
+                <a:spcPts val="0"/>
+              </a:spcAft>
+              <a:buNone/>
+            </a:pPr>
+            <a:r>
+              <a:t/>
+            </a:r>
+            <a:endParaRPr/>
+          </a:p>
+        </p:txBody>
+      </p:sp>
+    </p:spTree>
+  </p:cSld>
+  <p:clrMapOvr>
+    <a:masterClrMapping/>
+  </p:clrMapOvr>
+</p:notes>
+</file>
+
+<file path=ppt/notesSlides/notesSlide7.xml><?xml version="1.0" encoding="utf-8"?>
+<p:notes xmlns:a="http://schemas.openxmlformats.org/drawingml/2006/main" xmlns:r="http://schemas.openxmlformats.org/officeDocument/2006/relationships" xmlns:mc="http://schemas.openxmlformats.org/markup-compatibility/2006" xmlns:mv="urn:schemas-microsoft-com:mac:vml" xmlns:p="http://schemas.openxmlformats.org/presentationml/2006/main" xmlns:c="http://schemas.openxmlformats.org/drawingml/2006/chart" xmlns:dgm="http://schemas.openxmlformats.org/drawingml/2006/diagram" xmlns:o="urn:schemas-microsoft-com:office:office" xmlns:v="urn:schemas-microsoft-com:vml" xmlns:pvml="urn:schemas-microsoft-com:office:powerpoint" xmlns:com="http://schemas.openxmlformats.org/drawingml/2006/compatibility" xmlns:p14="http://schemas.microsoft.com/office/powerpoint/2010/main" xmlns:p15="http://schemas.microsoft.com/office/powerpoint/2012/main" xmlns:ahyp="http://schemas.microsoft.com/office/drawing/2018/hyperlinkcolor" showMasterPhAnim="0" showMasterSp="0">
+  <p:cSld>
+    <p:spTree>
+      <p:nvGrpSpPr>
+        <p:cNvPr id="99" name="Shape 99"/>
+        <p:cNvGrpSpPr/>
+        <p:nvPr/>
+      </p:nvGrpSpPr>
+      <p:grpSpPr>
+        <a:xfrm>
+          <a:off x="0" y="0"/>
+          <a:ext cx="0" cy="0"/>
+          <a:chOff x="0" y="0"/>
+          <a:chExt cx="0" cy="0"/>
+        </a:xfrm>
+      </p:grpSpPr>
+      <p:sp>
+        <p:nvSpPr>
+          <p:cNvPr id="100" name="Google Shape;100;g2639be00719_0_16:notes"/>
+          <p:cNvSpPr/>
+          <p:nvPr>
+            <p:ph idx="2" type="sldImg"/>
+          </p:nvPr>
+        </p:nvSpPr>
+        <p:spPr>
+          <a:xfrm>
+            <a:off x="381300" y="685800"/>
+            <a:ext cx="6096000" cy="3429000"/>
+          </a:xfrm>
+          <a:custGeom>
+            <a:rect b="b" l="l" r="r" t="t"/>
+            <a:pathLst>
+              <a:path extrusionOk="0" h="120000" w="120000">
+                <a:moveTo>
+                  <a:pt x="0" y="0"/>
+                </a:moveTo>
+                <a:lnTo>
+                  <a:pt x="120000" y="0"/>
+                </a:lnTo>
+                <a:lnTo>
+                  <a:pt x="120000" y="120000"/>
+                </a:lnTo>
+                <a:lnTo>
+                  <a:pt x="0" y="120000"/>
+                </a:lnTo>
+                <a:close/>
+              </a:path>
+            </a:pathLst>
+          </a:custGeom>
+        </p:spPr>
+      </p:sp>
+      <p:sp>
+        <p:nvSpPr>
+          <p:cNvPr id="101" name="Google Shape;101;g2639be00719_0_16:notes"/>
+          <p:cNvSpPr txBox="1"/>
+          <p:nvPr>
+            <p:ph idx="1" type="body"/>
+          </p:nvPr>
+        </p:nvSpPr>
+        <p:spPr>
+          <a:xfrm>
+            <a:off x="685800" y="4343400"/>
+            <a:ext cx="5486400" cy="4114800"/>
+          </a:xfrm>
+          <a:prstGeom prst="rect">
+            <a:avLst/>
+          </a:prstGeom>
+        </p:spPr>
+        <p:txBody>
+          <a:bodyPr anchorCtr="0" anchor="t" bIns="91425" lIns="91425" spcFirstLastPara="1" rIns="91425" wrap="square" tIns="91425">
+            <a:noAutofit/>
+          </a:bodyPr>
+          <a:lstStyle/>
+          <a:p>
+            <a:pPr indent="0" lvl="0" marL="0" rtl="0" algn="l">
+              <a:spcBef>
+                <a:spcPts val="0"/>
+              </a:spcBef>
+              <a:spcAft>
+                <a:spcPts val="0"/>
+              </a:spcAft>
+              <a:buNone/>
+            </a:pPr>
+            <a:r>
+              <a:t/>
+            </a:r>
+            <a:endParaRPr/>
+          </a:p>
+        </p:txBody>
+      </p:sp>
+    </p:spTree>
+  </p:cSld>
+  <p:clrMapOvr>
+    <a:masterClrMapping/>
+  </p:clrMapOvr>
+</p:notes>
+</file>
+
+<file path=ppt/notesSlides/notesSlide8.xml><?xml version="1.0" encoding="utf-8"?>
+<p:notes xmlns:a="http://schemas.openxmlformats.org/drawingml/2006/main" xmlns:r="http://schemas.openxmlformats.org/officeDocument/2006/relationships" xmlns:mc="http://schemas.openxmlformats.org/markup-compatibility/2006" xmlns:mv="urn:schemas-microsoft-com:mac:vml" xmlns:p="http://schemas.openxmlformats.org/presentationml/2006/main" xmlns:c="http://schemas.openxmlformats.org/drawingml/2006/chart" xmlns:dgm="http://schemas.openxmlformats.org/drawingml/2006/diagram" xmlns:o="urn:schemas-microsoft-com:office:office" xmlns:v="urn:schemas-microsoft-com:vml" xmlns:pvml="urn:schemas-microsoft-com:office:powerpoint" xmlns:com="http://schemas.openxmlformats.org/drawingml/2006/compatibility" xmlns:p14="http://schemas.microsoft.com/office/powerpoint/2010/main" xmlns:p15="http://schemas.microsoft.com/office/powerpoint/2012/main" xmlns:ahyp="http://schemas.microsoft.com/office/drawing/2018/hyperlinkcolor" showMasterPhAnim="0" showMasterSp="0">
+  <p:cSld>
+    <p:spTree>
+      <p:nvGrpSpPr>
+        <p:cNvPr id="107" name="Shape 107"/>
+        <p:cNvGrpSpPr/>
+        <p:nvPr/>
+      </p:nvGrpSpPr>
+      <p:grpSpPr>
+        <a:xfrm>
+          <a:off x="0" y="0"/>
+          <a:ext cx="0" cy="0"/>
+          <a:chOff x="0" y="0"/>
+          <a:chExt cx="0" cy="0"/>
+        </a:xfrm>
+      </p:grpSpPr>
+      <p:sp>
+        <p:nvSpPr>
+          <p:cNvPr id="108" name="Google Shape;108;g2639be00719_0_24:notes"/>
+          <p:cNvSpPr/>
+          <p:nvPr>
+            <p:ph idx="2" type="sldImg"/>
+          </p:nvPr>
+        </p:nvSpPr>
+        <p:spPr>
+          <a:xfrm>
+            <a:off x="381300" y="685800"/>
+            <a:ext cx="6096000" cy="3429000"/>
+          </a:xfrm>
+          <a:custGeom>
+            <a:rect b="b" l="l" r="r" t="t"/>
+            <a:pathLst>
+              <a:path extrusionOk="0" h="120000" w="120000">
+                <a:moveTo>
+                  <a:pt x="0" y="0"/>
+                </a:moveTo>
+                <a:lnTo>
+                  <a:pt x="120000" y="0"/>
+                </a:lnTo>
+                <a:lnTo>
+                  <a:pt x="120000" y="120000"/>
+                </a:lnTo>
+                <a:lnTo>
+                  <a:pt x="0" y="120000"/>
+                </a:lnTo>
+                <a:close/>
+              </a:path>
+            </a:pathLst>
+          </a:custGeom>
+        </p:spPr>
+      </p:sp>
+      <p:sp>
+        <p:nvSpPr>
+          <p:cNvPr id="109" name="Google Shape;109;g2639be00719_0_24:notes"/>
+          <p:cNvSpPr txBox="1"/>
+          <p:nvPr>
+            <p:ph idx="1" type="body"/>
+          </p:nvPr>
+        </p:nvSpPr>
+        <p:spPr>
+          <a:xfrm>
+            <a:off x="685800" y="4343400"/>
+            <a:ext cx="5486400" cy="4114800"/>
+          </a:xfrm>
+          <a:prstGeom prst="rect">
+            <a:avLst/>
+          </a:prstGeom>
+        </p:spPr>
+        <p:txBody>
+          <a:bodyPr anchorCtr="0" anchor="t" bIns="91425" lIns="91425" spcFirstLastPara="1" rIns="91425" wrap="square" tIns="91425">
+            <a:noAutofit/>
+          </a:bodyPr>
+          <a:lstStyle/>
+          <a:p>
+            <a:pPr indent="0" lvl="0" marL="0" rtl="0" algn="l">
+              <a:spcBef>
+                <a:spcPts val="0"/>
+              </a:spcBef>
+              <a:spcAft>
+                <a:spcPts val="0"/>
+              </a:spcAft>
+              <a:buNone/>
+            </a:pPr>
+            <a:r>
+              <a:t/>
+            </a:r>
+            <a:endParaRPr/>
+          </a:p>
+        </p:txBody>
+      </p:sp>
+    </p:spTree>
+  </p:cSld>
+  <p:clrMapOvr>
+    <a:masterClrMapping/>
+  </p:clrMapOvr>
+</p:notes>
+</file>
+
+<file path=ppt/notesSlides/notesSlide9.xml><?xml version="1.0" encoding="utf-8"?>
+<p:notes xmlns:a="http://schemas.openxmlformats.org/drawingml/2006/main" xmlns:r="http://schemas.openxmlformats.org/officeDocument/2006/relationships" xmlns:mc="http://schemas.openxmlformats.org/markup-compatibility/2006" xmlns:mv="urn:schemas-microsoft-com:mac:vml" xmlns:p="http://schemas.openxmlformats.org/presentationml/2006/main" xmlns:c="http://schemas.openxmlformats.org/drawingml/2006/chart" xmlns:dgm="http://schemas.openxmlformats.org/drawingml/2006/diagram" xmlns:o="urn:schemas-microsoft-com:office:office" xmlns:v="urn:schemas-microsoft-com:vml" xmlns:pvml="urn:schemas-microsoft-com:office:powerpoint" xmlns:com="http://schemas.openxmlformats.org/drawingml/2006/compatibility" xmlns:p14="http://schemas.microsoft.com/office/powerpoint/2010/main" xmlns:p15="http://schemas.microsoft.com/office/powerpoint/2012/main" xmlns:ahyp="http://schemas.microsoft.com/office/drawing/2018/hyperlinkcolor" showMasterPhAnim="0" showMasterSp="0">
+  <p:cSld>
+    <p:spTree>
+      <p:nvGrpSpPr>
+        <p:cNvPr id="114" name="Shape 114"/>
+        <p:cNvGrpSpPr/>
+        <p:nvPr/>
+      </p:nvGrpSpPr>
+      <p:grpSpPr>
+        <a:xfrm>
+          <a:off x="0" y="0"/>
+          <a:ext cx="0" cy="0"/>
+          <a:chOff x="0" y="0"/>
+          <a:chExt cx="0" cy="0"/>
+        </a:xfrm>
+      </p:grpSpPr>
+      <p:sp>
+        <p:nvSpPr>
+          <p:cNvPr id="115" name="Google Shape;115;g2639be00719_3_0:notes"/>
+          <p:cNvSpPr/>
+          <p:nvPr>
+            <p:ph idx="2" type="sldImg"/>
+          </p:nvPr>
+        </p:nvSpPr>
+        <p:spPr>
+          <a:xfrm>
+            <a:off x="381300" y="685800"/>
+            <a:ext cx="6096000" cy="3429000"/>
+          </a:xfrm>
+          <a:custGeom>
+            <a:rect b="b" l="l" r="r" t="t"/>
+            <a:pathLst>
+              <a:path extrusionOk="0" h="120000" w="120000">
+                <a:moveTo>
+                  <a:pt x="0" y="0"/>
+                </a:moveTo>
+                <a:lnTo>
+                  <a:pt x="120000" y="0"/>
+                </a:lnTo>
+                <a:lnTo>
+                  <a:pt x="120000" y="120000"/>
+                </a:lnTo>
+                <a:lnTo>
+                  <a:pt x="0" y="120000"/>
+                </a:lnTo>
+                <a:close/>
+              </a:path>
+            </a:pathLst>
+          </a:custGeom>
+        </p:spPr>
+      </p:sp>
+      <p:sp>
+        <p:nvSpPr>
+          <p:cNvPr id="116" name="Google Shape;116;g2639be00719_3_0:notes"/>
           <p:cNvSpPr txBox="1"/>
           <p:nvPr>
             <p:ph idx="1" type="body"/>
@@ -6026,7 +6826,7 @@
     <p:sldLayoutId id="2147483657" r:id="rId10"/>
     <p:sldLayoutId id="2147483658" r:id="rId11"/>
   </p:sldLayoutIdLst>
-  <p:hf dt="0" ftr="0" hdr="0" sldNum="0"/>
+  <p:hf dt="0" ftr="0" hdr="0"/>
   <p:txStyles>
     <p:titleStyle>
       <a:defPPr lvl="0" marR="0" rtl="0" algn="l">
@@ -6794,7 +7594,7 @@
             <a:tbl>
               <a:tblPr>
                 <a:noFill/>
-                <a:tableStyleId>{F9C2D86E-5D9C-4022-A9F3-8F03BAC1A5AA}</a:tableStyleId>
+                <a:tableStyleId>{899D3B0B-E436-408B-96EE-2903464BA0A9}</a:tableStyleId>
               </a:tblPr>
               <a:tblGrid>
                 <a:gridCol w="1809750"/>
@@ -7465,6 +8265,1380 @@
 </p:sld>
 </file>
 
+<file path=ppt/slides/slide10.xml><?xml version="1.0" encoding="utf-8"?>
+<p:sld xmlns:a="http://schemas.openxmlformats.org/drawingml/2006/main" xmlns:r="http://schemas.openxmlformats.org/officeDocument/2006/relationships" xmlns:mc="http://schemas.openxmlformats.org/markup-compatibility/2006" xmlns:mv="urn:schemas-microsoft-com:mac:vml" xmlns:p="http://schemas.openxmlformats.org/presentationml/2006/main" xmlns:c="http://schemas.openxmlformats.org/drawingml/2006/chart" xmlns:dgm="http://schemas.openxmlformats.org/drawingml/2006/diagram" xmlns:o="urn:schemas-microsoft-com:office:office" xmlns:v="urn:schemas-microsoft-com:vml" xmlns:pvml="urn:schemas-microsoft-com:office:powerpoint" xmlns:com="http://schemas.openxmlformats.org/drawingml/2006/compatibility" xmlns:p14="http://schemas.microsoft.com/office/powerpoint/2010/main" xmlns:p15="http://schemas.microsoft.com/office/powerpoint/2012/main" xmlns:ahyp="http://schemas.microsoft.com/office/drawing/2018/hyperlinkcolor">
+  <p:cSld>
+    <p:spTree>
+      <p:nvGrpSpPr>
+        <p:cNvPr id="126" name="Shape 126"/>
+        <p:cNvGrpSpPr/>
+        <p:nvPr/>
+      </p:nvGrpSpPr>
+      <p:grpSpPr>
+        <a:xfrm>
+          <a:off x="0" y="0"/>
+          <a:ext cx="0" cy="0"/>
+          <a:chOff x="0" y="0"/>
+          <a:chExt cx="0" cy="0"/>
+        </a:xfrm>
+      </p:grpSpPr>
+      <p:sp>
+        <p:nvSpPr>
+          <p:cNvPr id="127" name="Google Shape;127;p22"/>
+          <p:cNvSpPr txBox="1"/>
+          <p:nvPr>
+            <p:ph idx="12" type="sldNum"/>
+          </p:nvPr>
+        </p:nvSpPr>
+        <p:spPr>
+          <a:xfrm>
+            <a:off x="8472458" y="4663217"/>
+            <a:ext cx="548700" cy="393600"/>
+          </a:xfrm>
+          <a:prstGeom prst="rect">
+            <a:avLst/>
+          </a:prstGeom>
+        </p:spPr>
+        <p:txBody>
+          <a:bodyPr anchorCtr="0" anchor="ctr" bIns="91425" lIns="91425" spcFirstLastPara="1" rIns="91425" wrap="square" tIns="91425">
+            <a:normAutofit/>
+          </a:bodyPr>
+          <a:lstStyle/>
+          <a:p>
+            <a:pPr indent="0" lvl="0" marL="0" rtl="0" algn="r">
+              <a:spcBef>
+                <a:spcPts val="0"/>
+              </a:spcBef>
+              <a:spcAft>
+                <a:spcPts val="0"/>
+              </a:spcAft>
+              <a:buNone/>
+            </a:pPr>
+            <a:fld id="{00000000-1234-1234-1234-123412341234}" type="slidenum">
+              <a:rPr lang="en"/>
+              <a:t>‹#›</a:t>
+            </a:fld>
+            <a:endParaRPr/>
+          </a:p>
+        </p:txBody>
+      </p:sp>
+      <p:sp>
+        <p:nvSpPr>
+          <p:cNvPr id="128" name="Google Shape;128;p22"/>
+          <p:cNvSpPr txBox="1"/>
+          <p:nvPr>
+            <p:ph type="title"/>
+          </p:nvPr>
+        </p:nvSpPr>
+        <p:spPr>
+          <a:xfrm>
+            <a:off x="311700" y="445025"/>
+            <a:ext cx="8520600" cy="572700"/>
+          </a:xfrm>
+          <a:prstGeom prst="rect">
+            <a:avLst/>
+          </a:prstGeom>
+        </p:spPr>
+        <p:txBody>
+          <a:bodyPr anchorCtr="0" anchor="t" bIns="91425" lIns="91425" spcFirstLastPara="1" rIns="91425" wrap="square" tIns="91425">
+            <a:normAutofit fontScale="90000"/>
+          </a:bodyPr>
+          <a:lstStyle/>
+          <a:p>
+            <a:pPr indent="0" lvl="0" marL="0" rtl="0" algn="l">
+              <a:spcBef>
+                <a:spcPts val="0"/>
+              </a:spcBef>
+              <a:spcAft>
+                <a:spcPts val="0"/>
+              </a:spcAft>
+              <a:buNone/>
+            </a:pPr>
+            <a:r>
+              <a:rPr lang="en"/>
+              <a:t>What did we learn:</a:t>
+            </a:r>
+            <a:endParaRPr/>
+          </a:p>
+        </p:txBody>
+      </p:sp>
+      <p:sp>
+        <p:nvSpPr>
+          <p:cNvPr id="129" name="Google Shape;129;p22"/>
+          <p:cNvSpPr txBox="1"/>
+          <p:nvPr>
+            <p:ph idx="1" type="body"/>
+          </p:nvPr>
+        </p:nvSpPr>
+        <p:spPr>
+          <a:xfrm>
+            <a:off x="311700" y="1152475"/>
+            <a:ext cx="8520600" cy="3416400"/>
+          </a:xfrm>
+          <a:prstGeom prst="rect">
+            <a:avLst/>
+          </a:prstGeom>
+        </p:spPr>
+        <p:txBody>
+          <a:bodyPr anchorCtr="0" anchor="t" bIns="91425" lIns="91425" spcFirstLastPara="1" rIns="91425" wrap="square" tIns="91425">
+            <a:normAutofit/>
+          </a:bodyPr>
+          <a:lstStyle/>
+          <a:p>
+            <a:pPr indent="-342900" lvl="0" marL="457200" rtl="0" algn="l">
+              <a:spcBef>
+                <a:spcPts val="0"/>
+              </a:spcBef>
+              <a:spcAft>
+                <a:spcPts val="0"/>
+              </a:spcAft>
+              <a:buSzPts val="1800"/>
+              <a:buChar char="●"/>
+            </a:pPr>
+            <a:r>
+              <a:rPr lang="en"/>
+              <a:t>When doing disease detection for plants we should use both lab and field images while training.</a:t>
+            </a:r>
+            <a:endParaRPr/>
+          </a:p>
+          <a:p>
+            <a:pPr indent="-342900" lvl="0" marL="457200" rtl="0" algn="l">
+              <a:spcBef>
+                <a:spcPts val="0"/>
+              </a:spcBef>
+              <a:spcAft>
+                <a:spcPts val="0"/>
+              </a:spcAft>
+              <a:buSzPts val="1800"/>
+              <a:buChar char="●"/>
+            </a:pPr>
+            <a:r>
+              <a:rPr lang="en"/>
+              <a:t>From all of the models they trained using DenseNet </a:t>
+            </a:r>
+            <a:r>
+              <a:rPr lang="en"/>
+              <a:t>performed</a:t>
+            </a:r>
+            <a:r>
+              <a:rPr lang="en"/>
+              <a:t> best for them.</a:t>
+            </a:r>
+            <a:endParaRPr/>
+          </a:p>
+          <a:p>
+            <a:pPr indent="0" lvl="0" marL="0" rtl="0" algn="l">
+              <a:spcBef>
+                <a:spcPts val="1200"/>
+              </a:spcBef>
+              <a:spcAft>
+                <a:spcPts val="1200"/>
+              </a:spcAft>
+              <a:buNone/>
+            </a:pPr>
+            <a:r>
+              <a:t/>
+            </a:r>
+            <a:endParaRPr/>
+          </a:p>
+        </p:txBody>
+      </p:sp>
+    </p:spTree>
+  </p:cSld>
+  <p:clrMapOvr>
+    <a:masterClrMapping/>
+  </p:clrMapOvr>
+</p:sld>
+</file>
+
+<file path=ppt/slides/slide11.xml><?xml version="1.0" encoding="utf-8"?>
+<p:sld xmlns:a="http://schemas.openxmlformats.org/drawingml/2006/main" xmlns:r="http://schemas.openxmlformats.org/officeDocument/2006/relationships" xmlns:mc="http://schemas.openxmlformats.org/markup-compatibility/2006" xmlns:mv="urn:schemas-microsoft-com:mac:vml" xmlns:p="http://schemas.openxmlformats.org/presentationml/2006/main" xmlns:c="http://schemas.openxmlformats.org/drawingml/2006/chart" xmlns:dgm="http://schemas.openxmlformats.org/drawingml/2006/diagram" xmlns:o="urn:schemas-microsoft-com:office:office" xmlns:v="urn:schemas-microsoft-com:vml" xmlns:pvml="urn:schemas-microsoft-com:office:powerpoint" xmlns:com="http://schemas.openxmlformats.org/drawingml/2006/compatibility" xmlns:p14="http://schemas.microsoft.com/office/powerpoint/2010/main" xmlns:p15="http://schemas.microsoft.com/office/powerpoint/2012/main" xmlns:ahyp="http://schemas.microsoft.com/office/drawing/2018/hyperlinkcolor">
+  <p:cSld>
+    <p:spTree>
+      <p:nvGrpSpPr>
+        <p:cNvPr id="133" name="Shape 133"/>
+        <p:cNvGrpSpPr/>
+        <p:nvPr/>
+      </p:nvGrpSpPr>
+      <p:grpSpPr>
+        <a:xfrm>
+          <a:off x="0" y="0"/>
+          <a:ext cx="0" cy="0"/>
+          <a:chOff x="0" y="0"/>
+          <a:chExt cx="0" cy="0"/>
+        </a:xfrm>
+      </p:grpSpPr>
+      <p:sp>
+        <p:nvSpPr>
+          <p:cNvPr id="134" name="Google Shape;134;p23"/>
+          <p:cNvSpPr txBox="1"/>
+          <p:nvPr>
+            <p:ph idx="12" type="sldNum"/>
+          </p:nvPr>
+        </p:nvSpPr>
+        <p:spPr>
+          <a:xfrm>
+            <a:off x="8472458" y="4663217"/>
+            <a:ext cx="548700" cy="393600"/>
+          </a:xfrm>
+          <a:prstGeom prst="rect">
+            <a:avLst/>
+          </a:prstGeom>
+        </p:spPr>
+        <p:txBody>
+          <a:bodyPr anchorCtr="0" anchor="ctr" bIns="91425" lIns="91425" spcFirstLastPara="1" rIns="91425" wrap="square" tIns="91425">
+            <a:normAutofit/>
+          </a:bodyPr>
+          <a:lstStyle/>
+          <a:p>
+            <a:pPr indent="0" lvl="0" marL="0" rtl="0" algn="r">
+              <a:spcBef>
+                <a:spcPts val="0"/>
+              </a:spcBef>
+              <a:spcAft>
+                <a:spcPts val="0"/>
+              </a:spcAft>
+              <a:buNone/>
+            </a:pPr>
+            <a:fld id="{00000000-1234-1234-1234-123412341234}" type="slidenum">
+              <a:rPr lang="en"/>
+              <a:t>‹#›</a:t>
+            </a:fld>
+            <a:endParaRPr/>
+          </a:p>
+        </p:txBody>
+      </p:sp>
+      <p:sp>
+        <p:nvSpPr>
+          <p:cNvPr id="135" name="Google Shape;135;p23"/>
+          <p:cNvSpPr txBox="1"/>
+          <p:nvPr>
+            <p:ph type="title"/>
+          </p:nvPr>
+        </p:nvSpPr>
+        <p:spPr>
+          <a:xfrm>
+            <a:off x="311700" y="445025"/>
+            <a:ext cx="8520600" cy="572700"/>
+          </a:xfrm>
+          <a:prstGeom prst="rect">
+            <a:avLst/>
+          </a:prstGeom>
+        </p:spPr>
+        <p:txBody>
+          <a:bodyPr anchorCtr="0" anchor="t" bIns="91425" lIns="91425" spcFirstLastPara="1" rIns="91425" wrap="square" tIns="91425">
+            <a:normAutofit fontScale="90000"/>
+          </a:bodyPr>
+          <a:lstStyle/>
+          <a:p>
+            <a:pPr indent="0" lvl="0" marL="0" rtl="0" algn="l">
+              <a:spcBef>
+                <a:spcPts val="0"/>
+              </a:spcBef>
+              <a:spcAft>
+                <a:spcPts val="0"/>
+              </a:spcAft>
+              <a:buNone/>
+            </a:pPr>
+            <a:r>
+              <a:rPr lang="en"/>
+              <a:t>Literature Review 4</a:t>
+            </a:r>
+            <a:endParaRPr/>
+          </a:p>
+        </p:txBody>
+      </p:sp>
+      <p:sp>
+        <p:nvSpPr>
+          <p:cNvPr id="136" name="Google Shape;136;p23"/>
+          <p:cNvSpPr txBox="1"/>
+          <p:nvPr>
+            <p:ph idx="1" type="body"/>
+          </p:nvPr>
+        </p:nvSpPr>
+        <p:spPr>
+          <a:xfrm>
+            <a:off x="311700" y="1152475"/>
+            <a:ext cx="8520600" cy="1004400"/>
+          </a:xfrm>
+          <a:prstGeom prst="rect">
+            <a:avLst/>
+          </a:prstGeom>
+        </p:spPr>
+        <p:txBody>
+          <a:bodyPr anchorCtr="0" anchor="t" bIns="91425" lIns="91425" spcFirstLastPara="1" rIns="91425" wrap="square" tIns="91425">
+            <a:normAutofit/>
+          </a:bodyPr>
+          <a:lstStyle/>
+          <a:p>
+            <a:pPr indent="0" lvl="0" marL="0" rtl="0" algn="l">
+              <a:spcBef>
+                <a:spcPts val="0"/>
+              </a:spcBef>
+              <a:spcAft>
+                <a:spcPts val="1200"/>
+              </a:spcAft>
+              <a:buNone/>
+            </a:pPr>
+            <a:r>
+              <a:rPr lang="en"/>
+              <a:t>Paper title: </a:t>
+            </a:r>
+            <a:r>
+              <a:rPr lang="en"/>
+              <a:t>Plant Disease Identification Using Transfer Learning</a:t>
+            </a:r>
+            <a:r>
+              <a:rPr lang="en"/>
+              <a:t>[4]</a:t>
+            </a:r>
+            <a:endParaRPr/>
+          </a:p>
+        </p:txBody>
+      </p:sp>
+      <p:sp>
+        <p:nvSpPr>
+          <p:cNvPr id="137" name="Google Shape;137;p23"/>
+          <p:cNvSpPr txBox="1"/>
+          <p:nvPr/>
+        </p:nvSpPr>
+        <p:spPr>
+          <a:xfrm>
+            <a:off x="311700" y="1801500"/>
+            <a:ext cx="8784600" cy="2575800"/>
+          </a:xfrm>
+          <a:prstGeom prst="rect">
+            <a:avLst/>
+          </a:prstGeom>
+          <a:noFill/>
+          <a:ln>
+            <a:noFill/>
+          </a:ln>
+        </p:spPr>
+        <p:txBody>
+          <a:bodyPr anchorCtr="0" anchor="t" bIns="91425" lIns="91425" spcFirstLastPara="1" rIns="91425" wrap="square" tIns="91425">
+            <a:noAutofit/>
+          </a:bodyPr>
+          <a:lstStyle/>
+          <a:p>
+            <a:pPr indent="-342900" lvl="0" marL="457200" rtl="0" algn="l">
+              <a:spcBef>
+                <a:spcPts val="0"/>
+              </a:spcBef>
+              <a:spcAft>
+                <a:spcPts val="0"/>
+              </a:spcAft>
+              <a:buClr>
+                <a:schemeClr val="accent3"/>
+              </a:buClr>
+              <a:buSzPts val="1800"/>
+              <a:buFont typeface="Proxima Nova"/>
+              <a:buChar char="●"/>
+            </a:pPr>
+            <a:r>
+              <a:rPr lang="en" sz="1800">
+                <a:solidFill>
+                  <a:schemeClr val="accent3"/>
+                </a:solidFill>
+                <a:latin typeface="Proxima Nova"/>
+                <a:ea typeface="Proxima Nova"/>
+                <a:cs typeface="Proxima Nova"/>
+                <a:sym typeface="Proxima Nova"/>
+              </a:rPr>
+              <a:t>The extensive comparative study aimed to find the difference in performance between different deep learning models.</a:t>
+            </a:r>
+            <a:endParaRPr sz="1800">
+              <a:solidFill>
+                <a:schemeClr val="accent3"/>
+              </a:solidFill>
+              <a:latin typeface="Proxima Nova"/>
+              <a:ea typeface="Proxima Nova"/>
+              <a:cs typeface="Proxima Nova"/>
+              <a:sym typeface="Proxima Nova"/>
+            </a:endParaRPr>
+          </a:p>
+          <a:p>
+            <a:pPr indent="-342900" lvl="0" marL="457200" rtl="0" algn="l">
+              <a:spcBef>
+                <a:spcPts val="0"/>
+              </a:spcBef>
+              <a:spcAft>
+                <a:spcPts val="0"/>
+              </a:spcAft>
+              <a:buClr>
+                <a:schemeClr val="accent3"/>
+              </a:buClr>
+              <a:buSzPts val="1800"/>
+              <a:buFont typeface="Proxima Nova"/>
+              <a:buChar char="●"/>
+            </a:pPr>
+            <a:r>
+              <a:rPr lang="en" sz="1800">
+                <a:solidFill>
+                  <a:schemeClr val="accent3"/>
+                </a:solidFill>
+                <a:latin typeface="Proxima Nova"/>
+                <a:ea typeface="Proxima Nova"/>
+                <a:cs typeface="Proxima Nova"/>
+                <a:sym typeface="Proxima Nova"/>
+              </a:rPr>
+              <a:t>For transfer </a:t>
+            </a:r>
+            <a:r>
+              <a:rPr lang="en" sz="1800">
+                <a:solidFill>
+                  <a:schemeClr val="accent3"/>
+                </a:solidFill>
+                <a:latin typeface="Proxima Nova"/>
+                <a:ea typeface="Proxima Nova"/>
+                <a:cs typeface="Proxima Nova"/>
+                <a:sym typeface="Proxima Nova"/>
+              </a:rPr>
+              <a:t>learning</a:t>
+            </a:r>
+            <a:r>
+              <a:rPr lang="en" sz="1800">
+                <a:solidFill>
+                  <a:schemeClr val="accent3"/>
+                </a:solidFill>
+                <a:latin typeface="Proxima Nova"/>
+                <a:ea typeface="Proxima Nova"/>
+                <a:cs typeface="Proxima Nova"/>
+                <a:sym typeface="Proxima Nova"/>
+              </a:rPr>
+              <a:t>,The chosen model were VGG16 and ResNet50.</a:t>
+            </a:r>
+            <a:endParaRPr sz="1800">
+              <a:solidFill>
+                <a:schemeClr val="accent3"/>
+              </a:solidFill>
+              <a:latin typeface="Proxima Nova"/>
+              <a:ea typeface="Proxima Nova"/>
+              <a:cs typeface="Proxima Nova"/>
+              <a:sym typeface="Proxima Nova"/>
+            </a:endParaRPr>
+          </a:p>
+          <a:p>
+            <a:pPr indent="-342900" lvl="0" marL="457200" rtl="0" algn="l">
+              <a:spcBef>
+                <a:spcPts val="0"/>
+              </a:spcBef>
+              <a:spcAft>
+                <a:spcPts val="0"/>
+              </a:spcAft>
+              <a:buClr>
+                <a:schemeClr val="accent3"/>
+              </a:buClr>
+              <a:buSzPts val="1800"/>
+              <a:buFont typeface="Proxima Nova"/>
+              <a:buChar char="●"/>
+            </a:pPr>
+            <a:r>
+              <a:rPr lang="en" sz="1800">
+                <a:solidFill>
+                  <a:schemeClr val="accent3"/>
+                </a:solidFill>
+                <a:latin typeface="Proxima Nova"/>
+                <a:ea typeface="Proxima Nova"/>
+                <a:cs typeface="Proxima Nova"/>
+                <a:sym typeface="Proxima Nova"/>
+              </a:rPr>
+              <a:t>For machine learning, t</a:t>
+            </a:r>
+            <a:r>
+              <a:rPr lang="en" sz="1800">
+                <a:solidFill>
+                  <a:schemeClr val="accent3"/>
+                </a:solidFill>
+                <a:latin typeface="Proxima Nova"/>
+                <a:ea typeface="Proxima Nova"/>
+                <a:cs typeface="Proxima Nova"/>
+                <a:sym typeface="Proxima Nova"/>
+              </a:rPr>
+              <a:t>he chosen model is</a:t>
+            </a:r>
+            <a:r>
+              <a:rPr lang="en" sz="1800">
+                <a:solidFill>
+                  <a:schemeClr val="accent3"/>
+                </a:solidFill>
+                <a:latin typeface="Proxima Nova"/>
+                <a:ea typeface="Proxima Nova"/>
+                <a:cs typeface="Proxima Nova"/>
+                <a:sym typeface="Proxima Nova"/>
+              </a:rPr>
+              <a:t> MCNN (Multilayer Convolutional Neural Network).</a:t>
+            </a:r>
+            <a:endParaRPr sz="1800">
+              <a:solidFill>
+                <a:schemeClr val="accent3"/>
+              </a:solidFill>
+              <a:latin typeface="Proxima Nova"/>
+              <a:ea typeface="Proxima Nova"/>
+              <a:cs typeface="Proxima Nova"/>
+              <a:sym typeface="Proxima Nova"/>
+            </a:endParaRPr>
+          </a:p>
+          <a:p>
+            <a:pPr indent="-342900" lvl="0" marL="457200" rtl="0" algn="l">
+              <a:spcBef>
+                <a:spcPts val="0"/>
+              </a:spcBef>
+              <a:spcAft>
+                <a:spcPts val="0"/>
+              </a:spcAft>
+              <a:buClr>
+                <a:schemeClr val="accent3"/>
+              </a:buClr>
+              <a:buSzPts val="1800"/>
+              <a:buFont typeface="Proxima Nova"/>
+              <a:buChar char="●"/>
+            </a:pPr>
+            <a:r>
+              <a:rPr lang="en" sz="1800">
+                <a:solidFill>
+                  <a:schemeClr val="accent3"/>
+                </a:solidFill>
+                <a:latin typeface="Proxima Nova"/>
+                <a:ea typeface="Proxima Nova"/>
+                <a:cs typeface="Proxima Nova"/>
+                <a:sym typeface="Proxima Nova"/>
+              </a:rPr>
+              <a:t>The models MCNN, VGG16, ResNet50 a</a:t>
+            </a:r>
+            <a:r>
+              <a:rPr lang="en" sz="1800">
+                <a:solidFill>
+                  <a:schemeClr val="accent3"/>
+                </a:solidFill>
+                <a:latin typeface="Proxima Nova"/>
+                <a:ea typeface="Proxima Nova"/>
+                <a:cs typeface="Proxima Nova"/>
+                <a:sym typeface="Proxima Nova"/>
+              </a:rPr>
+              <a:t>chieved the accuracies of </a:t>
+            </a:r>
+            <a:r>
+              <a:rPr lang="en" sz="1800">
+                <a:solidFill>
+                  <a:schemeClr val="accent3"/>
+                </a:solidFill>
+                <a:latin typeface="Proxima Nova"/>
+                <a:ea typeface="Proxima Nova"/>
+                <a:cs typeface="Proxima Nova"/>
+                <a:sym typeface="Proxima Nova"/>
+              </a:rPr>
+              <a:t> 93.7%, 98.3%  and 98.93%.</a:t>
+            </a:r>
+            <a:endParaRPr sz="1800">
+              <a:solidFill>
+                <a:schemeClr val="accent3"/>
+              </a:solidFill>
+              <a:latin typeface="Proxima Nova"/>
+              <a:ea typeface="Proxima Nova"/>
+              <a:cs typeface="Proxima Nova"/>
+              <a:sym typeface="Proxima Nova"/>
+            </a:endParaRPr>
+          </a:p>
+          <a:p>
+            <a:pPr indent="-342900" lvl="0" marL="457200" rtl="0" algn="l">
+              <a:spcBef>
+                <a:spcPts val="0"/>
+              </a:spcBef>
+              <a:spcAft>
+                <a:spcPts val="0"/>
+              </a:spcAft>
+              <a:buClr>
+                <a:schemeClr val="accent3"/>
+              </a:buClr>
+              <a:buSzPts val="1800"/>
+              <a:buFont typeface="Proxima Nova"/>
+              <a:buChar char="●"/>
+            </a:pPr>
+            <a:r>
+              <a:rPr lang="en" sz="1800">
+                <a:solidFill>
+                  <a:schemeClr val="accent3"/>
+                </a:solidFill>
+                <a:latin typeface="Proxima Nova"/>
+                <a:ea typeface="Proxima Nova"/>
+                <a:cs typeface="Proxima Nova"/>
+                <a:sym typeface="Proxima Nova"/>
+              </a:rPr>
+              <a:t>The model with the highest classifier accuracy in the study was ResNet50, which achieved an accuracy of 98.93% for plant disease identification</a:t>
+            </a:r>
+            <a:endParaRPr sz="1800">
+              <a:solidFill>
+                <a:schemeClr val="accent3"/>
+              </a:solidFill>
+              <a:latin typeface="Proxima Nova"/>
+              <a:ea typeface="Proxima Nova"/>
+              <a:cs typeface="Proxima Nova"/>
+              <a:sym typeface="Proxima Nova"/>
+            </a:endParaRPr>
+          </a:p>
+        </p:txBody>
+      </p:sp>
+      <p:sp>
+        <p:nvSpPr>
+          <p:cNvPr id="138" name="Google Shape;138;p23"/>
+          <p:cNvSpPr txBox="1"/>
+          <p:nvPr>
+            <p:ph idx="12" type="sldNum"/>
+          </p:nvPr>
+        </p:nvSpPr>
+        <p:spPr>
+          <a:xfrm>
+            <a:off x="8472458" y="4663217"/>
+            <a:ext cx="548700" cy="393600"/>
+          </a:xfrm>
+          <a:prstGeom prst="rect">
+            <a:avLst/>
+          </a:prstGeom>
+        </p:spPr>
+        <p:txBody>
+          <a:bodyPr anchorCtr="0" anchor="ctr" bIns="91425" lIns="91425" spcFirstLastPara="1" rIns="91425" wrap="square" tIns="91425">
+            <a:normAutofit/>
+          </a:bodyPr>
+          <a:lstStyle/>
+          <a:p>
+            <a:pPr indent="0" lvl="0" marL="0" rtl="0" algn="r">
+              <a:spcBef>
+                <a:spcPts val="0"/>
+              </a:spcBef>
+              <a:spcAft>
+                <a:spcPts val="0"/>
+              </a:spcAft>
+              <a:buNone/>
+            </a:pPr>
+            <a:fld id="{00000000-1234-1234-1234-123412341234}" type="slidenum">
+              <a:rPr lang="en"/>
+              <a:t>‹#›</a:t>
+            </a:fld>
+            <a:endParaRPr/>
+          </a:p>
+        </p:txBody>
+      </p:sp>
+    </p:spTree>
+  </p:cSld>
+  <p:clrMapOvr>
+    <a:masterClrMapping/>
+  </p:clrMapOvr>
+</p:sld>
+</file>
+
+<file path=ppt/slides/slide12.xml><?xml version="1.0" encoding="utf-8"?>
+<p:sld xmlns:a="http://schemas.openxmlformats.org/drawingml/2006/main" xmlns:r="http://schemas.openxmlformats.org/officeDocument/2006/relationships" xmlns:mc="http://schemas.openxmlformats.org/markup-compatibility/2006" xmlns:mv="urn:schemas-microsoft-com:mac:vml" xmlns:p="http://schemas.openxmlformats.org/presentationml/2006/main" xmlns:c="http://schemas.openxmlformats.org/drawingml/2006/chart" xmlns:dgm="http://schemas.openxmlformats.org/drawingml/2006/diagram" xmlns:o="urn:schemas-microsoft-com:office:office" xmlns:v="urn:schemas-microsoft-com:vml" xmlns:pvml="urn:schemas-microsoft-com:office:powerpoint" xmlns:com="http://schemas.openxmlformats.org/drawingml/2006/compatibility" xmlns:p14="http://schemas.microsoft.com/office/powerpoint/2010/main" xmlns:p15="http://schemas.microsoft.com/office/powerpoint/2012/main" xmlns:ahyp="http://schemas.microsoft.com/office/drawing/2018/hyperlinkcolor">
+  <p:cSld>
+    <p:spTree>
+      <p:nvGrpSpPr>
+        <p:cNvPr id="142" name="Shape 142"/>
+        <p:cNvGrpSpPr/>
+        <p:nvPr/>
+      </p:nvGrpSpPr>
+      <p:grpSpPr>
+        <a:xfrm>
+          <a:off x="0" y="0"/>
+          <a:ext cx="0" cy="0"/>
+          <a:chOff x="0" y="0"/>
+          <a:chExt cx="0" cy="0"/>
+        </a:xfrm>
+      </p:grpSpPr>
+      <p:sp>
+        <p:nvSpPr>
+          <p:cNvPr id="143" name="Google Shape;143;p24"/>
+          <p:cNvSpPr txBox="1"/>
+          <p:nvPr>
+            <p:ph idx="12" type="sldNum"/>
+          </p:nvPr>
+        </p:nvSpPr>
+        <p:spPr>
+          <a:xfrm>
+            <a:off x="8472458" y="4663217"/>
+            <a:ext cx="548700" cy="393600"/>
+          </a:xfrm>
+          <a:prstGeom prst="rect">
+            <a:avLst/>
+          </a:prstGeom>
+        </p:spPr>
+        <p:txBody>
+          <a:bodyPr anchorCtr="0" anchor="ctr" bIns="91425" lIns="91425" spcFirstLastPara="1" rIns="91425" wrap="square" tIns="91425">
+            <a:normAutofit/>
+          </a:bodyPr>
+          <a:lstStyle/>
+          <a:p>
+            <a:pPr indent="0" lvl="0" marL="0" rtl="0" algn="r">
+              <a:spcBef>
+                <a:spcPts val="0"/>
+              </a:spcBef>
+              <a:spcAft>
+                <a:spcPts val="0"/>
+              </a:spcAft>
+              <a:buNone/>
+            </a:pPr>
+            <a:fld id="{00000000-1234-1234-1234-123412341234}" type="slidenum">
+              <a:rPr lang="en"/>
+              <a:t>‹#›</a:t>
+            </a:fld>
+            <a:endParaRPr/>
+          </a:p>
+        </p:txBody>
+      </p:sp>
+      <p:sp>
+        <p:nvSpPr>
+          <p:cNvPr id="144" name="Google Shape;144;p24"/>
+          <p:cNvSpPr txBox="1"/>
+          <p:nvPr>
+            <p:ph type="title"/>
+          </p:nvPr>
+        </p:nvSpPr>
+        <p:spPr>
+          <a:xfrm>
+            <a:off x="311700" y="445025"/>
+            <a:ext cx="8520600" cy="572700"/>
+          </a:xfrm>
+          <a:prstGeom prst="rect">
+            <a:avLst/>
+          </a:prstGeom>
+        </p:spPr>
+        <p:txBody>
+          <a:bodyPr anchorCtr="0" anchor="t" bIns="91425" lIns="91425" spcFirstLastPara="1" rIns="91425" wrap="square" tIns="91425">
+            <a:normAutofit fontScale="90000"/>
+          </a:bodyPr>
+          <a:lstStyle/>
+          <a:p>
+            <a:pPr indent="0" lvl="0" marL="0" rtl="0" algn="l">
+              <a:spcBef>
+                <a:spcPts val="0"/>
+              </a:spcBef>
+              <a:spcAft>
+                <a:spcPts val="0"/>
+              </a:spcAft>
+              <a:buNone/>
+            </a:pPr>
+            <a:r>
+              <a:rPr lang="en"/>
+              <a:t>What did we learn:</a:t>
+            </a:r>
+            <a:endParaRPr/>
+          </a:p>
+          <a:p>
+            <a:pPr indent="0" lvl="0" marL="0" rtl="0" algn="l">
+              <a:spcBef>
+                <a:spcPts val="0"/>
+              </a:spcBef>
+              <a:spcAft>
+                <a:spcPts val="0"/>
+              </a:spcAft>
+              <a:buNone/>
+            </a:pPr>
+            <a:r>
+              <a:t/>
+            </a:r>
+            <a:endParaRPr/>
+          </a:p>
+        </p:txBody>
+      </p:sp>
+      <p:sp>
+        <p:nvSpPr>
+          <p:cNvPr id="145" name="Google Shape;145;p24"/>
+          <p:cNvSpPr txBox="1"/>
+          <p:nvPr>
+            <p:ph idx="1" type="body"/>
+          </p:nvPr>
+        </p:nvSpPr>
+        <p:spPr>
+          <a:xfrm>
+            <a:off x="311700" y="1152475"/>
+            <a:ext cx="8520600" cy="3416400"/>
+          </a:xfrm>
+          <a:prstGeom prst="rect">
+            <a:avLst/>
+          </a:prstGeom>
+        </p:spPr>
+        <p:txBody>
+          <a:bodyPr anchorCtr="0" anchor="t" bIns="91425" lIns="91425" spcFirstLastPara="1" rIns="91425" wrap="square" tIns="91425">
+            <a:normAutofit/>
+          </a:bodyPr>
+          <a:lstStyle/>
+          <a:p>
+            <a:pPr indent="-342900" lvl="0" marL="457200" rtl="0" algn="l">
+              <a:spcBef>
+                <a:spcPts val="0"/>
+              </a:spcBef>
+              <a:spcAft>
+                <a:spcPts val="0"/>
+              </a:spcAft>
+              <a:buSzPts val="1800"/>
+              <a:buChar char="●"/>
+            </a:pPr>
+            <a:r>
+              <a:rPr lang="en"/>
+              <a:t>The study highlighted the importance of early disease identification and treatment for maintaining crop yield and plant health, emphasizing the significance of computer vision techniques in plant disease identification.</a:t>
+            </a:r>
+            <a:endParaRPr/>
+          </a:p>
+          <a:p>
+            <a:pPr indent="-342900" lvl="0" marL="457200" rtl="0" algn="l">
+              <a:spcBef>
+                <a:spcPts val="0"/>
+              </a:spcBef>
+              <a:spcAft>
+                <a:spcPts val="0"/>
+              </a:spcAft>
+              <a:buSzPts val="1800"/>
+              <a:buChar char="●"/>
+            </a:pPr>
+            <a:r>
+              <a:rPr lang="en"/>
+              <a:t>Transfer learning, specifically using the pre-trained ResNet50 model with ImageNet weights, proved to be effective for plant disease identification, achieving the highest accuracy of 98.93% among the models evaluated.</a:t>
+            </a:r>
+            <a:endParaRPr/>
+          </a:p>
+          <a:p>
+            <a:pPr indent="-342900" lvl="0" marL="457200" rtl="0" algn="l">
+              <a:spcBef>
+                <a:spcPts val="0"/>
+              </a:spcBef>
+              <a:spcAft>
+                <a:spcPts val="0"/>
+              </a:spcAft>
+              <a:buSzPts val="1800"/>
+              <a:buChar char="●"/>
+            </a:pPr>
+            <a:r>
+              <a:rPr lang="en"/>
+              <a:t>Image preprocessing techniques, including resizing, normalization, and data augmentation, were applied to the dataset to enhance model performance.</a:t>
+            </a:r>
+            <a:endParaRPr/>
+          </a:p>
+        </p:txBody>
+      </p:sp>
+    </p:spTree>
+  </p:cSld>
+  <p:clrMapOvr>
+    <a:masterClrMapping/>
+  </p:clrMapOvr>
+</p:sld>
+</file>
+
+<file path=ppt/slides/slide13.xml><?xml version="1.0" encoding="utf-8"?>
+<p:sld xmlns:a="http://schemas.openxmlformats.org/drawingml/2006/main" xmlns:r="http://schemas.openxmlformats.org/officeDocument/2006/relationships" xmlns:mc="http://schemas.openxmlformats.org/markup-compatibility/2006" xmlns:mv="urn:schemas-microsoft-com:mac:vml" xmlns:p="http://schemas.openxmlformats.org/presentationml/2006/main" xmlns:c="http://schemas.openxmlformats.org/drawingml/2006/chart" xmlns:dgm="http://schemas.openxmlformats.org/drawingml/2006/diagram" xmlns:o="urn:schemas-microsoft-com:office:office" xmlns:v="urn:schemas-microsoft-com:vml" xmlns:pvml="urn:schemas-microsoft-com:office:powerpoint" xmlns:com="http://schemas.openxmlformats.org/drawingml/2006/compatibility" xmlns:p14="http://schemas.microsoft.com/office/powerpoint/2010/main" xmlns:p15="http://schemas.microsoft.com/office/powerpoint/2012/main" xmlns:ahyp="http://schemas.microsoft.com/office/drawing/2018/hyperlinkcolor">
+  <p:cSld>
+    <p:spTree>
+      <p:nvGrpSpPr>
+        <p:cNvPr id="149" name="Shape 149"/>
+        <p:cNvGrpSpPr/>
+        <p:nvPr/>
+      </p:nvGrpSpPr>
+      <p:grpSpPr>
+        <a:xfrm>
+          <a:off x="0" y="0"/>
+          <a:ext cx="0" cy="0"/>
+          <a:chOff x="0" y="0"/>
+          <a:chExt cx="0" cy="0"/>
+        </a:xfrm>
+      </p:grpSpPr>
+      <p:sp>
+        <p:nvSpPr>
+          <p:cNvPr id="150" name="Google Shape;150;p25"/>
+          <p:cNvSpPr txBox="1"/>
+          <p:nvPr>
+            <p:ph type="title"/>
+          </p:nvPr>
+        </p:nvSpPr>
+        <p:spPr>
+          <a:xfrm>
+            <a:off x="311700" y="445025"/>
+            <a:ext cx="8520600" cy="572700"/>
+          </a:xfrm>
+          <a:prstGeom prst="rect">
+            <a:avLst/>
+          </a:prstGeom>
+        </p:spPr>
+        <p:txBody>
+          <a:bodyPr anchorCtr="0" anchor="t" bIns="91425" lIns="91425" spcFirstLastPara="1" rIns="91425" wrap="square" tIns="91425">
+            <a:normAutofit fontScale="90000"/>
+          </a:bodyPr>
+          <a:lstStyle/>
+          <a:p>
+            <a:pPr indent="0" lvl="0" marL="0" rtl="0" algn="l">
+              <a:spcBef>
+                <a:spcPts val="0"/>
+              </a:spcBef>
+              <a:spcAft>
+                <a:spcPts val="0"/>
+              </a:spcAft>
+              <a:buNone/>
+            </a:pPr>
+            <a:r>
+              <a:rPr lang="en"/>
+              <a:t>Proposed methodology:</a:t>
+            </a:r>
+            <a:endParaRPr/>
+          </a:p>
+        </p:txBody>
+      </p:sp>
+      <p:sp>
+        <p:nvSpPr>
+          <p:cNvPr id="151" name="Google Shape;151;p25"/>
+          <p:cNvSpPr txBox="1"/>
+          <p:nvPr>
+            <p:ph idx="1" type="body"/>
+          </p:nvPr>
+        </p:nvSpPr>
+        <p:spPr>
+          <a:xfrm>
+            <a:off x="311700" y="1152475"/>
+            <a:ext cx="8520600" cy="3416400"/>
+          </a:xfrm>
+          <a:prstGeom prst="rect">
+            <a:avLst/>
+          </a:prstGeom>
+        </p:spPr>
+        <p:txBody>
+          <a:bodyPr anchorCtr="0" anchor="ctr" bIns="91425" lIns="91425" spcFirstLastPara="1" rIns="91425" wrap="square" tIns="91425">
+            <a:normAutofit/>
+          </a:bodyPr>
+          <a:lstStyle/>
+          <a:p>
+            <a:pPr indent="0" lvl="0" marL="0" rtl="0" algn="l">
+              <a:spcBef>
+                <a:spcPts val="0"/>
+              </a:spcBef>
+              <a:spcAft>
+                <a:spcPts val="1200"/>
+              </a:spcAft>
+              <a:buNone/>
+            </a:pPr>
+            <a:r>
+              <a:rPr lang="en"/>
+              <a:t>In our work, we will compare and contrast between different transfer learning models like ResNet50, Inception, MobileNet, DenseNet. Upon training the models with our dataset, the one with best accuracy will be combined with Grad-CAM to further improve results.</a:t>
+            </a:r>
+            <a:endParaRPr/>
+          </a:p>
+        </p:txBody>
+      </p:sp>
+      <p:sp>
+        <p:nvSpPr>
+          <p:cNvPr id="152" name="Google Shape;152;p25"/>
+          <p:cNvSpPr txBox="1"/>
+          <p:nvPr>
+            <p:ph idx="12" type="sldNum"/>
+          </p:nvPr>
+        </p:nvSpPr>
+        <p:spPr>
+          <a:xfrm>
+            <a:off x="8472458" y="4663217"/>
+            <a:ext cx="548700" cy="393600"/>
+          </a:xfrm>
+          <a:prstGeom prst="rect">
+            <a:avLst/>
+          </a:prstGeom>
+        </p:spPr>
+        <p:txBody>
+          <a:bodyPr anchorCtr="0" anchor="ctr" bIns="91425" lIns="91425" spcFirstLastPara="1" rIns="91425" wrap="square" tIns="91425">
+            <a:normAutofit/>
+          </a:bodyPr>
+          <a:lstStyle/>
+          <a:p>
+            <a:pPr indent="0" lvl="0" marL="0" rtl="0" algn="r">
+              <a:spcBef>
+                <a:spcPts val="0"/>
+              </a:spcBef>
+              <a:spcAft>
+                <a:spcPts val="0"/>
+              </a:spcAft>
+              <a:buNone/>
+            </a:pPr>
+            <a:fld id="{00000000-1234-1234-1234-123412341234}" type="slidenum">
+              <a:rPr lang="en"/>
+              <a:t>‹#›</a:t>
+            </a:fld>
+            <a:endParaRPr/>
+          </a:p>
+        </p:txBody>
+      </p:sp>
+    </p:spTree>
+  </p:cSld>
+  <p:clrMapOvr>
+    <a:masterClrMapping/>
+  </p:clrMapOvr>
+</p:sld>
+</file>
+
+<file path=ppt/slides/slide14.xml><?xml version="1.0" encoding="utf-8"?>
+<p:sld xmlns:a="http://schemas.openxmlformats.org/drawingml/2006/main" xmlns:r="http://schemas.openxmlformats.org/officeDocument/2006/relationships" xmlns:mc="http://schemas.openxmlformats.org/markup-compatibility/2006" xmlns:mv="urn:schemas-microsoft-com:mac:vml" xmlns:p="http://schemas.openxmlformats.org/presentationml/2006/main" xmlns:c="http://schemas.openxmlformats.org/drawingml/2006/chart" xmlns:dgm="http://schemas.openxmlformats.org/drawingml/2006/diagram" xmlns:o="urn:schemas-microsoft-com:office:office" xmlns:v="urn:schemas-microsoft-com:vml" xmlns:pvml="urn:schemas-microsoft-com:office:powerpoint" xmlns:com="http://schemas.openxmlformats.org/drawingml/2006/compatibility" xmlns:p14="http://schemas.microsoft.com/office/powerpoint/2010/main" xmlns:p15="http://schemas.microsoft.com/office/powerpoint/2012/main" xmlns:ahyp="http://schemas.microsoft.com/office/drawing/2018/hyperlinkcolor">
+  <p:cSld>
+    <p:spTree>
+      <p:nvGrpSpPr>
+        <p:cNvPr id="156" name="Shape 156"/>
+        <p:cNvGrpSpPr/>
+        <p:nvPr/>
+      </p:nvGrpSpPr>
+      <p:grpSpPr>
+        <a:xfrm>
+          <a:off x="0" y="0"/>
+          <a:ext cx="0" cy="0"/>
+          <a:chOff x="0" y="0"/>
+          <a:chExt cx="0" cy="0"/>
+        </a:xfrm>
+      </p:grpSpPr>
+      <p:sp>
+        <p:nvSpPr>
+          <p:cNvPr id="157" name="Google Shape;157;p26"/>
+          <p:cNvSpPr txBox="1"/>
+          <p:nvPr>
+            <p:ph type="title"/>
+          </p:nvPr>
+        </p:nvSpPr>
+        <p:spPr>
+          <a:xfrm>
+            <a:off x="311700" y="445025"/>
+            <a:ext cx="8520600" cy="572700"/>
+          </a:xfrm>
+          <a:prstGeom prst="rect">
+            <a:avLst/>
+          </a:prstGeom>
+        </p:spPr>
+        <p:txBody>
+          <a:bodyPr anchorCtr="0" anchor="t" bIns="91425" lIns="91425" spcFirstLastPara="1" rIns="91425" wrap="square" tIns="91425">
+            <a:normAutofit fontScale="90000"/>
+          </a:bodyPr>
+          <a:lstStyle/>
+          <a:p>
+            <a:pPr indent="0" lvl="0" marL="0" rtl="0" algn="l">
+              <a:spcBef>
+                <a:spcPts val="0"/>
+              </a:spcBef>
+              <a:spcAft>
+                <a:spcPts val="0"/>
+              </a:spcAft>
+              <a:buNone/>
+            </a:pPr>
+            <a:r>
+              <a:rPr lang="en"/>
+              <a:t>Reference:</a:t>
+            </a:r>
+            <a:endParaRPr/>
+          </a:p>
+        </p:txBody>
+      </p:sp>
+      <p:sp>
+        <p:nvSpPr>
+          <p:cNvPr id="158" name="Google Shape;158;p26"/>
+          <p:cNvSpPr txBox="1"/>
+          <p:nvPr>
+            <p:ph idx="1" type="body"/>
+          </p:nvPr>
+        </p:nvSpPr>
+        <p:spPr>
+          <a:xfrm>
+            <a:off x="311700" y="1152475"/>
+            <a:ext cx="8520600" cy="3416400"/>
+          </a:xfrm>
+          <a:prstGeom prst="rect">
+            <a:avLst/>
+          </a:prstGeom>
+        </p:spPr>
+        <p:txBody>
+          <a:bodyPr anchorCtr="0" anchor="t" bIns="91425" lIns="91425" spcFirstLastPara="1" rIns="91425" wrap="square" tIns="91425">
+            <a:normAutofit fontScale="70000" lnSpcReduction="20000"/>
+          </a:bodyPr>
+          <a:lstStyle/>
+          <a:p>
+            <a:pPr indent="-308610" lvl="0" marL="457200" rtl="0" algn="l">
+              <a:lnSpc>
+                <a:spcPct val="150000"/>
+              </a:lnSpc>
+              <a:spcBef>
+                <a:spcPts val="0"/>
+              </a:spcBef>
+              <a:spcAft>
+                <a:spcPts val="0"/>
+              </a:spcAft>
+              <a:buSzPct val="100000"/>
+              <a:buAutoNum type="arabicPeriod"/>
+            </a:pPr>
+            <a:r>
+              <a:rPr lang="en"/>
+              <a:t>Orchi, H., Sadik, M., Khaldoun, M., &amp; Sabir, E. (2023). Automation of Crop Disease Detection through Conventional Machine Learning and Deep Transfer Learning Approaches. Agriculture, 13(2), 352. https://doi.org/10.3390/agriculture13020352</a:t>
+            </a:r>
+            <a:endParaRPr/>
+          </a:p>
+          <a:p>
+            <a:pPr indent="-308610" lvl="0" marL="457200" rtl="0" algn="l">
+              <a:lnSpc>
+                <a:spcPct val="150000"/>
+              </a:lnSpc>
+              <a:spcBef>
+                <a:spcPts val="0"/>
+              </a:spcBef>
+              <a:spcAft>
+                <a:spcPts val="0"/>
+              </a:spcAft>
+              <a:buSzPct val="100000"/>
+              <a:buAutoNum type="arabicPeriod"/>
+            </a:pPr>
+            <a:r>
+              <a:rPr lang="en"/>
+              <a:t>Uğuz, S., &amp; Uysal, N. (2020). Classification of olive leaf diseases using deep convolutional neural networks. Neural Computing and Applications, 33(9), 4133–4149. https://doi.org/10.1007/s00521-020-05235-5</a:t>
+            </a:r>
+            <a:endParaRPr/>
+          </a:p>
+          <a:p>
+            <a:pPr indent="-308610" lvl="0" marL="457200" rtl="0" algn="l">
+              <a:lnSpc>
+                <a:spcPct val="150000"/>
+              </a:lnSpc>
+              <a:spcBef>
+                <a:spcPts val="0"/>
+              </a:spcBef>
+              <a:spcAft>
+                <a:spcPts val="0"/>
+              </a:spcAft>
+              <a:buSzPct val="100000"/>
+              <a:buAutoNum type="arabicPeriod"/>
+            </a:pPr>
+            <a:r>
+              <a:rPr lang="en"/>
+              <a:t>Aarizou, A., &amp; Merah, M. (2022). Transfer learning for plant disease detection on complex images. 2022 7th International Conference on Image and Signal Processing and Their Applications (ISPA). https://doi.org/10.1109/ispa54004.2022.9786306 </a:t>
+            </a:r>
+            <a:endParaRPr/>
+          </a:p>
+          <a:p>
+            <a:pPr indent="-308610" lvl="0" marL="457200" rtl="0" algn="l">
+              <a:lnSpc>
+                <a:spcPct val="150000"/>
+              </a:lnSpc>
+              <a:spcBef>
+                <a:spcPts val="0"/>
+              </a:spcBef>
+              <a:spcAft>
+                <a:spcPts val="0"/>
+              </a:spcAft>
+              <a:buSzPct val="100000"/>
+              <a:buAutoNum type="arabicPeriod"/>
+            </a:pPr>
+            <a:r>
+              <a:rPr lang="en"/>
+              <a:t>Arshad, M. S., Rehman, U. A., &amp; Fraz, M. M. (2021). Plant disease identification using transfer learning. 2021 International Conference on Digital Futures and Transformative Technologies (ICoDT2). https://doi.org/10.1109/icodt252288.2021.9441512 </a:t>
+            </a:r>
+            <a:endParaRPr/>
+          </a:p>
+          <a:p>
+            <a:pPr indent="0" lvl="0" marL="0" rtl="0" algn="l">
+              <a:lnSpc>
+                <a:spcPct val="150000"/>
+              </a:lnSpc>
+              <a:spcBef>
+                <a:spcPts val="1200"/>
+              </a:spcBef>
+              <a:spcAft>
+                <a:spcPts val="1200"/>
+              </a:spcAft>
+              <a:buNone/>
+            </a:pPr>
+            <a:r>
+              <a:t/>
+            </a:r>
+            <a:endParaRPr/>
+          </a:p>
+        </p:txBody>
+      </p:sp>
+      <p:sp>
+        <p:nvSpPr>
+          <p:cNvPr id="159" name="Google Shape;159;p26"/>
+          <p:cNvSpPr txBox="1"/>
+          <p:nvPr>
+            <p:ph idx="12" type="sldNum"/>
+          </p:nvPr>
+        </p:nvSpPr>
+        <p:spPr>
+          <a:xfrm>
+            <a:off x="8472458" y="4663217"/>
+            <a:ext cx="548700" cy="393600"/>
+          </a:xfrm>
+          <a:prstGeom prst="rect">
+            <a:avLst/>
+          </a:prstGeom>
+        </p:spPr>
+        <p:txBody>
+          <a:bodyPr anchorCtr="0" anchor="ctr" bIns="91425" lIns="91425" spcFirstLastPara="1" rIns="91425" wrap="square" tIns="91425">
+            <a:normAutofit/>
+          </a:bodyPr>
+          <a:lstStyle/>
+          <a:p>
+            <a:pPr indent="0" lvl="0" marL="0" rtl="0" algn="r">
+              <a:spcBef>
+                <a:spcPts val="0"/>
+              </a:spcBef>
+              <a:spcAft>
+                <a:spcPts val="0"/>
+              </a:spcAft>
+              <a:buNone/>
+            </a:pPr>
+            <a:fld id="{00000000-1234-1234-1234-123412341234}" type="slidenum">
+              <a:rPr lang="en"/>
+              <a:t>‹#›</a:t>
+            </a:fld>
+            <a:endParaRPr/>
+          </a:p>
+        </p:txBody>
+      </p:sp>
+    </p:spTree>
+  </p:cSld>
+  <p:clrMapOvr>
+    <a:masterClrMapping/>
+  </p:clrMapOvr>
+</p:sld>
+</file>
+
+<file path=ppt/slides/slide15.xml><?xml version="1.0" encoding="utf-8"?>
+<p:sld xmlns:a="http://schemas.openxmlformats.org/drawingml/2006/main" xmlns:r="http://schemas.openxmlformats.org/officeDocument/2006/relationships" xmlns:mc="http://schemas.openxmlformats.org/markup-compatibility/2006" xmlns:mv="urn:schemas-microsoft-com:mac:vml" xmlns:p="http://schemas.openxmlformats.org/presentationml/2006/main" xmlns:c="http://schemas.openxmlformats.org/drawingml/2006/chart" xmlns:dgm="http://schemas.openxmlformats.org/drawingml/2006/diagram" xmlns:o="urn:schemas-microsoft-com:office:office" xmlns:v="urn:schemas-microsoft-com:vml" xmlns:pvml="urn:schemas-microsoft-com:office:powerpoint" xmlns:com="http://schemas.openxmlformats.org/drawingml/2006/compatibility" xmlns:p14="http://schemas.microsoft.com/office/powerpoint/2010/main" xmlns:p15="http://schemas.microsoft.com/office/powerpoint/2012/main" xmlns:ahyp="http://schemas.microsoft.com/office/drawing/2018/hyperlinkcolor">
+  <p:cSld>
+    <p:spTree>
+      <p:nvGrpSpPr>
+        <p:cNvPr id="163" name="Shape 163"/>
+        <p:cNvGrpSpPr/>
+        <p:nvPr/>
+      </p:nvGrpSpPr>
+      <p:grpSpPr>
+        <a:xfrm>
+          <a:off x="0" y="0"/>
+          <a:ext cx="0" cy="0"/>
+          <a:chOff x="0" y="0"/>
+          <a:chExt cx="0" cy="0"/>
+        </a:xfrm>
+      </p:grpSpPr>
+      <p:sp>
+        <p:nvSpPr>
+          <p:cNvPr id="164" name="Google Shape;164;p27"/>
+          <p:cNvSpPr txBox="1"/>
+          <p:nvPr>
+            <p:ph type="title"/>
+          </p:nvPr>
+        </p:nvSpPr>
+        <p:spPr>
+          <a:xfrm>
+            <a:off x="311700" y="445025"/>
+            <a:ext cx="8520600" cy="572700"/>
+          </a:xfrm>
+          <a:prstGeom prst="rect">
+            <a:avLst/>
+          </a:prstGeom>
+        </p:spPr>
+        <p:txBody>
+          <a:bodyPr anchorCtr="0" anchor="t" bIns="91425" lIns="91425" spcFirstLastPara="1" rIns="91425" wrap="square" tIns="91425">
+            <a:normAutofit fontScale="90000"/>
+          </a:bodyPr>
+          <a:lstStyle/>
+          <a:p>
+            <a:pPr indent="0" lvl="0" marL="0" rtl="0" algn="l">
+              <a:spcBef>
+                <a:spcPts val="0"/>
+              </a:spcBef>
+              <a:spcAft>
+                <a:spcPts val="0"/>
+              </a:spcAft>
+              <a:buNone/>
+            </a:pPr>
+            <a:r>
+              <a:rPr lang="en"/>
+              <a:t> </a:t>
+            </a:r>
+            <a:endParaRPr/>
+          </a:p>
+        </p:txBody>
+      </p:sp>
+      <p:sp>
+        <p:nvSpPr>
+          <p:cNvPr id="165" name="Google Shape;165;p27"/>
+          <p:cNvSpPr txBox="1"/>
+          <p:nvPr>
+            <p:ph idx="1" type="body"/>
+          </p:nvPr>
+        </p:nvSpPr>
+        <p:spPr>
+          <a:xfrm>
+            <a:off x="311700" y="863550"/>
+            <a:ext cx="8520600" cy="3416400"/>
+          </a:xfrm>
+          <a:prstGeom prst="rect">
+            <a:avLst/>
+          </a:prstGeom>
+        </p:spPr>
+        <p:txBody>
+          <a:bodyPr anchorCtr="0" anchor="ctr" bIns="91425" lIns="91425" spcFirstLastPara="1" rIns="91425" wrap="square" tIns="91425">
+            <a:normAutofit/>
+          </a:bodyPr>
+          <a:lstStyle/>
+          <a:p>
+            <a:pPr indent="0" lvl="0" marL="0" rtl="0" algn="ctr">
+              <a:spcBef>
+                <a:spcPts val="0"/>
+              </a:spcBef>
+              <a:spcAft>
+                <a:spcPts val="1200"/>
+              </a:spcAft>
+              <a:buNone/>
+            </a:pPr>
+            <a:r>
+              <a:rPr lang="en"/>
+              <a:t>Thank You!</a:t>
+            </a:r>
+            <a:endParaRPr/>
+          </a:p>
+        </p:txBody>
+      </p:sp>
+      <p:sp>
+        <p:nvSpPr>
+          <p:cNvPr id="166" name="Google Shape;166;p27"/>
+          <p:cNvSpPr txBox="1"/>
+          <p:nvPr>
+            <p:ph idx="12" type="sldNum"/>
+          </p:nvPr>
+        </p:nvSpPr>
+        <p:spPr>
+          <a:xfrm>
+            <a:off x="8472458" y="4663217"/>
+            <a:ext cx="548700" cy="393600"/>
+          </a:xfrm>
+          <a:prstGeom prst="rect">
+            <a:avLst/>
+          </a:prstGeom>
+        </p:spPr>
+        <p:txBody>
+          <a:bodyPr anchorCtr="0" anchor="ctr" bIns="91425" lIns="91425" spcFirstLastPara="1" rIns="91425" wrap="square" tIns="91425">
+            <a:normAutofit/>
+          </a:bodyPr>
+          <a:lstStyle/>
+          <a:p>
+            <a:pPr indent="0" lvl="0" marL="0" rtl="0" algn="r">
+              <a:spcBef>
+                <a:spcPts val="0"/>
+              </a:spcBef>
+              <a:spcAft>
+                <a:spcPts val="0"/>
+              </a:spcAft>
+              <a:buNone/>
+            </a:pPr>
+            <a:fld id="{00000000-1234-1234-1234-123412341234}" type="slidenum">
+              <a:rPr lang="en"/>
+              <a:t>‹#›</a:t>
+            </a:fld>
+            <a:endParaRPr/>
+          </a:p>
+        </p:txBody>
+      </p:sp>
+    </p:spTree>
+  </p:cSld>
+  <p:clrMapOvr>
+    <a:masterClrMapping/>
+  </p:clrMapOvr>
+</p:sld>
+</file>
+
 <file path=ppt/slides/slide2.xml><?xml version="1.0" encoding="utf-8"?>
 <p:sld xmlns:a="http://schemas.openxmlformats.org/drawingml/2006/main" xmlns:r="http://schemas.openxmlformats.org/officeDocument/2006/relationships" xmlns:mc="http://schemas.openxmlformats.org/markup-compatibility/2006" xmlns:mv="urn:schemas-microsoft-com:mac:vml" xmlns:p="http://schemas.openxmlformats.org/presentationml/2006/main" xmlns:c="http://schemas.openxmlformats.org/drawingml/2006/chart" xmlns:dgm="http://schemas.openxmlformats.org/drawingml/2006/diagram" xmlns:o="urn:schemas-microsoft-com:office:office" xmlns:v="urn:schemas-microsoft-com:vml" xmlns:pvml="urn:schemas-microsoft-com:office:powerpoint" xmlns:com="http://schemas.openxmlformats.org/drawingml/2006/compatibility" xmlns:p14="http://schemas.microsoft.com/office/powerpoint/2010/main" xmlns:p15="http://schemas.microsoft.com/office/powerpoint/2012/main" xmlns:ahyp="http://schemas.microsoft.com/office/drawing/2018/hyperlinkcolor">
   <p:cSld>
@@ -7516,7 +9690,7 @@
             </a:pPr>
             <a:r>
               <a:rPr lang="en"/>
-              <a:t>Introduction:</a:t>
+              <a:t>Topics</a:t>
             </a:r>
             <a:endParaRPr/>
           </a:p>
@@ -7545,79 +9719,164 @@
           </a:bodyPr>
           <a:lstStyle/>
           <a:p>
-            <a:pPr indent="0" lvl="0" marL="0" rtl="0" algn="ctr">
-              <a:spcBef>
-                <a:spcPts val="0"/>
-              </a:spcBef>
-              <a:spcAft>
-                <a:spcPts val="0"/>
-              </a:spcAft>
-              <a:buNone/>
+            <a:pPr indent="-342900" lvl="0" marL="457200" rtl="0" algn="l">
+              <a:lnSpc>
+                <a:spcPct val="150000"/>
+              </a:lnSpc>
+              <a:spcBef>
+                <a:spcPts val="0"/>
+              </a:spcBef>
+              <a:spcAft>
+                <a:spcPts val="0"/>
+              </a:spcAft>
+              <a:buSzPts val="1800"/>
+              <a:buChar char="●"/>
             </a:pPr>
             <a:r>
-              <a:rPr lang="en" sz="1300">
-                <a:solidFill>
-                  <a:schemeClr val="dk1"/>
-                </a:solidFill>
-                <a:latin typeface="Roboto Slab"/>
-                <a:ea typeface="Roboto Slab"/>
-                <a:cs typeface="Roboto Slab"/>
-                <a:sym typeface="Roboto Slab"/>
-              </a:rPr>
-              <a:t>During summer, one of the most demanded fruits in not only Bangladesh but all across the globe is watermelon. It’s harvest can be improved if farmers were able to detect plant disease sooner and treat them.</a:t>
+              <a:rPr lang="en"/>
+              <a:t>Introduction</a:t>
             </a:r>
-            <a:r>
-              <a:rPr lang="en">
-                <a:solidFill>
-                  <a:schemeClr val="dk1"/>
-                </a:solidFill>
-                <a:latin typeface="Roboto Slab"/>
-                <a:ea typeface="Roboto Slab"/>
-                <a:cs typeface="Roboto Slab"/>
-                <a:sym typeface="Roboto Slab"/>
-              </a:rPr>
-              <a:t> </a:t>
-            </a:r>
-            <a:r>
-              <a:rPr lang="en" sz="1300">
-                <a:solidFill>
-                  <a:schemeClr val="dk1"/>
-                </a:solidFill>
-                <a:latin typeface="Roboto Slab"/>
-                <a:ea typeface="Roboto Slab"/>
-                <a:cs typeface="Roboto Slab"/>
-                <a:sym typeface="Roboto Slab"/>
-              </a:rPr>
-              <a:t>There is already some work being done in this area to automate the process of detecting disease among plants using machine learning, transfer learning, and deep learning approaches. Some common transfer learning models like Inception had 98.01% accuracy in detecting plant diseases. There are also other models like ResNet50 with 98.93% accuracy in some cases. Our goal is to use different transfer learning techniques and experimental AI models to detect watermelon leaf diseases. </a:t>
-            </a:r>
-            <a:endParaRPr>
-              <a:solidFill>
-                <a:schemeClr val="dk1"/>
-              </a:solidFill>
-              <a:latin typeface="Roboto Slab"/>
-              <a:ea typeface="Roboto Slab"/>
-              <a:cs typeface="Roboto Slab"/>
-              <a:sym typeface="Roboto Slab"/>
-            </a:endParaRPr>
+            <a:endParaRPr/>
           </a:p>
           <a:p>
-            <a:pPr indent="0" lvl="0" marL="0" rtl="0" algn="l">
-              <a:spcBef>
-                <a:spcPts val="1200"/>
-              </a:spcBef>
-              <a:spcAft>
-                <a:spcPts val="1200"/>
-              </a:spcAft>
-              <a:buNone/>
+            <a:pPr indent="-342900" lvl="0" marL="457200" rtl="0" algn="l">
+              <a:lnSpc>
+                <a:spcPct val="150000"/>
+              </a:lnSpc>
+              <a:spcBef>
+                <a:spcPts val="0"/>
+              </a:spcBef>
+              <a:spcAft>
+                <a:spcPts val="0"/>
+              </a:spcAft>
+              <a:buSzPts val="1800"/>
+              <a:buChar char="●"/>
             </a:pPr>
             <a:r>
-              <a:t/>
+              <a:rPr lang="en"/>
+              <a:t>Literature Review 1</a:t>
             </a:r>
-            <a:endParaRPr>
-              <a:solidFill>
-                <a:schemeClr val="dk1"/>
-              </a:solidFill>
-            </a:endParaRPr>
+            <a:endParaRPr/>
+          </a:p>
+          <a:p>
+            <a:pPr indent="-342900" lvl="0" marL="457200" rtl="0" algn="l">
+              <a:lnSpc>
+                <a:spcPct val="150000"/>
+              </a:lnSpc>
+              <a:spcBef>
+                <a:spcPts val="0"/>
+              </a:spcBef>
+              <a:spcAft>
+                <a:spcPts val="0"/>
+              </a:spcAft>
+              <a:buSzPts val="1800"/>
+              <a:buChar char="●"/>
+            </a:pPr>
+            <a:r>
+              <a:rPr lang="en"/>
+              <a:t>Literature Review 2</a:t>
+            </a:r>
+            <a:endParaRPr/>
+          </a:p>
+          <a:p>
+            <a:pPr indent="-342900" lvl="0" marL="457200" rtl="0" algn="l">
+              <a:lnSpc>
+                <a:spcPct val="150000"/>
+              </a:lnSpc>
+              <a:spcBef>
+                <a:spcPts val="0"/>
+              </a:spcBef>
+              <a:spcAft>
+                <a:spcPts val="0"/>
+              </a:spcAft>
+              <a:buSzPts val="1800"/>
+              <a:buChar char="●"/>
+            </a:pPr>
+            <a:r>
+              <a:rPr lang="en"/>
+              <a:t>Literature Review 3</a:t>
+            </a:r>
+            <a:endParaRPr/>
+          </a:p>
+          <a:p>
+            <a:pPr indent="-342900" lvl="0" marL="457200" rtl="0" algn="l">
+              <a:lnSpc>
+                <a:spcPct val="150000"/>
+              </a:lnSpc>
+              <a:spcBef>
+                <a:spcPts val="0"/>
+              </a:spcBef>
+              <a:spcAft>
+                <a:spcPts val="0"/>
+              </a:spcAft>
+              <a:buSzPts val="1800"/>
+              <a:buChar char="●"/>
+            </a:pPr>
+            <a:r>
+              <a:rPr lang="en"/>
+              <a:t>Literature Review 4</a:t>
+            </a:r>
+            <a:endParaRPr/>
+          </a:p>
+          <a:p>
+            <a:pPr indent="-342900" lvl="0" marL="457200" rtl="0" algn="l">
+              <a:lnSpc>
+                <a:spcPct val="150000"/>
+              </a:lnSpc>
+              <a:spcBef>
+                <a:spcPts val="0"/>
+              </a:spcBef>
+              <a:spcAft>
+                <a:spcPts val="0"/>
+              </a:spcAft>
+              <a:buSzPts val="1800"/>
+              <a:buChar char="●"/>
+            </a:pPr>
+            <a:r>
+              <a:rPr lang="en"/>
+              <a:t>Reference</a:t>
+            </a:r>
+            <a:endParaRPr/>
+          </a:p>
+        </p:txBody>
+      </p:sp>
+      <p:sp>
+        <p:nvSpPr>
+          <p:cNvPr id="68" name="Google Shape;68;p14"/>
+          <p:cNvSpPr txBox="1"/>
+          <p:nvPr>
+            <p:ph idx="12" type="sldNum"/>
+          </p:nvPr>
+        </p:nvSpPr>
+        <p:spPr>
+          <a:xfrm>
+            <a:off x="8472458" y="4663217"/>
+            <a:ext cx="548700" cy="393600"/>
+          </a:xfrm>
+          <a:prstGeom prst="rect">
+            <a:avLst/>
+          </a:prstGeom>
+        </p:spPr>
+        <p:txBody>
+          <a:bodyPr anchorCtr="0" anchor="ctr" bIns="91425" lIns="91425" spcFirstLastPara="1" rIns="91425" wrap="square" tIns="91425">
+            <a:normAutofit/>
+          </a:bodyPr>
+          <a:lstStyle/>
+          <a:p>
+            <a:pPr indent="0" lvl="0" marL="0" rtl="0" algn="r">
+              <a:spcBef>
+                <a:spcPts val="0"/>
+              </a:spcBef>
+              <a:spcAft>
+                <a:spcPts val="0"/>
+              </a:spcAft>
+              <a:buNone/>
+            </a:pPr>
+            <a:fld id="{00000000-1234-1234-1234-123412341234}" type="slidenum">
+              <a:rPr lang="en"/>
+              <a:t>‹#›</a:t>
+            </a:fld>
+            <a:endParaRPr/>
           </a:p>
         </p:txBody>
       </p:sp>
@@ -7634,7 +9893,7 @@
   <p:cSld>
     <p:spTree>
       <p:nvGrpSpPr>
-        <p:cNvPr id="71" name="Shape 71"/>
+        <p:cNvPr id="72" name="Shape 72"/>
         <p:cNvGrpSpPr/>
         <p:nvPr/>
       </p:nvGrpSpPr>
@@ -7648,7 +9907,7 @@
       </p:grpSpPr>
       <p:sp>
         <p:nvSpPr>
-          <p:cNvPr id="72" name="Google Shape;72;p15"/>
+          <p:cNvPr id="73" name="Google Shape;73;p15"/>
           <p:cNvSpPr txBox="1"/>
           <p:nvPr>
             <p:ph type="title"/>
@@ -7680,7 +9939,7 @@
             </a:pPr>
             <a:r>
               <a:rPr lang="en"/>
-              <a:t>Related Work:</a:t>
+              <a:t>Introduction:</a:t>
             </a:r>
             <a:endParaRPr/>
           </a:p>
@@ -7688,7 +9947,7 @@
       </p:sp>
       <p:sp>
         <p:nvSpPr>
-          <p:cNvPr id="73" name="Google Shape;73;p15"/>
+          <p:cNvPr id="74" name="Google Shape;74;p15"/>
           <p:cNvSpPr txBox="1"/>
           <p:nvPr>
             <p:ph idx="1" type="body"/>
@@ -7709,42 +9968,55 @@
           </a:bodyPr>
           <a:lstStyle/>
           <a:p>
-            <a:pPr indent="-336550" lvl="0" marL="457200" rtl="0" algn="just">
-              <a:spcBef>
-                <a:spcPts val="0"/>
-              </a:spcBef>
-              <a:spcAft>
-                <a:spcPts val="0"/>
-              </a:spcAft>
-              <a:buClr>
-                <a:schemeClr val="dk1"/>
-              </a:buClr>
-              <a:buSzPts val="1700"/>
-              <a:buFont typeface="Roboto Slab"/>
-              <a:buChar char="●"/>
+            <a:pPr indent="0" lvl="0" marL="0" rtl="0" algn="ctr">
+              <a:spcBef>
+                <a:spcPts val="0"/>
+              </a:spcBef>
+              <a:spcAft>
+                <a:spcPts val="0"/>
+              </a:spcAft>
+              <a:buNone/>
             </a:pPr>
             <a:r>
-              <a:rPr lang="en" sz="1200">
+              <a:rPr lang="en" sz="1300">
                 <a:solidFill>
                   <a:schemeClr val="dk1"/>
                 </a:solidFill>
-                <a:highlight>
-                  <a:schemeClr val="lt1"/>
-                </a:highlight>
                 <a:latin typeface="Roboto Slab"/>
                 <a:ea typeface="Roboto Slab"/>
                 <a:cs typeface="Roboto Slab"/>
                 <a:sym typeface="Roboto Slab"/>
               </a:rPr>
-              <a:t>Orchi et al.[1] did an extensive comparative study where he found Inception V3 outperforms other models such as VGG19, VGG16, ResNet50, CNN, SVM, LDA, KNN, RF, NB in detecting crop disease.</a:t>
+              <a:t>During summer, one of the most demanded fruits in not only Bangladesh but all across the globe is watermelon. It’s harvest can be improved if farmers were able to detect plant disease sooner and treat them.</a:t>
             </a:r>
-            <a:endParaRPr sz="1200">
+            <a:r>
+              <a:rPr lang="en">
+                <a:solidFill>
+                  <a:schemeClr val="dk1"/>
+                </a:solidFill>
+                <a:latin typeface="Roboto Slab"/>
+                <a:ea typeface="Roboto Slab"/>
+                <a:cs typeface="Roboto Slab"/>
+                <a:sym typeface="Roboto Slab"/>
+              </a:rPr>
+              <a:t> </a:t>
+            </a:r>
+            <a:r>
+              <a:rPr lang="en" sz="1300">
+                <a:solidFill>
+                  <a:schemeClr val="dk1"/>
+                </a:solidFill>
+                <a:latin typeface="Roboto Slab"/>
+                <a:ea typeface="Roboto Slab"/>
+                <a:cs typeface="Roboto Slab"/>
+                <a:sym typeface="Roboto Slab"/>
+              </a:rPr>
+              <a:t>There is already some work being done in this area to automate the process of detecting disease among plants using machine learning, transfer learning, and deep learning approaches. Some common transfer learning models like Inception had 98.01% accuracy in detecting plant diseases. There are also other models like ResNet50 with 98.93% accuracy in some cases. Our goal is to use different transfer learning techniques and experimental AI models to detect watermelon leaf diseases. </a:t>
+            </a:r>
+            <a:endParaRPr>
               <a:solidFill>
                 <a:schemeClr val="dk1"/>
               </a:solidFill>
-              <a:highlight>
-                <a:schemeClr val="lt1"/>
-              </a:highlight>
               <a:latin typeface="Roboto Slab"/>
               <a:ea typeface="Roboto Slab"/>
               <a:cs typeface="Roboto Slab"/>
@@ -7752,164 +10024,9 @@
             </a:endParaRPr>
           </a:p>
           <a:p>
-            <a:pPr indent="-336550" lvl="0" marL="457200" rtl="0" algn="just">
-              <a:spcBef>
-                <a:spcPts val="0"/>
-              </a:spcBef>
-              <a:spcAft>
-                <a:spcPts val="0"/>
-              </a:spcAft>
-              <a:buClr>
-                <a:schemeClr val="dk1"/>
-              </a:buClr>
-              <a:buSzPts val="1700"/>
-              <a:buFont typeface="Roboto Slab"/>
-              <a:buChar char="●"/>
-            </a:pPr>
-            <a:r>
-              <a:rPr lang="en" sz="1200">
-                <a:solidFill>
-                  <a:schemeClr val="dk1"/>
-                </a:solidFill>
-                <a:highlight>
-                  <a:schemeClr val="lt1"/>
-                </a:highlight>
-                <a:latin typeface="Roboto Slab"/>
-                <a:ea typeface="Roboto Slab"/>
-                <a:cs typeface="Roboto Slab"/>
-                <a:sym typeface="Roboto Slab"/>
-              </a:rPr>
-              <a:t>Uguz et al.[2] compared the accuracy of the VGG transfer learning models with their own proposed model according to the change of optimization algorithms.</a:t>
-            </a:r>
-            <a:endParaRPr sz="1200">
-              <a:solidFill>
-                <a:schemeClr val="dk1"/>
-              </a:solidFill>
-              <a:highlight>
-                <a:schemeClr val="lt1"/>
-              </a:highlight>
-              <a:latin typeface="Roboto Slab"/>
-              <a:ea typeface="Roboto Slab"/>
-              <a:cs typeface="Roboto Slab"/>
-              <a:sym typeface="Roboto Slab"/>
-            </a:endParaRPr>
-          </a:p>
-          <a:p>
-            <a:pPr indent="-304800" lvl="0" marL="457200" rtl="0" algn="just">
-              <a:spcBef>
-                <a:spcPts val="0"/>
-              </a:spcBef>
-              <a:spcAft>
-                <a:spcPts val="0"/>
-              </a:spcAft>
-              <a:buClr>
-                <a:schemeClr val="dk1"/>
-              </a:buClr>
-              <a:buSzPts val="1200"/>
-              <a:buFont typeface="Roboto Slab"/>
-              <a:buChar char="●"/>
-            </a:pPr>
-            <a:r>
-              <a:rPr lang="en" sz="1200">
-                <a:solidFill>
-                  <a:schemeClr val="dk1"/>
-                </a:solidFill>
-                <a:highlight>
-                  <a:schemeClr val="lt1"/>
-                </a:highlight>
-                <a:latin typeface="Roboto Slab"/>
-                <a:ea typeface="Roboto Slab"/>
-                <a:cs typeface="Roboto Slab"/>
-                <a:sym typeface="Roboto Slab"/>
-              </a:rPr>
-              <a:t>AARIZOU et al.[3] in their study demonstrates the application of transfer learning to the identification of plant diseases on intricate photos through the use of CNN. They concluded that DenseNet121 gave the best accuracy for them.</a:t>
-            </a:r>
-            <a:endParaRPr sz="1200">
-              <a:solidFill>
-                <a:schemeClr val="dk1"/>
-              </a:solidFill>
-              <a:highlight>
-                <a:schemeClr val="lt1"/>
-              </a:highlight>
-              <a:latin typeface="Roboto Slab"/>
-              <a:ea typeface="Roboto Slab"/>
-              <a:cs typeface="Roboto Slab"/>
-              <a:sym typeface="Roboto Slab"/>
-            </a:endParaRPr>
-          </a:p>
-          <a:p>
-            <a:pPr indent="-304800" lvl="0" marL="457200" rtl="0" algn="just">
-              <a:spcBef>
-                <a:spcPts val="0"/>
-              </a:spcBef>
-              <a:spcAft>
-                <a:spcPts val="0"/>
-              </a:spcAft>
-              <a:buClr>
-                <a:schemeClr val="dk1"/>
-              </a:buClr>
-              <a:buSzPts val="1200"/>
-              <a:buFont typeface="Roboto Slab"/>
-              <a:buChar char="●"/>
-            </a:pPr>
-            <a:r>
-              <a:rPr lang="en" sz="1200">
-                <a:solidFill>
-                  <a:schemeClr val="dk1"/>
-                </a:solidFill>
-                <a:highlight>
-                  <a:schemeClr val="lt1"/>
-                </a:highlight>
-                <a:latin typeface="Roboto Slab"/>
-                <a:ea typeface="Roboto Slab"/>
-                <a:cs typeface="Roboto Slab"/>
-                <a:sym typeface="Roboto Slab"/>
-              </a:rPr>
-              <a:t>Arshad et al.[5] did a study where researchers me­asured the success of Re­sNet50 against VGG16 and MCNN.According to the researchers, ResNet50 tops the­ list in terms of effective­ness.</a:t>
-            </a:r>
-            <a:endParaRPr sz="1200">
-              <a:solidFill>
-                <a:schemeClr val="dk1"/>
-              </a:solidFill>
-              <a:highlight>
-                <a:schemeClr val="lt1"/>
-              </a:highlight>
-              <a:latin typeface="Roboto Slab"/>
-              <a:ea typeface="Roboto Slab"/>
-              <a:cs typeface="Roboto Slab"/>
-              <a:sym typeface="Roboto Slab"/>
-            </a:endParaRPr>
-          </a:p>
-          <a:p>
-            <a:pPr indent="0" lvl="0" marL="457200" rtl="0" algn="just">
+            <a:pPr indent="0" lvl="0" marL="0" rtl="0" algn="l">
               <a:spcBef>
                 <a:spcPts val="1200"/>
-              </a:spcBef>
-              <a:spcAft>
-                <a:spcPts val="0"/>
-              </a:spcAft>
-              <a:buNone/>
-            </a:pPr>
-            <a:r>
-              <a:t/>
-            </a:r>
-            <a:endParaRPr sz="1300">
-              <a:solidFill>
-                <a:schemeClr val="dk1"/>
-              </a:solidFill>
-              <a:highlight>
-                <a:schemeClr val="lt1"/>
-              </a:highlight>
-              <a:latin typeface="Times New Roman"/>
-              <a:ea typeface="Times New Roman"/>
-              <a:cs typeface="Times New Roman"/>
-              <a:sym typeface="Times New Roman"/>
-            </a:endParaRPr>
-          </a:p>
-          <a:p>
-            <a:pPr indent="0" lvl="0" marL="0" rtl="0" algn="l">
-              <a:spcBef>
-                <a:spcPts val="0"/>
               </a:spcBef>
               <a:spcAft>
                 <a:spcPts val="1200"/>
@@ -7923,10 +10040,47 @@
               <a:solidFill>
                 <a:schemeClr val="dk1"/>
               </a:solidFill>
-              <a:highlight>
-                <a:schemeClr val="lt1"/>
-              </a:highlight>
             </a:endParaRPr>
+          </a:p>
+        </p:txBody>
+      </p:sp>
+      <p:sp>
+        <p:nvSpPr>
+          <p:cNvPr id="75" name="Google Shape;75;p15"/>
+          <p:cNvSpPr txBox="1"/>
+          <p:nvPr>
+            <p:ph idx="12" type="sldNum"/>
+          </p:nvPr>
+        </p:nvSpPr>
+        <p:spPr>
+          <a:xfrm>
+            <a:off x="8472458" y="4663217"/>
+            <a:ext cx="548700" cy="393600"/>
+          </a:xfrm>
+          <a:prstGeom prst="rect">
+            <a:avLst/>
+          </a:prstGeom>
+        </p:spPr>
+        <p:txBody>
+          <a:bodyPr anchorCtr="0" anchor="ctr" bIns="91425" lIns="91425" spcFirstLastPara="1" rIns="91425" wrap="square" tIns="91425">
+            <a:normAutofit/>
+          </a:bodyPr>
+          <a:lstStyle/>
+          <a:p>
+            <a:pPr indent="0" lvl="0" marL="0" rtl="0" algn="r">
+              <a:spcBef>
+                <a:spcPts val="0"/>
+              </a:spcBef>
+              <a:spcAft>
+                <a:spcPts val="0"/>
+              </a:spcAft>
+              <a:buNone/>
+            </a:pPr>
+            <a:fld id="{00000000-1234-1234-1234-123412341234}" type="slidenum">
+              <a:rPr lang="en"/>
+              <a:t>‹#›</a:t>
+            </a:fld>
+            <a:endParaRPr/>
           </a:p>
         </p:txBody>
       </p:sp>
@@ -7943,7 +10097,7 @@
   <p:cSld>
     <p:spTree>
       <p:nvGrpSpPr>
-        <p:cNvPr id="77" name="Shape 77"/>
+        <p:cNvPr id="79" name="Shape 79"/>
         <p:cNvGrpSpPr/>
         <p:nvPr/>
       </p:nvGrpSpPr>
@@ -7957,7 +10111,313 @@
       </p:grpSpPr>
       <p:sp>
         <p:nvSpPr>
-          <p:cNvPr id="78" name="Google Shape;78;p16"/>
+          <p:cNvPr id="80" name="Google Shape;80;p16"/>
+          <p:cNvSpPr txBox="1"/>
+          <p:nvPr>
+            <p:ph type="title"/>
+          </p:nvPr>
+        </p:nvSpPr>
+        <p:spPr>
+          <a:xfrm>
+            <a:off x="311700" y="1050050"/>
+            <a:ext cx="8520600" cy="729900"/>
+          </a:xfrm>
+          <a:prstGeom prst="rect">
+            <a:avLst/>
+          </a:prstGeom>
+        </p:spPr>
+        <p:txBody>
+          <a:bodyPr anchorCtr="0" anchor="t" bIns="91425" lIns="91425" spcFirstLastPara="1" rIns="91425" wrap="square" tIns="91425">
+            <a:noAutofit/>
+          </a:bodyPr>
+          <a:lstStyle/>
+          <a:p>
+            <a:pPr indent="0" lvl="0" marL="0" rtl="0" algn="just">
+              <a:lnSpc>
+                <a:spcPct val="115000"/>
+              </a:lnSpc>
+              <a:spcBef>
+                <a:spcPts val="0"/>
+              </a:spcBef>
+              <a:spcAft>
+                <a:spcPts val="0"/>
+              </a:spcAft>
+              <a:buNone/>
+            </a:pPr>
+            <a:r>
+              <a:rPr lang="en" sz="1800">
+                <a:solidFill>
+                  <a:schemeClr val="accent3"/>
+                </a:solidFill>
+              </a:rPr>
+              <a:t>Paper Title: </a:t>
+            </a:r>
+            <a:r>
+              <a:rPr lang="en" sz="1800">
+                <a:solidFill>
+                  <a:schemeClr val="accent3"/>
+                </a:solidFill>
+              </a:rPr>
+              <a:t>Automation of Crop Disease Detection through Conventional Machine Learning and Deep Transfer Learning Approaches[1]</a:t>
+            </a:r>
+            <a:endParaRPr sz="1800">
+              <a:solidFill>
+                <a:schemeClr val="accent3"/>
+              </a:solidFill>
+            </a:endParaRPr>
+          </a:p>
+        </p:txBody>
+      </p:sp>
+      <p:sp>
+        <p:nvSpPr>
+          <p:cNvPr id="81" name="Google Shape;81;p16"/>
+          <p:cNvSpPr txBox="1"/>
+          <p:nvPr>
+            <p:ph idx="1" type="body"/>
+          </p:nvPr>
+        </p:nvSpPr>
+        <p:spPr>
+          <a:xfrm>
+            <a:off x="248875" y="1812275"/>
+            <a:ext cx="8520600" cy="2404200"/>
+          </a:xfrm>
+          <a:prstGeom prst="rect">
+            <a:avLst/>
+          </a:prstGeom>
+        </p:spPr>
+        <p:txBody>
+          <a:bodyPr anchorCtr="0" anchor="t" bIns="91425" lIns="91425" spcFirstLastPara="1" rIns="91425" wrap="square" tIns="91425">
+            <a:noAutofit/>
+          </a:bodyPr>
+          <a:lstStyle/>
+          <a:p>
+            <a:pPr indent="-361950" lvl="0" marL="457200" rtl="0" algn="just">
+              <a:spcBef>
+                <a:spcPts val="0"/>
+              </a:spcBef>
+              <a:spcAft>
+                <a:spcPts val="0"/>
+              </a:spcAft>
+              <a:buClr>
+                <a:schemeClr val="accent2"/>
+              </a:buClr>
+              <a:buSzPts val="2100"/>
+              <a:buChar char="●"/>
+            </a:pPr>
+            <a:r>
+              <a:rPr lang="en" sz="1600">
+                <a:solidFill>
+                  <a:schemeClr val="accent2"/>
+                </a:solidFill>
+              </a:rPr>
+              <a:t>Did an extensive comparative study to find the difference between traditional machine learning approach and deep transfer learning approach for detecting crop disease.</a:t>
+            </a:r>
+            <a:endParaRPr sz="1600">
+              <a:solidFill>
+                <a:schemeClr val="accent2"/>
+              </a:solidFill>
+            </a:endParaRPr>
+          </a:p>
+          <a:p>
+            <a:pPr indent="-330200" lvl="0" marL="457200" rtl="0" algn="just">
+              <a:spcBef>
+                <a:spcPts val="0"/>
+              </a:spcBef>
+              <a:spcAft>
+                <a:spcPts val="0"/>
+              </a:spcAft>
+              <a:buClr>
+                <a:schemeClr val="accent2"/>
+              </a:buClr>
+              <a:buSzPts val="1600"/>
+              <a:buChar char="●"/>
+            </a:pPr>
+            <a:r>
+              <a:rPr lang="en" sz="1600">
+                <a:solidFill>
+                  <a:schemeClr val="accent2"/>
+                </a:solidFill>
+              </a:rPr>
+              <a:t>For machine learning approach chosen models are: SVM, KNN , Linear Discriminant Analysis, Classification and Regression Trees, NB, and RF.</a:t>
+            </a:r>
+            <a:endParaRPr sz="1600">
+              <a:solidFill>
+                <a:schemeClr val="accent2"/>
+              </a:solidFill>
+            </a:endParaRPr>
+          </a:p>
+          <a:p>
+            <a:pPr indent="-330200" lvl="0" marL="457200" rtl="0" algn="just">
+              <a:spcBef>
+                <a:spcPts val="0"/>
+              </a:spcBef>
+              <a:spcAft>
+                <a:spcPts val="0"/>
+              </a:spcAft>
+              <a:buClr>
+                <a:schemeClr val="accent2"/>
+              </a:buClr>
+              <a:buSzPts val="1600"/>
+              <a:buChar char="●"/>
+            </a:pPr>
+            <a:r>
+              <a:rPr lang="en" sz="1600">
+                <a:solidFill>
+                  <a:schemeClr val="accent2"/>
+                </a:solidFill>
+              </a:rPr>
+              <a:t>For transfer learning approach chosen models are: VGG19, VGG16, ResNet50, CNN and Inception.</a:t>
+            </a:r>
+            <a:endParaRPr sz="1600">
+              <a:solidFill>
+                <a:schemeClr val="accent2"/>
+              </a:solidFill>
+            </a:endParaRPr>
+          </a:p>
+          <a:p>
+            <a:pPr indent="-330200" lvl="0" marL="457200" rtl="0" algn="just">
+              <a:spcBef>
+                <a:spcPts val="0"/>
+              </a:spcBef>
+              <a:spcAft>
+                <a:spcPts val="0"/>
+              </a:spcAft>
+              <a:buClr>
+                <a:schemeClr val="accent2"/>
+              </a:buClr>
+              <a:buSzPts val="1600"/>
+              <a:buChar char="●"/>
+            </a:pPr>
+            <a:r>
+              <a:rPr lang="en" sz="1600">
+                <a:solidFill>
+                  <a:schemeClr val="accent2"/>
+                </a:solidFill>
+              </a:rPr>
+              <a:t>Models RF, CART, CNN, ResNet50 had accuracy of 97.54%, 94.45%, 93.89% and 93.57%.</a:t>
+            </a:r>
+            <a:endParaRPr sz="1600">
+              <a:solidFill>
+                <a:schemeClr val="accent2"/>
+              </a:solidFill>
+            </a:endParaRPr>
+          </a:p>
+          <a:p>
+            <a:pPr indent="-330200" lvl="0" marL="457200" rtl="0" algn="just">
+              <a:spcBef>
+                <a:spcPts val="0"/>
+              </a:spcBef>
+              <a:spcAft>
+                <a:spcPts val="0"/>
+              </a:spcAft>
+              <a:buClr>
+                <a:schemeClr val="accent1"/>
+              </a:buClr>
+              <a:buSzPts val="1600"/>
+              <a:buChar char="●"/>
+            </a:pPr>
+            <a:r>
+              <a:rPr lang="en" sz="1600">
+                <a:solidFill>
+                  <a:schemeClr val="accent2"/>
+                </a:solidFill>
+              </a:rPr>
+              <a:t>The </a:t>
+            </a:r>
+            <a:r>
+              <a:rPr lang="en" sz="1600">
+                <a:solidFill>
+                  <a:schemeClr val="accent2"/>
+                </a:solidFill>
+              </a:rPr>
+              <a:t>highest</a:t>
+            </a:r>
+            <a:r>
+              <a:rPr lang="en" sz="1600">
+                <a:solidFill>
+                  <a:schemeClr val="accent2"/>
+                </a:solidFill>
+              </a:rPr>
+              <a:t> classifier accuracy was of the model Inception V3 with accuracy of 98.01%</a:t>
+            </a:r>
+            <a:r>
+              <a:rPr lang="en" sz="1600">
+                <a:solidFill>
+                  <a:schemeClr val="accent1"/>
+                </a:solidFill>
+              </a:rPr>
+              <a:t>.</a:t>
+            </a:r>
+            <a:endParaRPr sz="1600">
+              <a:solidFill>
+                <a:schemeClr val="accent1"/>
+              </a:solidFill>
+            </a:endParaRPr>
+          </a:p>
+          <a:p>
+            <a:pPr indent="0" lvl="0" marL="457200" rtl="0" algn="just">
+              <a:spcBef>
+                <a:spcPts val="0"/>
+              </a:spcBef>
+              <a:spcAft>
+                <a:spcPts val="0"/>
+              </a:spcAft>
+              <a:buNone/>
+            </a:pPr>
+            <a:r>
+              <a:t/>
+            </a:r>
+            <a:endParaRPr sz="1600">
+              <a:solidFill>
+                <a:schemeClr val="accent1"/>
+              </a:solidFill>
+            </a:endParaRPr>
+          </a:p>
+        </p:txBody>
+      </p:sp>
+      <p:sp>
+        <p:nvSpPr>
+          <p:cNvPr id="82" name="Google Shape;82;p16"/>
+          <p:cNvSpPr txBox="1"/>
+          <p:nvPr>
+            <p:ph idx="12" type="sldNum"/>
+          </p:nvPr>
+        </p:nvSpPr>
+        <p:spPr>
+          <a:xfrm>
+            <a:off x="8472458" y="4663217"/>
+            <a:ext cx="548700" cy="393600"/>
+          </a:xfrm>
+          <a:prstGeom prst="rect">
+            <a:avLst/>
+          </a:prstGeom>
+        </p:spPr>
+        <p:txBody>
+          <a:bodyPr anchorCtr="0" anchor="ctr" bIns="91425" lIns="91425" spcFirstLastPara="1" rIns="91425" wrap="square" tIns="91425">
+            <a:normAutofit/>
+          </a:bodyPr>
+          <a:lstStyle/>
+          <a:p>
+            <a:pPr indent="0" lvl="0" marL="0" rtl="0" algn="r">
+              <a:spcBef>
+                <a:spcPts val="0"/>
+              </a:spcBef>
+              <a:spcAft>
+                <a:spcPts val="0"/>
+              </a:spcAft>
+              <a:buNone/>
+            </a:pPr>
+            <a:fld id="{00000000-1234-1234-1234-123412341234}" type="slidenum">
+              <a:rPr lang="en"/>
+              <a:t>‹#›</a:t>
+            </a:fld>
+            <a:endParaRPr/>
+          </a:p>
+        </p:txBody>
+      </p:sp>
+      <p:sp>
+        <p:nvSpPr>
+          <p:cNvPr id="83" name="Google Shape;83;p16"/>
           <p:cNvSpPr txBox="1"/>
           <p:nvPr>
             <p:ph type="title"/>
@@ -7989,177 +10449,9 @@
             </a:pPr>
             <a:r>
               <a:rPr lang="en"/>
-              <a:t>Dataset:</a:t>
+              <a:t>Literature Review 1</a:t>
             </a:r>
             <a:endParaRPr/>
-          </a:p>
-        </p:txBody>
-      </p:sp>
-      <p:sp>
-        <p:nvSpPr>
-          <p:cNvPr id="79" name="Google Shape;79;p16"/>
-          <p:cNvSpPr txBox="1"/>
-          <p:nvPr>
-            <p:ph idx="1" type="body"/>
-          </p:nvPr>
-        </p:nvSpPr>
-        <p:spPr>
-          <a:xfrm>
-            <a:off x="311700" y="1152475"/>
-            <a:ext cx="8520600" cy="3416400"/>
-          </a:xfrm>
-          <a:prstGeom prst="rect">
-            <a:avLst/>
-          </a:prstGeom>
-        </p:spPr>
-        <p:txBody>
-          <a:bodyPr anchorCtr="0" anchor="t" bIns="91425" lIns="91425" spcFirstLastPara="1" rIns="91425" wrap="square" tIns="91425">
-            <a:normAutofit/>
-          </a:bodyPr>
-          <a:lstStyle/>
-          <a:p>
-            <a:pPr indent="-317500" lvl="0" marL="457200" rtl="0" algn="l">
-              <a:spcBef>
-                <a:spcPts val="0"/>
-              </a:spcBef>
-              <a:spcAft>
-                <a:spcPts val="0"/>
-              </a:spcAft>
-              <a:buClr>
-                <a:schemeClr val="dk1"/>
-              </a:buClr>
-              <a:buSzPts val="1400"/>
-              <a:buFont typeface="Roboto Slab"/>
-              <a:buChar char="●"/>
-            </a:pPr>
-            <a:r>
-              <a:rPr lang="en" sz="1400">
-                <a:solidFill>
-                  <a:schemeClr val="dk1"/>
-                </a:solidFill>
-                <a:latin typeface="Roboto Slab"/>
-                <a:ea typeface="Roboto Slab"/>
-                <a:cs typeface="Roboto Slab"/>
-                <a:sym typeface="Roboto Slab"/>
-              </a:rPr>
-              <a:t>Name: Watermelon Disease Recognition Dataset</a:t>
-            </a:r>
-            <a:endParaRPr sz="1400">
-              <a:solidFill>
-                <a:schemeClr val="dk1"/>
-              </a:solidFill>
-              <a:latin typeface="Roboto Slab"/>
-              <a:ea typeface="Roboto Slab"/>
-              <a:cs typeface="Roboto Slab"/>
-              <a:sym typeface="Roboto Slab"/>
-            </a:endParaRPr>
-          </a:p>
-          <a:p>
-            <a:pPr indent="-317500" lvl="0" marL="457200" rtl="0" algn="l">
-              <a:spcBef>
-                <a:spcPts val="0"/>
-              </a:spcBef>
-              <a:spcAft>
-                <a:spcPts val="0"/>
-              </a:spcAft>
-              <a:buClr>
-                <a:schemeClr val="dk1"/>
-              </a:buClr>
-              <a:buSzPts val="1400"/>
-              <a:buFont typeface="Roboto Slab"/>
-              <a:buChar char="●"/>
-            </a:pPr>
-            <a:r>
-              <a:rPr lang="en" sz="1400">
-                <a:solidFill>
-                  <a:schemeClr val="dk1"/>
-                </a:solidFill>
-                <a:latin typeface="Roboto Slab"/>
-                <a:ea typeface="Roboto Slab"/>
-                <a:cs typeface="Roboto Slab"/>
-                <a:sym typeface="Roboto Slab"/>
-              </a:rPr>
-              <a:t>Size: Number of original images in the dataset is 1155, number of augmentation images is 5775. </a:t>
-            </a:r>
-            <a:endParaRPr sz="1400">
-              <a:solidFill>
-                <a:schemeClr val="dk1"/>
-              </a:solidFill>
-              <a:latin typeface="Roboto Slab"/>
-              <a:ea typeface="Roboto Slab"/>
-              <a:cs typeface="Roboto Slab"/>
-              <a:sym typeface="Roboto Slab"/>
-            </a:endParaRPr>
-          </a:p>
-          <a:p>
-            <a:pPr indent="-317500" lvl="0" marL="457200" rtl="0" algn="just">
-              <a:spcBef>
-                <a:spcPts val="0"/>
-              </a:spcBef>
-              <a:spcAft>
-                <a:spcPts val="0"/>
-              </a:spcAft>
-              <a:buClr>
-                <a:schemeClr val="dk1"/>
-              </a:buClr>
-              <a:buSzPts val="1400"/>
-              <a:buFont typeface="Roboto Slab"/>
-              <a:buChar char="●"/>
-            </a:pPr>
-            <a:r>
-              <a:rPr lang="en" sz="1400">
-                <a:solidFill>
-                  <a:schemeClr val="dk1"/>
-                </a:solidFill>
-                <a:latin typeface="Roboto Slab"/>
-                <a:ea typeface="Roboto Slab"/>
-                <a:cs typeface="Roboto Slab"/>
-                <a:sym typeface="Roboto Slab"/>
-              </a:rPr>
-              <a:t>4 different categories of leaf images exists which are healthy, anthracnose, downy mildew, mosaic virus.</a:t>
-            </a:r>
-            <a:endParaRPr sz="1400">
-              <a:solidFill>
-                <a:schemeClr val="dk1"/>
-              </a:solidFill>
-              <a:latin typeface="Roboto Slab"/>
-              <a:ea typeface="Roboto Slab"/>
-              <a:cs typeface="Roboto Slab"/>
-              <a:sym typeface="Roboto Slab"/>
-            </a:endParaRPr>
-          </a:p>
-          <a:p>
-            <a:pPr indent="-317500" lvl="0" marL="457200" rtl="0" algn="just">
-              <a:spcBef>
-                <a:spcPts val="0"/>
-              </a:spcBef>
-              <a:spcAft>
-                <a:spcPts val="0"/>
-              </a:spcAft>
-              <a:buClr>
-                <a:schemeClr val="dk1"/>
-              </a:buClr>
-              <a:buSzPts val="1400"/>
-              <a:buFont typeface="Roboto Slab"/>
-              <a:buChar char="●"/>
-            </a:pPr>
-            <a:r>
-              <a:rPr lang="en" sz="1400">
-                <a:solidFill>
-                  <a:schemeClr val="dk1"/>
-                </a:solidFill>
-                <a:latin typeface="Roboto Slab"/>
-                <a:ea typeface="Roboto Slab"/>
-                <a:cs typeface="Roboto Slab"/>
-                <a:sym typeface="Roboto Slab"/>
-              </a:rPr>
-              <a:t>We used 3 out of 4 categories in augmented images for training our models. </a:t>
-            </a:r>
-            <a:endParaRPr>
-              <a:solidFill>
-                <a:schemeClr val="dk1"/>
-              </a:solidFill>
-            </a:endParaRPr>
           </a:p>
         </p:txBody>
       </p:sp>
@@ -8176,7 +10468,7 @@
   <p:cSld>
     <p:spTree>
       <p:nvGrpSpPr>
-        <p:cNvPr id="83" name="Shape 83"/>
+        <p:cNvPr id="87" name="Shape 87"/>
         <p:cNvGrpSpPr/>
         <p:nvPr/>
       </p:nvGrpSpPr>
@@ -8190,7 +10482,7 @@
       </p:grpSpPr>
       <p:sp>
         <p:nvSpPr>
-          <p:cNvPr id="84" name="Google Shape;84;p17"/>
+          <p:cNvPr id="88" name="Google Shape;88;p17"/>
           <p:cNvSpPr txBox="1"/>
           <p:nvPr>
             <p:ph type="title"/>
@@ -8222,7 +10514,7 @@
             </a:pPr>
             <a:r>
               <a:rPr lang="en"/>
-              <a:t>Proposed methodology:</a:t>
+              <a:t>What did we learn:</a:t>
             </a:r>
             <a:endParaRPr/>
           </a:p>
@@ -8230,7 +10522,7 @@
       </p:sp>
       <p:sp>
         <p:nvSpPr>
-          <p:cNvPr id="85" name="Google Shape;85;p17"/>
+          <p:cNvPr id="89" name="Google Shape;89;p17"/>
           <p:cNvSpPr txBox="1"/>
           <p:nvPr>
             <p:ph idx="1" type="body"/>
@@ -8246,12 +10538,74 @@
           </a:prstGeom>
         </p:spPr>
         <p:txBody>
+          <a:bodyPr anchorCtr="0" anchor="t" bIns="91425" lIns="91425" spcFirstLastPara="1" rIns="91425" wrap="square" tIns="91425">
+            <a:normAutofit/>
+          </a:bodyPr>
+          <a:lstStyle/>
+          <a:p>
+            <a:pPr indent="-342900" lvl="0" marL="457200" rtl="0" algn="l">
+              <a:spcBef>
+                <a:spcPts val="0"/>
+              </a:spcBef>
+              <a:spcAft>
+                <a:spcPts val="0"/>
+              </a:spcAft>
+              <a:buSzPts val="1800"/>
+              <a:buChar char="●"/>
+            </a:pPr>
+            <a:r>
+              <a:rPr lang="en"/>
+              <a:t>As the researchers </a:t>
+            </a:r>
+            <a:r>
+              <a:rPr lang="en"/>
+              <a:t>approach was to detect crop disease, we can easily modify the model to detect disease from plant leafs and expect similar result. </a:t>
+            </a:r>
+            <a:endParaRPr/>
+          </a:p>
+          <a:p>
+            <a:pPr indent="-342900" lvl="0" marL="457200" rtl="0" algn="l">
+              <a:spcBef>
+                <a:spcPts val="0"/>
+              </a:spcBef>
+              <a:spcAft>
+                <a:spcPts val="0"/>
+              </a:spcAft>
+              <a:buSzPts val="1800"/>
+              <a:buChar char="●"/>
+            </a:pPr>
+            <a:r>
+              <a:rPr lang="en"/>
+              <a:t>The Inception V3 models showed promising result, thus it can be considered to be used for our experiments.</a:t>
+            </a:r>
+            <a:endParaRPr/>
+          </a:p>
+        </p:txBody>
+      </p:sp>
+      <p:sp>
+        <p:nvSpPr>
+          <p:cNvPr id="90" name="Google Shape;90;p17"/>
+          <p:cNvSpPr txBox="1"/>
+          <p:nvPr>
+            <p:ph idx="12" type="sldNum"/>
+          </p:nvPr>
+        </p:nvSpPr>
+        <p:spPr>
+          <a:xfrm>
+            <a:off x="8472458" y="4663217"/>
+            <a:ext cx="548700" cy="393600"/>
+          </a:xfrm>
+          <a:prstGeom prst="rect">
+            <a:avLst/>
+          </a:prstGeom>
+        </p:spPr>
+        <p:txBody>
           <a:bodyPr anchorCtr="0" anchor="ctr" bIns="91425" lIns="91425" spcFirstLastPara="1" rIns="91425" wrap="square" tIns="91425">
             <a:normAutofit/>
           </a:bodyPr>
           <a:lstStyle/>
           <a:p>
-            <a:pPr indent="0" lvl="0" marL="0" rtl="0" algn="ctr">
+            <a:pPr indent="0" lvl="0" marL="0" rtl="0" algn="r">
               <a:spcBef>
                 <a:spcPts val="0"/>
               </a:spcBef>
@@ -8260,18 +10614,10 @@
               </a:spcAft>
               <a:buNone/>
             </a:pPr>
-            <a:r>
-              <a:rPr lang="en" sz="1300">
-                <a:solidFill>
-                  <a:srgbClr val="000000"/>
-                </a:solidFill>
-                <a:latin typeface="Times New Roman"/>
-                <a:ea typeface="Times New Roman"/>
-                <a:cs typeface="Times New Roman"/>
-                <a:sym typeface="Times New Roman"/>
-              </a:rPr>
-              <a:t>In our work, we will compare and contrast between different transfer learning models like ResNet50, Inception, MobileNet, DenseNet. Upon training the models with our dataset, the one with best accuracy will be combined with Grad-CAM to further improve results.</a:t>
-            </a:r>
+            <a:fld id="{00000000-1234-1234-1234-123412341234}" type="slidenum">
+              <a:rPr lang="en"/>
+              <a:t>‹#›</a:t>
+            </a:fld>
             <a:endParaRPr/>
           </a:p>
         </p:txBody>
@@ -8289,7 +10635,7 @@
   <p:cSld>
     <p:spTree>
       <p:nvGrpSpPr>
-        <p:cNvPr id="89" name="Shape 89"/>
+        <p:cNvPr id="94" name="Shape 94"/>
         <p:cNvGrpSpPr/>
         <p:nvPr/>
       </p:nvGrpSpPr>
@@ -8303,7 +10649,7 @@
       </p:grpSpPr>
       <p:sp>
         <p:nvSpPr>
-          <p:cNvPr id="90" name="Google Shape;90;p18"/>
+          <p:cNvPr id="95" name="Google Shape;95;p18"/>
           <p:cNvSpPr txBox="1"/>
           <p:nvPr>
             <p:ph type="title"/>
@@ -8335,7 +10681,7 @@
             </a:pPr>
             <a:r>
               <a:rPr lang="en"/>
-              <a:t>Reference:</a:t>
+              <a:t>Literature Review 2</a:t>
             </a:r>
             <a:endParaRPr/>
           </a:p>
@@ -8343,7 +10689,7 @@
       </p:sp>
       <p:sp>
         <p:nvSpPr>
-          <p:cNvPr id="91" name="Google Shape;91;p18"/>
+          <p:cNvPr id="96" name="Google Shape;96;p18"/>
           <p:cNvSpPr txBox="1"/>
           <p:nvPr>
             <p:ph idx="1" type="body"/>
@@ -8352,7 +10698,7 @@
         <p:spPr>
           <a:xfrm>
             <a:off x="311700" y="1152475"/>
-            <a:ext cx="8520600" cy="3416400"/>
+            <a:ext cx="8520600" cy="1004400"/>
           </a:xfrm>
           <a:prstGeom prst="rect">
             <a:avLst/>
@@ -8360,13 +10706,13 @@
         </p:spPr>
         <p:txBody>
           <a:bodyPr anchorCtr="0" anchor="t" bIns="91425" lIns="91425" spcFirstLastPara="1" rIns="91425" wrap="square" tIns="91425">
-            <a:normAutofit lnSpcReduction="10000"/>
+            <a:normAutofit/>
           </a:bodyPr>
           <a:lstStyle/>
           <a:p>
-            <a:pPr indent="-298450" lvl="0" marL="457200" rtl="0" algn="just">
+            <a:pPr indent="0" lvl="0" marL="0" rtl="0" algn="l">
               <a:lnSpc>
-                <a:spcPct val="200000"/>
+                <a:spcPct val="100000"/>
               </a:lnSpc>
               <a:spcBef>
                 <a:spcPts val="0"/>
@@ -8374,87 +10720,124 @@
               <a:spcAft>
                 <a:spcPts val="0"/>
               </a:spcAft>
+              <a:buNone/>
+            </a:pPr>
+            <a:r>
+              <a:rPr lang="en"/>
+              <a:t>Paper title: Classification of olive leaf diseases using deep convolutional neural</a:t>
+            </a:r>
+            <a:endParaRPr/>
+          </a:p>
+          <a:p>
+            <a:pPr indent="0" lvl="0" marL="0" rtl="0" algn="l">
+              <a:spcBef>
+                <a:spcPts val="1200"/>
+              </a:spcBef>
+              <a:spcAft>
+                <a:spcPts val="1200"/>
+              </a:spcAft>
+              <a:buNone/>
+            </a:pPr>
+            <a:r>
+              <a:rPr lang="en"/>
+              <a:t>Networks [2]</a:t>
+            </a:r>
+            <a:endParaRPr/>
+          </a:p>
+        </p:txBody>
+      </p:sp>
+      <p:sp>
+        <p:nvSpPr>
+          <p:cNvPr id="97" name="Google Shape;97;p18"/>
+          <p:cNvSpPr txBox="1"/>
+          <p:nvPr/>
+        </p:nvSpPr>
+        <p:spPr>
+          <a:xfrm>
+            <a:off x="236550" y="2031250"/>
+            <a:ext cx="8784600" cy="2575800"/>
+          </a:xfrm>
+          <a:prstGeom prst="rect">
+            <a:avLst/>
+          </a:prstGeom>
+          <a:noFill/>
+          <a:ln>
+            <a:noFill/>
+          </a:ln>
+        </p:spPr>
+        <p:txBody>
+          <a:bodyPr anchorCtr="0" anchor="t" bIns="91425" lIns="91425" spcFirstLastPara="1" rIns="91425" wrap="square" tIns="91425">
+            <a:noAutofit/>
+          </a:bodyPr>
+          <a:lstStyle/>
+          <a:p>
+            <a:pPr indent="-330200" lvl="0" marL="457200" rtl="0" algn="l">
+              <a:lnSpc>
+                <a:spcPct val="115000"/>
+              </a:lnSpc>
+              <a:spcBef>
+                <a:spcPts val="0"/>
+              </a:spcBef>
+              <a:spcAft>
+                <a:spcPts val="0"/>
+              </a:spcAft>
               <a:buClr>
-                <a:schemeClr val="dk1"/>
+                <a:schemeClr val="accent3"/>
               </a:buClr>
-              <a:buSzPts val="1100"/>
-              <a:buFont typeface="Roboto Slab"/>
+              <a:buSzPts val="1600"/>
+              <a:buFont typeface="Proxima Nova"/>
               <a:buChar char="●"/>
             </a:pPr>
             <a:r>
-              <a:rPr lang="en" sz="1100">
-                <a:solidFill>
-                  <a:schemeClr val="dk1"/>
-                </a:solidFill>
-                <a:latin typeface="Roboto Slab"/>
-                <a:ea typeface="Roboto Slab"/>
-                <a:cs typeface="Roboto Slab"/>
-                <a:sym typeface="Roboto Slab"/>
+              <a:rPr lang="en" sz="1600">
+                <a:solidFill>
+                  <a:schemeClr val="accent3"/>
+                </a:solidFill>
+                <a:latin typeface="Proxima Nova"/>
+                <a:ea typeface="Proxima Nova"/>
+                <a:cs typeface="Proxima Nova"/>
+                <a:sym typeface="Proxima Nova"/>
               </a:rPr>
-              <a:t>Orchi, H., Sadik, M., Khaldoun, M., &amp; Sabir, E. (2023). Automation of Crop Disease Detection through Conventional Machine Learning and Deep Transfer Learning Approaches. </a:t>
+              <a:t>Did a </a:t>
             </a:r>
             <a:r>
-              <a:rPr i="1" lang="en" sz="1100">
-                <a:solidFill>
-                  <a:schemeClr val="dk1"/>
-                </a:solidFill>
-                <a:latin typeface="Roboto Slab"/>
-                <a:ea typeface="Roboto Slab"/>
-                <a:cs typeface="Roboto Slab"/>
-                <a:sym typeface="Roboto Slab"/>
+              <a:rPr lang="en" sz="1600">
+                <a:solidFill>
+                  <a:schemeClr val="accent3"/>
+                </a:solidFill>
+                <a:latin typeface="Proxima Nova"/>
+                <a:ea typeface="Proxima Nova"/>
+                <a:cs typeface="Proxima Nova"/>
+                <a:sym typeface="Proxima Nova"/>
               </a:rPr>
-              <a:t>Agriculture</a:t>
+              <a:t>comparative</a:t>
             </a:r>
             <a:r>
-              <a:rPr lang="en" sz="1100">
-                <a:solidFill>
-                  <a:schemeClr val="dk1"/>
-                </a:solidFill>
-                <a:latin typeface="Roboto Slab"/>
-                <a:ea typeface="Roboto Slab"/>
-                <a:cs typeface="Roboto Slab"/>
-                <a:sym typeface="Roboto Slab"/>
+              <a:rPr lang="en" sz="1600">
+                <a:solidFill>
+                  <a:schemeClr val="accent3"/>
+                </a:solidFill>
+                <a:latin typeface="Proxima Nova"/>
+                <a:ea typeface="Proxima Nova"/>
+                <a:cs typeface="Proxima Nova"/>
+                <a:sym typeface="Proxima Nova"/>
               </a:rPr>
-              <a:t>, </a:t>
+              <a:t> study of the existing Deep Learning Technologies and CNN architectures in detection technology</a:t>
             </a:r>
-            <a:r>
-              <a:rPr i="1" lang="en" sz="1100">
-                <a:solidFill>
-                  <a:schemeClr val="dk1"/>
-                </a:solidFill>
-                <a:latin typeface="Roboto Slab"/>
-                <a:ea typeface="Roboto Slab"/>
-                <a:cs typeface="Roboto Slab"/>
-                <a:sym typeface="Roboto Slab"/>
-              </a:rPr>
-              <a:t>13</a:t>
-            </a:r>
-            <a:r>
-              <a:rPr lang="en" sz="1100">
-                <a:solidFill>
-                  <a:schemeClr val="dk1"/>
-                </a:solidFill>
-                <a:latin typeface="Roboto Slab"/>
-                <a:ea typeface="Roboto Slab"/>
-                <a:cs typeface="Roboto Slab"/>
-                <a:sym typeface="Roboto Slab"/>
-              </a:rPr>
-              <a:t>(2), 352. https://doi.org/10.3390/agriculture13020352</a:t>
-            </a:r>
-            <a:endParaRPr sz="1100">
+            <a:endParaRPr sz="1600">
               <a:solidFill>
-                <a:schemeClr val="dk1"/>
+                <a:schemeClr val="accent3"/>
               </a:solidFill>
-              <a:latin typeface="Roboto Slab"/>
-              <a:ea typeface="Roboto Slab"/>
-              <a:cs typeface="Roboto Slab"/>
-              <a:sym typeface="Roboto Slab"/>
+              <a:latin typeface="Proxima Nova"/>
+              <a:ea typeface="Proxima Nova"/>
+              <a:cs typeface="Proxima Nova"/>
+              <a:sym typeface="Proxima Nova"/>
             </a:endParaRPr>
           </a:p>
           <a:p>
-            <a:pPr indent="-298450" lvl="0" marL="457200" rtl="0" algn="just">
+            <a:pPr indent="-330200" lvl="0" marL="457200" rtl="0" algn="l">
               <a:lnSpc>
-                <a:spcPct val="200000"/>
+                <a:spcPct val="115000"/>
               </a:lnSpc>
               <a:spcBef>
                 <a:spcPts val="0"/>
@@ -8463,84 +10846,39 @@
                 <a:spcPts val="0"/>
               </a:spcAft>
               <a:buClr>
-                <a:schemeClr val="dk1"/>
+                <a:schemeClr val="accent3"/>
               </a:buClr>
-              <a:buSzPts val="1100"/>
-              <a:buFont typeface="Roboto Slab"/>
+              <a:buSzPts val="1600"/>
+              <a:buFont typeface="Proxima Nova"/>
               <a:buChar char="●"/>
             </a:pPr>
             <a:r>
-              <a:rPr lang="en" sz="1100">
-                <a:solidFill>
-                  <a:schemeClr val="dk1"/>
-                </a:solidFill>
-                <a:latin typeface="Roboto Slab"/>
-                <a:ea typeface="Roboto Slab"/>
-                <a:cs typeface="Roboto Slab"/>
-                <a:sym typeface="Roboto Slab"/>
+              <a:rPr lang="en" sz="1600">
+                <a:solidFill>
+                  <a:schemeClr val="accent3"/>
+                </a:solidFill>
+                <a:latin typeface="Proxima Nova"/>
+                <a:ea typeface="Proxima Nova"/>
+                <a:cs typeface="Proxima Nova"/>
+                <a:sym typeface="Proxima Nova"/>
               </a:rPr>
-              <a:t>Uğuz, S., &amp; Uysal, N. (2020). Classification of olive leaf diseases using deep convolutional neural networks. </a:t>
+              <a:t>Identified the challenges and problems of the present models and their possible solutions</a:t>
             </a:r>
-            <a:r>
-              <a:rPr i="1" lang="en" sz="1100">
-                <a:solidFill>
-                  <a:schemeClr val="dk1"/>
-                </a:solidFill>
-                <a:latin typeface="Roboto Slab"/>
-                <a:ea typeface="Roboto Slab"/>
-                <a:cs typeface="Roboto Slab"/>
-                <a:sym typeface="Roboto Slab"/>
-              </a:rPr>
-              <a:t>Neural Computing and Applications</a:t>
-            </a:r>
-            <a:r>
-              <a:rPr lang="en" sz="1100">
-                <a:solidFill>
-                  <a:schemeClr val="dk1"/>
-                </a:solidFill>
-                <a:latin typeface="Roboto Slab"/>
-                <a:ea typeface="Roboto Slab"/>
-                <a:cs typeface="Roboto Slab"/>
-                <a:sym typeface="Roboto Slab"/>
-              </a:rPr>
-              <a:t>, </a:t>
-            </a:r>
-            <a:r>
-              <a:rPr i="1" lang="en" sz="1100">
-                <a:solidFill>
-                  <a:schemeClr val="dk1"/>
-                </a:solidFill>
-                <a:latin typeface="Roboto Slab"/>
-                <a:ea typeface="Roboto Slab"/>
-                <a:cs typeface="Roboto Slab"/>
-                <a:sym typeface="Roboto Slab"/>
-              </a:rPr>
-              <a:t>33</a:t>
-            </a:r>
-            <a:r>
-              <a:rPr lang="en" sz="1100">
-                <a:solidFill>
-                  <a:schemeClr val="dk1"/>
-                </a:solidFill>
-                <a:latin typeface="Roboto Slab"/>
-                <a:ea typeface="Roboto Slab"/>
-                <a:cs typeface="Roboto Slab"/>
-                <a:sym typeface="Roboto Slab"/>
-              </a:rPr>
-              <a:t>(9), 4133–4149. https://doi.org/10.1007/s00521-020-05235-5</a:t>
-            </a:r>
-            <a:endParaRPr sz="1100">
+            <a:endParaRPr sz="1600">
               <a:solidFill>
-                <a:schemeClr val="dk1"/>
+                <a:schemeClr val="accent3"/>
               </a:solidFill>
-              <a:latin typeface="Roboto Slab"/>
-              <a:ea typeface="Roboto Slab"/>
-              <a:cs typeface="Roboto Slab"/>
-              <a:sym typeface="Roboto Slab"/>
+              <a:latin typeface="Proxima Nova"/>
+              <a:ea typeface="Proxima Nova"/>
+              <a:cs typeface="Proxima Nova"/>
+              <a:sym typeface="Proxima Nova"/>
             </a:endParaRPr>
           </a:p>
           <a:p>
-            <a:pPr indent="-298450" lvl="0" marL="457200" rtl="0" algn="just">
+            <a:pPr indent="-330200" lvl="0" marL="457200" rtl="0" algn="l">
+              <a:lnSpc>
+                <a:spcPct val="115000"/>
+              </a:lnSpc>
               <a:spcBef>
                 <a:spcPts val="0"/>
               </a:spcBef>
@@ -8548,60 +10886,63 @@
                 <a:spcPts val="0"/>
               </a:spcAft>
               <a:buClr>
-                <a:schemeClr val="dk1"/>
+                <a:schemeClr val="accent3"/>
               </a:buClr>
-              <a:buSzPts val="1100"/>
-              <a:buFont typeface="Roboto Slab"/>
+              <a:buSzPts val="1600"/>
+              <a:buFont typeface="Proxima Nova"/>
               <a:buChar char="●"/>
             </a:pPr>
             <a:r>
-              <a:rPr lang="en" sz="1100">
-                <a:solidFill>
-                  <a:schemeClr val="dk1"/>
-                </a:solidFill>
-                <a:latin typeface="Roboto Slab"/>
-                <a:ea typeface="Roboto Slab"/>
-                <a:cs typeface="Roboto Slab"/>
-                <a:sym typeface="Roboto Slab"/>
+              <a:rPr lang="en" sz="1600">
+                <a:solidFill>
+                  <a:schemeClr val="accent3"/>
+                </a:solidFill>
+                <a:latin typeface="Proxima Nova"/>
+                <a:ea typeface="Proxima Nova"/>
+                <a:cs typeface="Proxima Nova"/>
+                <a:sym typeface="Proxima Nova"/>
               </a:rPr>
-              <a:t>Aarizou, A., &amp; Merah, M. (2022). Transfer learning for plant disease detection on complex images. </a:t>
+              <a:t>The solution that they worked on is to optimize the loss function to get </a:t>
             </a:r>
             <a:r>
-              <a:rPr i="1" lang="en" sz="1100">
-                <a:solidFill>
-                  <a:schemeClr val="dk1"/>
-                </a:solidFill>
-                <a:latin typeface="Roboto Slab"/>
-                <a:ea typeface="Roboto Slab"/>
-                <a:cs typeface="Roboto Slab"/>
-                <a:sym typeface="Roboto Slab"/>
+              <a:rPr lang="en" sz="1600">
+                <a:solidFill>
+                  <a:schemeClr val="accent3"/>
+                </a:solidFill>
+                <a:latin typeface="Proxima Nova"/>
+                <a:ea typeface="Proxima Nova"/>
+                <a:cs typeface="Proxima Nova"/>
+                <a:sym typeface="Proxima Nova"/>
               </a:rPr>
-              <a:t>2022 7th International Conference on Image and Signal Processing and Their Applications (ISPA)</a:t>
+              <a:t>better</a:t>
             </a:r>
             <a:r>
-              <a:rPr lang="en" sz="1100">
-                <a:solidFill>
-                  <a:schemeClr val="dk1"/>
-                </a:solidFill>
-                <a:latin typeface="Roboto Slab"/>
-                <a:ea typeface="Roboto Slab"/>
-                <a:cs typeface="Roboto Slab"/>
-                <a:sym typeface="Roboto Slab"/>
+              <a:rPr lang="en" sz="1600">
+                <a:solidFill>
+                  <a:schemeClr val="accent3"/>
+                </a:solidFill>
+                <a:latin typeface="Proxima Nova"/>
+                <a:ea typeface="Proxima Nova"/>
+                <a:cs typeface="Proxima Nova"/>
+                <a:sym typeface="Proxima Nova"/>
               </a:rPr>
-              <a:t>. https://doi.org/10.1109/ispa54004.2022.9786306 </a:t>
+              <a:t> result</a:t>
             </a:r>
-            <a:endParaRPr sz="1100">
+            <a:endParaRPr sz="1600">
               <a:solidFill>
-                <a:schemeClr val="dk1"/>
+                <a:schemeClr val="accent3"/>
               </a:solidFill>
-              <a:latin typeface="Roboto Slab"/>
-              <a:ea typeface="Roboto Slab"/>
-              <a:cs typeface="Roboto Slab"/>
-              <a:sym typeface="Roboto Slab"/>
+              <a:latin typeface="Proxima Nova"/>
+              <a:ea typeface="Proxima Nova"/>
+              <a:cs typeface="Proxima Nova"/>
+              <a:sym typeface="Proxima Nova"/>
             </a:endParaRPr>
           </a:p>
           <a:p>
-            <a:pPr indent="-298450" lvl="0" marL="457200" rtl="0" algn="just">
+            <a:pPr indent="-330200" lvl="0" marL="457200" rtl="0" algn="l">
+              <a:lnSpc>
+                <a:spcPct val="115000"/>
+              </a:lnSpc>
               <a:spcBef>
                 <a:spcPts val="0"/>
               </a:spcBef>
@@ -8609,76 +10950,205 @@
                 <a:spcPts val="0"/>
               </a:spcAft>
               <a:buClr>
-                <a:schemeClr val="dk1"/>
+                <a:schemeClr val="accent3"/>
               </a:buClr>
-              <a:buSzPts val="1100"/>
-              <a:buFont typeface="Roboto Slab"/>
+              <a:buSzPts val="1600"/>
+              <a:buFont typeface="Proxima Nova"/>
               <a:buChar char="●"/>
             </a:pPr>
             <a:r>
-              <a:rPr lang="en" sz="1100">
-                <a:solidFill>
-                  <a:schemeClr val="dk1"/>
-                </a:solidFill>
-                <a:latin typeface="Roboto Slab"/>
-                <a:ea typeface="Roboto Slab"/>
-                <a:cs typeface="Roboto Slab"/>
-                <a:sym typeface="Roboto Slab"/>
+              <a:rPr lang="en" sz="1600">
+                <a:solidFill>
+                  <a:schemeClr val="accent3"/>
+                </a:solidFill>
+                <a:latin typeface="Proxima Nova"/>
+                <a:ea typeface="Proxima Nova"/>
+                <a:cs typeface="Proxima Nova"/>
+                <a:sym typeface="Proxima Nova"/>
               </a:rPr>
-              <a:t>Arshad, M. S., Rehman, U. A., &amp; Fraz, M. M. (2021). Plant disease identification using transfer learning. </a:t>
+              <a:t>Detailed analysis of the VGG16 and VGG19 model and their own suggested model</a:t>
             </a:r>
-            <a:r>
-              <a:rPr i="1" lang="en" sz="1100">
-                <a:solidFill>
-                  <a:schemeClr val="dk1"/>
-                </a:solidFill>
-                <a:latin typeface="Roboto Slab"/>
-                <a:ea typeface="Roboto Slab"/>
-                <a:cs typeface="Roboto Slab"/>
-                <a:sym typeface="Roboto Slab"/>
-              </a:rPr>
-              <a:t>2021 International Conference on Digital Futures and Transformative Technologies (ICoDT2)</a:t>
-            </a:r>
-            <a:r>
-              <a:rPr lang="en" sz="1100">
-                <a:solidFill>
-                  <a:schemeClr val="dk1"/>
-                </a:solidFill>
-                <a:latin typeface="Roboto Slab"/>
-                <a:ea typeface="Roboto Slab"/>
-                <a:cs typeface="Roboto Slab"/>
-                <a:sym typeface="Roboto Slab"/>
-              </a:rPr>
-              <a:t>. https://doi.org/10.1109/icodt252288.2021.9441512 </a:t>
-            </a:r>
-            <a:endParaRPr sz="1100">
+            <a:endParaRPr sz="1600">
               <a:solidFill>
-                <a:schemeClr val="dk1"/>
+                <a:schemeClr val="accent3"/>
               </a:solidFill>
-              <a:latin typeface="Roboto Slab"/>
-              <a:ea typeface="Roboto Slab"/>
-              <a:cs typeface="Roboto Slab"/>
-              <a:sym typeface="Roboto Slab"/>
+              <a:latin typeface="Proxima Nova"/>
+              <a:ea typeface="Proxima Nova"/>
+              <a:cs typeface="Proxima Nova"/>
+              <a:sym typeface="Proxima Nova"/>
             </a:endParaRPr>
           </a:p>
           <a:p>
-            <a:pPr indent="0" lvl="0" marL="0" rtl="0" algn="l">
-              <a:spcBef>
-                <a:spcPts val="1200"/>
-              </a:spcBef>
-              <a:spcAft>
-                <a:spcPts val="1200"/>
-              </a:spcAft>
-              <a:buNone/>
+            <a:pPr indent="-330200" lvl="0" marL="457200" rtl="0" algn="l">
+              <a:lnSpc>
+                <a:spcPct val="115000"/>
+              </a:lnSpc>
+              <a:spcBef>
+                <a:spcPts val="0"/>
+              </a:spcBef>
+              <a:spcAft>
+                <a:spcPts val="0"/>
+              </a:spcAft>
+              <a:buClr>
+                <a:schemeClr val="accent3"/>
+              </a:buClr>
+              <a:buSzPts val="1600"/>
+              <a:buFont typeface="Proxima Nova"/>
+              <a:buChar char="●"/>
             </a:pPr>
             <a:r>
-              <a:t/>
+              <a:rPr lang="en" sz="1600">
+                <a:solidFill>
+                  <a:schemeClr val="accent3"/>
+                </a:solidFill>
+                <a:latin typeface="Proxima Nova"/>
+                <a:ea typeface="Proxima Nova"/>
+                <a:cs typeface="Proxima Nova"/>
+                <a:sym typeface="Proxima Nova"/>
+              </a:rPr>
+              <a:t>Implemented Adam, AdaGrad, SDG, RMSProp optimization </a:t>
             </a:r>
-            <a:endParaRPr>
+            <a:r>
+              <a:rPr lang="en" sz="1600">
+                <a:solidFill>
+                  <a:schemeClr val="accent3"/>
+                </a:solidFill>
+                <a:latin typeface="Proxima Nova"/>
+                <a:ea typeface="Proxima Nova"/>
+                <a:cs typeface="Proxima Nova"/>
+                <a:sym typeface="Proxima Nova"/>
+              </a:rPr>
+              <a:t>algorithms</a:t>
+            </a:r>
+            <a:endParaRPr sz="1600">
               <a:solidFill>
-                <a:schemeClr val="dk1"/>
+                <a:schemeClr val="accent3"/>
               </a:solidFill>
+              <a:latin typeface="Proxima Nova"/>
+              <a:ea typeface="Proxima Nova"/>
+              <a:cs typeface="Proxima Nova"/>
+              <a:sym typeface="Proxima Nova"/>
             </a:endParaRPr>
+          </a:p>
+          <a:p>
+            <a:pPr indent="-330200" lvl="0" marL="457200" rtl="0" algn="l">
+              <a:lnSpc>
+                <a:spcPct val="115000"/>
+              </a:lnSpc>
+              <a:spcBef>
+                <a:spcPts val="0"/>
+              </a:spcBef>
+              <a:spcAft>
+                <a:spcPts val="0"/>
+              </a:spcAft>
+              <a:buClr>
+                <a:schemeClr val="accent3"/>
+              </a:buClr>
+              <a:buSzPts val="1600"/>
+              <a:buFont typeface="Proxima Nova"/>
+              <a:buChar char="●"/>
+            </a:pPr>
+            <a:r>
+              <a:rPr lang="en" sz="1600">
+                <a:solidFill>
+                  <a:schemeClr val="accent3"/>
+                </a:solidFill>
+                <a:latin typeface="Proxima Nova"/>
+                <a:ea typeface="Proxima Nova"/>
+                <a:cs typeface="Proxima Nova"/>
+                <a:sym typeface="Proxima Nova"/>
+              </a:rPr>
+              <a:t>Showed result of the models on olive leaf dataset</a:t>
+            </a:r>
+            <a:endParaRPr sz="1600">
+              <a:solidFill>
+                <a:schemeClr val="accent3"/>
+              </a:solidFill>
+              <a:latin typeface="Proxima Nova"/>
+              <a:ea typeface="Proxima Nova"/>
+              <a:cs typeface="Proxima Nova"/>
+              <a:sym typeface="Proxima Nova"/>
+            </a:endParaRPr>
+          </a:p>
+          <a:p>
+            <a:pPr indent="-330200" lvl="0" marL="457200" rtl="0" algn="l">
+              <a:lnSpc>
+                <a:spcPct val="115000"/>
+              </a:lnSpc>
+              <a:spcBef>
+                <a:spcPts val="0"/>
+              </a:spcBef>
+              <a:spcAft>
+                <a:spcPts val="0"/>
+              </a:spcAft>
+              <a:buClr>
+                <a:schemeClr val="accent3"/>
+              </a:buClr>
+              <a:buSzPts val="1600"/>
+              <a:buFont typeface="Proxima Nova"/>
+              <a:buChar char="●"/>
+            </a:pPr>
+            <a:r>
+              <a:rPr lang="en" sz="1600">
+                <a:solidFill>
+                  <a:schemeClr val="accent3"/>
+                </a:solidFill>
+                <a:latin typeface="Proxima Nova"/>
+                <a:ea typeface="Proxima Nova"/>
+                <a:cs typeface="Proxima Nova"/>
+                <a:sym typeface="Proxima Nova"/>
+              </a:rPr>
+              <a:t>Results were complex as different optimization worked differently per model</a:t>
+            </a:r>
+            <a:endParaRPr sz="1600">
+              <a:solidFill>
+                <a:schemeClr val="accent3"/>
+              </a:solidFill>
+              <a:latin typeface="Proxima Nova"/>
+              <a:ea typeface="Proxima Nova"/>
+              <a:cs typeface="Proxima Nova"/>
+              <a:sym typeface="Proxima Nova"/>
+            </a:endParaRPr>
+          </a:p>
+        </p:txBody>
+      </p:sp>
+      <p:sp>
+        <p:nvSpPr>
+          <p:cNvPr id="98" name="Google Shape;98;p18"/>
+          <p:cNvSpPr txBox="1"/>
+          <p:nvPr>
+            <p:ph idx="12" type="sldNum"/>
+          </p:nvPr>
+        </p:nvSpPr>
+        <p:spPr>
+          <a:xfrm>
+            <a:off x="8472458" y="4663217"/>
+            <a:ext cx="548700" cy="393600"/>
+          </a:xfrm>
+          <a:prstGeom prst="rect">
+            <a:avLst/>
+          </a:prstGeom>
+        </p:spPr>
+        <p:txBody>
+          <a:bodyPr anchorCtr="0" anchor="ctr" bIns="91425" lIns="91425" spcFirstLastPara="1" rIns="91425" wrap="square" tIns="91425">
+            <a:normAutofit/>
+          </a:bodyPr>
+          <a:lstStyle/>
+          <a:p>
+            <a:pPr indent="0" lvl="0" marL="0" rtl="0" algn="r">
+              <a:spcBef>
+                <a:spcPts val="0"/>
+              </a:spcBef>
+              <a:spcAft>
+                <a:spcPts val="0"/>
+              </a:spcAft>
+              <a:buNone/>
+            </a:pPr>
+            <a:fld id="{00000000-1234-1234-1234-123412341234}" type="slidenum">
+              <a:rPr lang="en"/>
+              <a:t>‹#›</a:t>
+            </a:fld>
+            <a:endParaRPr/>
           </a:p>
         </p:txBody>
       </p:sp>
@@ -8695,7 +11165,7 @@
   <p:cSld>
     <p:spTree>
       <p:nvGrpSpPr>
-        <p:cNvPr id="95" name="Shape 95"/>
+        <p:cNvPr id="102" name="Shape 102"/>
         <p:cNvGrpSpPr/>
         <p:nvPr/>
       </p:nvGrpSpPr>
@@ -8709,7 +11179,198 @@
       </p:grpSpPr>
       <p:sp>
         <p:nvSpPr>
-          <p:cNvPr id="96" name="Google Shape;96;p19"/>
+          <p:cNvPr id="103" name="Google Shape;103;p19"/>
+          <p:cNvSpPr txBox="1"/>
+          <p:nvPr>
+            <p:ph type="title"/>
+          </p:nvPr>
+        </p:nvSpPr>
+        <p:spPr>
+          <a:xfrm>
+            <a:off x="311700" y="193750"/>
+            <a:ext cx="8520600" cy="572700"/>
+          </a:xfrm>
+          <a:prstGeom prst="rect">
+            <a:avLst/>
+          </a:prstGeom>
+        </p:spPr>
+        <p:txBody>
+          <a:bodyPr anchorCtr="0" anchor="t" bIns="91425" lIns="91425" spcFirstLastPara="1" rIns="91425" wrap="square" tIns="91425">
+            <a:normAutofit fontScale="90000"/>
+          </a:bodyPr>
+          <a:lstStyle/>
+          <a:p>
+            <a:pPr indent="0" lvl="0" marL="0" rtl="0" algn="l">
+              <a:spcBef>
+                <a:spcPts val="0"/>
+              </a:spcBef>
+              <a:spcAft>
+                <a:spcPts val="0"/>
+              </a:spcAft>
+              <a:buNone/>
+            </a:pPr>
+            <a:r>
+              <a:rPr lang="en"/>
+              <a:t>Result</a:t>
+            </a:r>
+            <a:endParaRPr/>
+          </a:p>
+        </p:txBody>
+      </p:sp>
+      <p:sp>
+        <p:nvSpPr>
+          <p:cNvPr id="104" name="Google Shape;104;p19"/>
+          <p:cNvSpPr txBox="1"/>
+          <p:nvPr>
+            <p:ph idx="12" type="sldNum"/>
+          </p:nvPr>
+        </p:nvSpPr>
+        <p:spPr>
+          <a:xfrm>
+            <a:off x="8472458" y="4663217"/>
+            <a:ext cx="548700" cy="393600"/>
+          </a:xfrm>
+          <a:prstGeom prst="rect">
+            <a:avLst/>
+          </a:prstGeom>
+        </p:spPr>
+        <p:txBody>
+          <a:bodyPr anchorCtr="0" anchor="ctr" bIns="91425" lIns="91425" spcFirstLastPara="1" rIns="91425" wrap="square" tIns="91425">
+            <a:normAutofit/>
+          </a:bodyPr>
+          <a:lstStyle/>
+          <a:p>
+            <a:pPr indent="0" lvl="0" marL="0" rtl="0" algn="r">
+              <a:spcBef>
+                <a:spcPts val="0"/>
+              </a:spcBef>
+              <a:spcAft>
+                <a:spcPts val="0"/>
+              </a:spcAft>
+              <a:buNone/>
+            </a:pPr>
+            <a:fld id="{00000000-1234-1234-1234-123412341234}" type="slidenum">
+              <a:rPr lang="en"/>
+              <a:t>‹#›</a:t>
+            </a:fld>
+            <a:endParaRPr/>
+          </a:p>
+        </p:txBody>
+      </p:sp>
+      <p:pic>
+        <p:nvPicPr>
+          <p:cNvPr id="105" name="Google Shape;105;p19"/>
+          <p:cNvPicPr preferRelativeResize="0"/>
+          <p:nvPr/>
+        </p:nvPicPr>
+        <p:blipFill>
+          <a:blip r:embed="rId3">
+            <a:alphaModFix/>
+          </a:blip>
+          <a:stretch>
+            <a:fillRect/>
+          </a:stretch>
+        </p:blipFill>
+        <p:spPr>
+          <a:xfrm>
+            <a:off x="867000" y="766450"/>
+            <a:ext cx="6814945" cy="3820975"/>
+          </a:xfrm>
+          <a:prstGeom prst="rect">
+            <a:avLst/>
+          </a:prstGeom>
+          <a:noFill/>
+          <a:ln>
+            <a:noFill/>
+          </a:ln>
+        </p:spPr>
+      </p:pic>
+      <p:sp>
+        <p:nvSpPr>
+          <p:cNvPr id="106" name="Google Shape;106;p19"/>
+          <p:cNvSpPr txBox="1"/>
+          <p:nvPr/>
+        </p:nvSpPr>
+        <p:spPr>
+          <a:xfrm>
+            <a:off x="2286900" y="4587425"/>
+            <a:ext cx="4570200" cy="234300"/>
+          </a:xfrm>
+          <a:prstGeom prst="rect">
+            <a:avLst/>
+          </a:prstGeom>
+          <a:noFill/>
+          <a:ln>
+            <a:noFill/>
+          </a:ln>
+        </p:spPr>
+        <p:txBody>
+          <a:bodyPr anchorCtr="0" anchor="t" bIns="91425" lIns="91425" spcFirstLastPara="1" rIns="91425" wrap="square" tIns="91425">
+            <a:noAutofit/>
+          </a:bodyPr>
+          <a:lstStyle/>
+          <a:p>
+            <a:pPr indent="0" lvl="0" marL="0" rtl="0" algn="ctr">
+              <a:spcBef>
+                <a:spcPts val="0"/>
+              </a:spcBef>
+              <a:spcAft>
+                <a:spcPts val="0"/>
+              </a:spcAft>
+              <a:buNone/>
+            </a:pPr>
+            <a:r>
+              <a:rPr lang="en">
+                <a:solidFill>
+                  <a:schemeClr val="accent3"/>
+                </a:solidFill>
+                <a:latin typeface="Proxima Nova"/>
+                <a:ea typeface="Proxima Nova"/>
+                <a:cs typeface="Proxima Nova"/>
+                <a:sym typeface="Proxima Nova"/>
+              </a:rPr>
+              <a:t>Fig: Performance Evaluation [2]</a:t>
+            </a:r>
+            <a:endParaRPr>
+              <a:solidFill>
+                <a:schemeClr val="accent3"/>
+              </a:solidFill>
+              <a:latin typeface="Proxima Nova"/>
+              <a:ea typeface="Proxima Nova"/>
+              <a:cs typeface="Proxima Nova"/>
+              <a:sym typeface="Proxima Nova"/>
+            </a:endParaRPr>
+          </a:p>
+        </p:txBody>
+      </p:sp>
+    </p:spTree>
+  </p:cSld>
+  <p:clrMapOvr>
+    <a:masterClrMapping/>
+  </p:clrMapOvr>
+</p:sld>
+</file>
+
+<file path=ppt/slides/slide8.xml><?xml version="1.0" encoding="utf-8"?>
+<p:sld xmlns:a="http://schemas.openxmlformats.org/drawingml/2006/main" xmlns:r="http://schemas.openxmlformats.org/officeDocument/2006/relationships" xmlns:mc="http://schemas.openxmlformats.org/markup-compatibility/2006" xmlns:mv="urn:schemas-microsoft-com:mac:vml" xmlns:p="http://schemas.openxmlformats.org/presentationml/2006/main" xmlns:c="http://schemas.openxmlformats.org/drawingml/2006/chart" xmlns:dgm="http://schemas.openxmlformats.org/drawingml/2006/diagram" xmlns:o="urn:schemas-microsoft-com:office:office" xmlns:v="urn:schemas-microsoft-com:vml" xmlns:pvml="urn:schemas-microsoft-com:office:powerpoint" xmlns:com="http://schemas.openxmlformats.org/drawingml/2006/compatibility" xmlns:p14="http://schemas.microsoft.com/office/powerpoint/2010/main" xmlns:p15="http://schemas.microsoft.com/office/powerpoint/2012/main" xmlns:ahyp="http://schemas.microsoft.com/office/drawing/2018/hyperlinkcolor">
+  <p:cSld>
+    <p:spTree>
+      <p:nvGrpSpPr>
+        <p:cNvPr id="110" name="Shape 110"/>
+        <p:cNvGrpSpPr/>
+        <p:nvPr/>
+      </p:nvGrpSpPr>
+      <p:grpSpPr>
+        <a:xfrm>
+          <a:off x="0" y="0"/>
+          <a:ext cx="0" cy="0"/>
+          <a:chOff x="0" y="0"/>
+          <a:chExt cx="0" cy="0"/>
+        </a:xfrm>
+      </p:grpSpPr>
+      <p:sp>
+        <p:nvSpPr>
+          <p:cNvPr id="111" name="Google Shape;111;p20"/>
           <p:cNvSpPr txBox="1"/>
           <p:nvPr>
             <p:ph type="title"/>
@@ -8741,7 +11402,7 @@
             </a:pPr>
             <a:r>
               <a:rPr lang="en"/>
-              <a:t> </a:t>
+              <a:t>What did we learn</a:t>
             </a:r>
             <a:endParaRPr/>
           </a:p>
@@ -8749,7 +11410,7 @@
       </p:sp>
       <p:sp>
         <p:nvSpPr>
-          <p:cNvPr id="97" name="Google Shape;97;p19"/>
+          <p:cNvPr id="112" name="Google Shape;112;p20"/>
           <p:cNvSpPr txBox="1"/>
           <p:nvPr>
             <p:ph idx="1" type="body"/>
@@ -8757,8 +11418,104 @@
         </p:nvSpPr>
         <p:spPr>
           <a:xfrm>
-            <a:off x="311700" y="863550"/>
+            <a:off x="311700" y="1152475"/>
             <a:ext cx="8520600" cy="3416400"/>
+          </a:xfrm>
+          <a:prstGeom prst="rect">
+            <a:avLst/>
+          </a:prstGeom>
+        </p:spPr>
+        <p:txBody>
+          <a:bodyPr anchorCtr="0" anchor="t" bIns="91425" lIns="91425" spcFirstLastPara="1" rIns="91425" wrap="square" tIns="91425">
+            <a:normAutofit/>
+          </a:bodyPr>
+          <a:lstStyle/>
+          <a:p>
+            <a:pPr indent="-342900" lvl="0" marL="457200" rtl="0" algn="l">
+              <a:spcBef>
+                <a:spcPts val="0"/>
+              </a:spcBef>
+              <a:spcAft>
+                <a:spcPts val="0"/>
+              </a:spcAft>
+              <a:buSzPts val="1800"/>
+              <a:buChar char="●"/>
+            </a:pPr>
+            <a:r>
+              <a:rPr lang="en"/>
+              <a:t>Convolution layers increase the performance of the model but decreases efficiency</a:t>
+            </a:r>
+            <a:endParaRPr/>
+          </a:p>
+          <a:p>
+            <a:pPr indent="-342900" lvl="0" marL="457200" rtl="0" algn="l">
+              <a:spcBef>
+                <a:spcPts val="0"/>
+              </a:spcBef>
+              <a:spcAft>
+                <a:spcPts val="0"/>
+              </a:spcAft>
+              <a:buSzPts val="1800"/>
+              <a:buChar char="●"/>
+            </a:pPr>
+            <a:r>
+              <a:rPr lang="en"/>
+              <a:t>Different optimization </a:t>
+            </a:r>
+            <a:r>
+              <a:rPr lang="en"/>
+              <a:t>algorithm</a:t>
+            </a:r>
+            <a:r>
+              <a:rPr lang="en"/>
+              <a:t> can increase or decrease the performance depending on the synergy with the model</a:t>
+            </a:r>
+            <a:endParaRPr/>
+          </a:p>
+          <a:p>
+            <a:pPr indent="0" lvl="0" marL="457200" rtl="0" algn="l">
+              <a:spcBef>
+                <a:spcPts val="1200"/>
+              </a:spcBef>
+              <a:spcAft>
+                <a:spcPts val="0"/>
+              </a:spcAft>
+              <a:buNone/>
+            </a:pPr>
+            <a:r>
+              <a:t/>
+            </a:r>
+            <a:endParaRPr/>
+          </a:p>
+          <a:p>
+            <a:pPr indent="0" lvl="0" marL="457200" rtl="0" algn="l">
+              <a:spcBef>
+                <a:spcPts val="1200"/>
+              </a:spcBef>
+              <a:spcAft>
+                <a:spcPts val="1200"/>
+              </a:spcAft>
+              <a:buNone/>
+            </a:pPr>
+            <a:r>
+              <a:t/>
+            </a:r>
+            <a:endParaRPr/>
+          </a:p>
+        </p:txBody>
+      </p:sp>
+      <p:sp>
+        <p:nvSpPr>
+          <p:cNvPr id="113" name="Google Shape;113;p20"/>
+          <p:cNvSpPr txBox="1"/>
+          <p:nvPr>
+            <p:ph idx="12" type="sldNum"/>
+          </p:nvPr>
+        </p:nvSpPr>
+        <p:spPr>
+          <a:xfrm>
+            <a:off x="8472458" y="4663217"/>
+            <a:ext cx="548700" cy="393600"/>
           </a:xfrm>
           <a:prstGeom prst="rect">
             <a:avLst/>
@@ -8770,19 +11527,480 @@
           </a:bodyPr>
           <a:lstStyle/>
           <a:p>
-            <a:pPr indent="0" lvl="0" marL="0" rtl="0" algn="ctr">
-              <a:spcBef>
-                <a:spcPts val="0"/>
-              </a:spcBef>
-              <a:spcAft>
-                <a:spcPts val="1200"/>
+            <a:pPr indent="0" lvl="0" marL="0" rtl="0" algn="r">
+              <a:spcBef>
+                <a:spcPts val="0"/>
+              </a:spcBef>
+              <a:spcAft>
+                <a:spcPts val="0"/>
+              </a:spcAft>
+              <a:buNone/>
+            </a:pPr>
+            <a:fld id="{00000000-1234-1234-1234-123412341234}" type="slidenum">
+              <a:rPr lang="en"/>
+              <a:t>‹#›</a:t>
+            </a:fld>
+            <a:endParaRPr/>
+          </a:p>
+        </p:txBody>
+      </p:sp>
+    </p:spTree>
+  </p:cSld>
+  <p:clrMapOvr>
+    <a:masterClrMapping/>
+  </p:clrMapOvr>
+</p:sld>
+</file>
+
+<file path=ppt/slides/slide9.xml><?xml version="1.0" encoding="utf-8"?>
+<p:sld xmlns:a="http://schemas.openxmlformats.org/drawingml/2006/main" xmlns:r="http://schemas.openxmlformats.org/officeDocument/2006/relationships" xmlns:mc="http://schemas.openxmlformats.org/markup-compatibility/2006" xmlns:mv="urn:schemas-microsoft-com:mac:vml" xmlns:p="http://schemas.openxmlformats.org/presentationml/2006/main" xmlns:c="http://schemas.openxmlformats.org/drawingml/2006/chart" xmlns:dgm="http://schemas.openxmlformats.org/drawingml/2006/diagram" xmlns:o="urn:schemas-microsoft-com:office:office" xmlns:v="urn:schemas-microsoft-com:vml" xmlns:pvml="urn:schemas-microsoft-com:office:powerpoint" xmlns:com="http://schemas.openxmlformats.org/drawingml/2006/compatibility" xmlns:p14="http://schemas.microsoft.com/office/powerpoint/2010/main" xmlns:p15="http://schemas.microsoft.com/office/powerpoint/2012/main" xmlns:ahyp="http://schemas.microsoft.com/office/drawing/2018/hyperlinkcolor">
+  <p:cSld>
+    <p:spTree>
+      <p:nvGrpSpPr>
+        <p:cNvPr id="117" name="Shape 117"/>
+        <p:cNvGrpSpPr/>
+        <p:nvPr/>
+      </p:nvGrpSpPr>
+      <p:grpSpPr>
+        <a:xfrm>
+          <a:off x="0" y="0"/>
+          <a:ext cx="0" cy="0"/>
+          <a:chOff x="0" y="0"/>
+          <a:chExt cx="0" cy="0"/>
+        </a:xfrm>
+      </p:grpSpPr>
+      <p:sp>
+        <p:nvSpPr>
+          <p:cNvPr id="118" name="Google Shape;118;p21"/>
+          <p:cNvSpPr txBox="1"/>
+          <p:nvPr>
+            <p:ph idx="12" type="sldNum"/>
+          </p:nvPr>
+        </p:nvSpPr>
+        <p:spPr>
+          <a:xfrm>
+            <a:off x="8472458" y="4663217"/>
+            <a:ext cx="548700" cy="393600"/>
+          </a:xfrm>
+          <a:prstGeom prst="rect">
+            <a:avLst/>
+          </a:prstGeom>
+        </p:spPr>
+        <p:txBody>
+          <a:bodyPr anchorCtr="0" anchor="ctr" bIns="91425" lIns="91425" spcFirstLastPara="1" rIns="91425" wrap="square" tIns="91425">
+            <a:normAutofit/>
+          </a:bodyPr>
+          <a:lstStyle/>
+          <a:p>
+            <a:pPr indent="0" lvl="0" marL="0" rtl="0" algn="r">
+              <a:spcBef>
+                <a:spcPts val="0"/>
+              </a:spcBef>
+              <a:spcAft>
+                <a:spcPts val="0"/>
+              </a:spcAft>
+              <a:buNone/>
+            </a:pPr>
+            <a:fld id="{00000000-1234-1234-1234-123412341234}" type="slidenum">
+              <a:rPr lang="en"/>
+              <a:t>‹#›</a:t>
+            </a:fld>
+            <a:endParaRPr/>
+          </a:p>
+        </p:txBody>
+      </p:sp>
+      <p:sp>
+        <p:nvSpPr>
+          <p:cNvPr id="119" name="Google Shape;119;p21"/>
+          <p:cNvSpPr txBox="1"/>
+          <p:nvPr>
+            <p:ph type="title"/>
+          </p:nvPr>
+        </p:nvSpPr>
+        <p:spPr>
+          <a:xfrm>
+            <a:off x="311700" y="445025"/>
+            <a:ext cx="8520600" cy="572700"/>
+          </a:xfrm>
+          <a:prstGeom prst="rect">
+            <a:avLst/>
+          </a:prstGeom>
+        </p:spPr>
+        <p:txBody>
+          <a:bodyPr anchorCtr="0" anchor="t" bIns="91425" lIns="91425" spcFirstLastPara="1" rIns="91425" wrap="square" tIns="91425">
+            <a:normAutofit fontScale="90000"/>
+          </a:bodyPr>
+          <a:lstStyle/>
+          <a:p>
+            <a:pPr indent="0" lvl="0" marL="0" rtl="0" algn="l">
+              <a:spcBef>
+                <a:spcPts val="0"/>
+              </a:spcBef>
+              <a:spcAft>
+                <a:spcPts val="0"/>
               </a:spcAft>
               <a:buNone/>
             </a:pPr>
             <a:r>
               <a:rPr lang="en"/>
-              <a:t>Thank You!</a:t>
+              <a:t>Literature Review </a:t>
             </a:r>
+            <a:r>
+              <a:rPr lang="en"/>
+              <a:t>3</a:t>
+            </a:r>
+            <a:endParaRPr/>
+          </a:p>
+        </p:txBody>
+      </p:sp>
+      <p:sp>
+        <p:nvSpPr>
+          <p:cNvPr id="120" name="Google Shape;120;p21"/>
+          <p:cNvSpPr txBox="1"/>
+          <p:nvPr>
+            <p:ph idx="1" type="body"/>
+          </p:nvPr>
+        </p:nvSpPr>
+        <p:spPr>
+          <a:xfrm>
+            <a:off x="311700" y="1152475"/>
+            <a:ext cx="8520600" cy="572700"/>
+          </a:xfrm>
+          <a:prstGeom prst="rect">
+            <a:avLst/>
+          </a:prstGeom>
+        </p:spPr>
+        <p:txBody>
+          <a:bodyPr anchorCtr="0" anchor="t" bIns="91425" lIns="91425" spcFirstLastPara="1" rIns="91425" wrap="square" tIns="91425">
+            <a:normAutofit/>
+          </a:bodyPr>
+          <a:lstStyle/>
+          <a:p>
+            <a:pPr indent="0" lvl="0" marL="0" rtl="0" algn="l">
+              <a:spcBef>
+                <a:spcPts val="0"/>
+              </a:spcBef>
+              <a:spcAft>
+                <a:spcPts val="1200"/>
+              </a:spcAft>
+              <a:buNone/>
+            </a:pPr>
+            <a:r>
+              <a:rPr lang="en"/>
+              <a:t>Paper title: Transfer learning for plant disease detection on complex images[3]</a:t>
+            </a:r>
+            <a:endParaRPr/>
+          </a:p>
+        </p:txBody>
+      </p:sp>
+      <p:sp>
+        <p:nvSpPr>
+          <p:cNvPr id="121" name="Google Shape;121;p21"/>
+          <p:cNvSpPr txBox="1"/>
+          <p:nvPr/>
+        </p:nvSpPr>
+        <p:spPr>
+          <a:xfrm>
+            <a:off x="311700" y="1725175"/>
+            <a:ext cx="8784600" cy="2937900"/>
+          </a:xfrm>
+          <a:prstGeom prst="rect">
+            <a:avLst/>
+          </a:prstGeom>
+          <a:noFill/>
+          <a:ln>
+            <a:noFill/>
+          </a:ln>
+        </p:spPr>
+        <p:txBody>
+          <a:bodyPr anchorCtr="0" anchor="t" bIns="91425" lIns="91425" spcFirstLastPara="1" rIns="91425" wrap="square" tIns="91425">
+            <a:noAutofit/>
+          </a:bodyPr>
+          <a:lstStyle/>
+          <a:p>
+            <a:pPr indent="-330200" lvl="0" marL="457200" rtl="0" algn="l">
+              <a:spcBef>
+                <a:spcPts val="0"/>
+              </a:spcBef>
+              <a:spcAft>
+                <a:spcPts val="0"/>
+              </a:spcAft>
+              <a:buClr>
+                <a:schemeClr val="accent3"/>
+              </a:buClr>
+              <a:buSzPts val="1600"/>
+              <a:buFont typeface="Proxima Nova"/>
+              <a:buChar char="●"/>
+            </a:pPr>
+            <a:r>
+              <a:rPr lang="en" sz="1600">
+                <a:solidFill>
+                  <a:schemeClr val="accent3"/>
+                </a:solidFill>
+                <a:latin typeface="Proxima Nova"/>
+                <a:ea typeface="Proxima Nova"/>
+                <a:cs typeface="Proxima Nova"/>
+                <a:sym typeface="Proxima Nova"/>
+              </a:rPr>
+              <a:t>Their study demonstrates the application of transfer learning to the identification of plant diseases on intricate photos through the use of CNN</a:t>
+            </a:r>
+            <a:endParaRPr sz="1600">
+              <a:solidFill>
+                <a:schemeClr val="accent3"/>
+              </a:solidFill>
+              <a:latin typeface="Proxima Nova"/>
+              <a:ea typeface="Proxima Nova"/>
+              <a:cs typeface="Proxima Nova"/>
+              <a:sym typeface="Proxima Nova"/>
+            </a:endParaRPr>
+          </a:p>
+          <a:p>
+            <a:pPr indent="-330200" lvl="0" marL="457200" rtl="0" algn="l">
+              <a:spcBef>
+                <a:spcPts val="0"/>
+              </a:spcBef>
+              <a:spcAft>
+                <a:spcPts val="0"/>
+              </a:spcAft>
+              <a:buClr>
+                <a:schemeClr val="accent3"/>
+              </a:buClr>
+              <a:buSzPts val="1600"/>
+              <a:buFont typeface="Proxima Nova"/>
+              <a:buChar char="●"/>
+            </a:pPr>
+            <a:r>
+              <a:rPr lang="en" sz="1600">
+                <a:solidFill>
+                  <a:schemeClr val="accent3"/>
+                </a:solidFill>
+                <a:latin typeface="Proxima Nova"/>
+                <a:ea typeface="Proxima Nova"/>
+                <a:cs typeface="Proxima Nova"/>
+                <a:sym typeface="Proxima Nova"/>
+              </a:rPr>
+              <a:t>Their combined lab images and real images two public dataset into one dataset by labeling into two classes ‘Healthy’ and ‘Unhealthy’ </a:t>
+            </a:r>
+            <a:endParaRPr sz="1600">
+              <a:solidFill>
+                <a:schemeClr val="accent3"/>
+              </a:solidFill>
+              <a:latin typeface="Proxima Nova"/>
+              <a:ea typeface="Proxima Nova"/>
+              <a:cs typeface="Proxima Nova"/>
+              <a:sym typeface="Proxima Nova"/>
+            </a:endParaRPr>
+          </a:p>
+          <a:p>
+            <a:pPr indent="-330200" lvl="0" marL="457200" rtl="0" algn="l">
+              <a:spcBef>
+                <a:spcPts val="0"/>
+              </a:spcBef>
+              <a:spcAft>
+                <a:spcPts val="0"/>
+              </a:spcAft>
+              <a:buClr>
+                <a:schemeClr val="accent3"/>
+              </a:buClr>
+              <a:buSzPts val="1600"/>
+              <a:buFont typeface="Proxima Nova"/>
+              <a:buChar char="●"/>
+            </a:pPr>
+            <a:r>
+              <a:rPr lang="en" sz="1600">
+                <a:solidFill>
+                  <a:schemeClr val="accent3"/>
+                </a:solidFill>
+                <a:latin typeface="Proxima Nova"/>
+                <a:ea typeface="Proxima Nova"/>
+                <a:cs typeface="Proxima Nova"/>
+                <a:sym typeface="Proxima Nova"/>
+              </a:rPr>
+              <a:t>Their three selected models was DenseNet121, </a:t>
+            </a:r>
+            <a:r>
+              <a:rPr lang="en" sz="1600">
+                <a:solidFill>
+                  <a:schemeClr val="accent3"/>
+                </a:solidFill>
+                <a:latin typeface="Proxima Nova"/>
+                <a:ea typeface="Proxima Nova"/>
+                <a:cs typeface="Proxima Nova"/>
+                <a:sym typeface="Proxima Nova"/>
+              </a:rPr>
+              <a:t>ResNet 34</a:t>
+            </a:r>
+            <a:r>
+              <a:rPr lang="en" sz="1600">
+                <a:solidFill>
+                  <a:schemeClr val="accent3"/>
+                </a:solidFill>
+                <a:latin typeface="Proxima Nova"/>
+                <a:ea typeface="Proxima Nova"/>
+                <a:cs typeface="Proxima Nova"/>
+                <a:sym typeface="Proxima Nova"/>
+              </a:rPr>
+              <a:t> and AlexNet.</a:t>
+            </a:r>
+            <a:endParaRPr sz="1600">
+              <a:solidFill>
+                <a:schemeClr val="accent3"/>
+              </a:solidFill>
+              <a:latin typeface="Proxima Nova"/>
+              <a:ea typeface="Proxima Nova"/>
+              <a:cs typeface="Proxima Nova"/>
+              <a:sym typeface="Proxima Nova"/>
+            </a:endParaRPr>
+          </a:p>
+          <a:p>
+            <a:pPr indent="-330200" lvl="0" marL="457200" rtl="0" algn="l">
+              <a:spcBef>
+                <a:spcPts val="0"/>
+              </a:spcBef>
+              <a:spcAft>
+                <a:spcPts val="0"/>
+              </a:spcAft>
+              <a:buClr>
+                <a:schemeClr val="accent3"/>
+              </a:buClr>
+              <a:buSzPts val="1600"/>
+              <a:buFont typeface="Proxima Nova"/>
+              <a:buChar char="●"/>
+            </a:pPr>
+            <a:r>
+              <a:rPr lang="en" sz="1600">
+                <a:solidFill>
+                  <a:schemeClr val="accent3"/>
+                </a:solidFill>
+                <a:latin typeface="Proxima Nova"/>
+                <a:ea typeface="Proxima Nova"/>
+                <a:cs typeface="Proxima Nova"/>
+                <a:sym typeface="Proxima Nova"/>
+              </a:rPr>
+              <a:t>They trained three times using lab images, real images and combined images using which they tested into either same image type or combined test set.</a:t>
+            </a:r>
+            <a:endParaRPr sz="1600">
+              <a:solidFill>
+                <a:schemeClr val="accent3"/>
+              </a:solidFill>
+              <a:latin typeface="Proxima Nova"/>
+              <a:ea typeface="Proxima Nova"/>
+              <a:cs typeface="Proxima Nova"/>
+              <a:sym typeface="Proxima Nova"/>
+            </a:endParaRPr>
+          </a:p>
+          <a:p>
+            <a:pPr indent="-330200" lvl="0" marL="457200" rtl="0" algn="l">
+              <a:spcBef>
+                <a:spcPts val="0"/>
+              </a:spcBef>
+              <a:spcAft>
+                <a:spcPts val="0"/>
+              </a:spcAft>
+              <a:buClr>
+                <a:schemeClr val="accent3"/>
+              </a:buClr>
+              <a:buSzPts val="1600"/>
+              <a:buFont typeface="Proxima Nova"/>
+              <a:buChar char="●"/>
+            </a:pPr>
+            <a:r>
+              <a:rPr lang="en" sz="1600">
+                <a:solidFill>
+                  <a:schemeClr val="accent3"/>
+                </a:solidFill>
+                <a:latin typeface="Proxima Nova"/>
+                <a:ea typeface="Proxima Nova"/>
+                <a:cs typeface="Proxima Nova"/>
+                <a:sym typeface="Proxima Nova"/>
+              </a:rPr>
+              <a:t>They got less than 60% accuracy when using one type train set and testing into other type test set.</a:t>
+            </a:r>
+            <a:endParaRPr sz="1600">
+              <a:solidFill>
+                <a:schemeClr val="accent3"/>
+              </a:solidFill>
+              <a:latin typeface="Proxima Nova"/>
+              <a:ea typeface="Proxima Nova"/>
+              <a:cs typeface="Proxima Nova"/>
+              <a:sym typeface="Proxima Nova"/>
+            </a:endParaRPr>
+          </a:p>
+          <a:p>
+            <a:pPr indent="-330200" lvl="0" marL="457200" rtl="0" algn="l">
+              <a:spcBef>
+                <a:spcPts val="0"/>
+              </a:spcBef>
+              <a:spcAft>
+                <a:spcPts val="0"/>
+              </a:spcAft>
+              <a:buClr>
+                <a:schemeClr val="accent3"/>
+              </a:buClr>
+              <a:buSzPts val="1600"/>
+              <a:buFont typeface="Proxima Nova"/>
+              <a:buChar char="●"/>
+            </a:pPr>
+            <a:r>
+              <a:rPr lang="en" sz="1600">
+                <a:solidFill>
+                  <a:schemeClr val="accent3"/>
+                </a:solidFill>
+                <a:latin typeface="Proxima Nova"/>
+                <a:ea typeface="Proxima Nova"/>
+                <a:cs typeface="Proxima Nova"/>
+                <a:sym typeface="Proxima Nova"/>
+              </a:rPr>
+              <a:t>However, when trained using combined dataset they got 99.76%, 99.85% and 99.43% for lab images test set, and 97.46%, 97.02% and 98.65% for field images test set.</a:t>
+            </a:r>
+            <a:endParaRPr sz="1600">
+              <a:solidFill>
+                <a:schemeClr val="accent3"/>
+              </a:solidFill>
+              <a:latin typeface="Proxima Nova"/>
+              <a:ea typeface="Proxima Nova"/>
+              <a:cs typeface="Proxima Nova"/>
+              <a:sym typeface="Proxima Nova"/>
+            </a:endParaRPr>
+          </a:p>
+        </p:txBody>
+      </p:sp>
+      <p:sp>
+        <p:nvSpPr>
+          <p:cNvPr id="122" name="Google Shape;122;p21"/>
+          <p:cNvSpPr txBox="1"/>
+          <p:nvPr>
+            <p:ph idx="12" type="sldNum"/>
+          </p:nvPr>
+        </p:nvSpPr>
+        <p:spPr>
+          <a:xfrm>
+            <a:off x="8472458" y="4663217"/>
+            <a:ext cx="548700" cy="393600"/>
+          </a:xfrm>
+          <a:prstGeom prst="rect">
+            <a:avLst/>
+          </a:prstGeom>
+        </p:spPr>
+        <p:txBody>
+          <a:bodyPr anchorCtr="0" anchor="ctr" bIns="91425" lIns="91425" spcFirstLastPara="1" rIns="91425" wrap="square" tIns="91425">
+            <a:normAutofit/>
+          </a:bodyPr>
+          <a:lstStyle/>
+          <a:p>
+            <a:pPr indent="0" lvl="0" marL="0" rtl="0" algn="r">
+              <a:spcBef>
+                <a:spcPts val="0"/>
+              </a:spcBef>
+              <a:spcAft>
+                <a:spcPts val="0"/>
+              </a:spcAft>
+              <a:buNone/>
+            </a:pPr>
+            <a:fld id="{00000000-1234-1234-1234-123412341234}" type="slidenum">
+              <a:rPr lang="en"/>
+              <a:t>‹#›</a:t>
+            </a:fld>
             <a:endParaRPr/>
           </a:p>
         </p:txBody>
@@ -8796,6 +12014,285 @@
 </file>
 
 <file path=ppt/theme/theme1.xml><?xml version="1.0" encoding="utf-8"?>
+<a:theme xmlns:a="http://schemas.openxmlformats.org/drawingml/2006/main" xmlns:r="http://schemas.openxmlformats.org/officeDocument/2006/relationships" name="Spearmint">
+  <a:themeElements>
+    <a:clrScheme name="Spearmint">
+      <a:dk1>
+        <a:srgbClr val="202729"/>
+      </a:dk1>
+      <a:lt1>
+        <a:srgbClr val="FFFFFF"/>
+      </a:lt1>
+      <a:dk2>
+        <a:srgbClr val="4BA173"/>
+      </a:dk2>
+      <a:lt2>
+        <a:srgbClr val="63D297"/>
+      </a:lt2>
+      <a:accent1>
+        <a:srgbClr val="353744"/>
+      </a:accent1>
+      <a:accent2>
+        <a:srgbClr val="424242"/>
+      </a:accent2>
+      <a:accent3>
+        <a:srgbClr val="616161"/>
+      </a:accent3>
+      <a:accent4>
+        <a:srgbClr val="999999"/>
+      </a:accent4>
+      <a:accent5>
+        <a:srgbClr val="FF5252"/>
+      </a:accent5>
+      <a:accent6>
+        <a:srgbClr val="FFF176"/>
+      </a:accent6>
+      <a:hlink>
+        <a:srgbClr val="FF5252"/>
+      </a:hlink>
+      <a:folHlink>
+        <a:srgbClr val="FF5252"/>
+      </a:folHlink>
+    </a:clrScheme>
+    <a:fontScheme name="Office">
+      <a:majorFont>
+        <a:latin typeface="Arial"/>
+        <a:ea typeface=""/>
+        <a:cs typeface=""/>
+        <a:font script="Jpan" typeface="ＭＳ Ｐゴシック"/>
+        <a:font script="Hang" typeface="맑은 고딕"/>
+        <a:font script="Hans" typeface="宋体"/>
+        <a:font script="Hant" typeface="新細明體"/>
+        <a:font script="Arab" typeface="Times New Roman"/>
+        <a:font script="Hebr" typeface="Times New Roman"/>
+        <a:font script="Thai" typeface="Angsana New"/>
+        <a:font script="Ethi" typeface="Nyala"/>
+        <a:font script="Beng" typeface="Vrinda"/>
+        <a:font script="Gujr" typeface="Shruti"/>
+        <a:font script="Khmr" typeface="MoolBoran"/>
+        <a:font script="Knda" typeface="Tunga"/>
+        <a:font script="Guru" typeface="Raavi"/>
+        <a:font script="Cans" typeface="Euphemia"/>
+        <a:font script="Cher" typeface="Plantagenet Cherokee"/>
+        <a:font script="Yiii" typeface="Microsoft Yi Baiti"/>
+        <a:font script="Tibt" typeface="Microsoft Himalaya"/>
+        <a:font script="Thaa" typeface="MV Boli"/>
+        <a:font script="Deva" typeface="Mangal"/>
+        <a:font script="Telu" typeface="Gautami"/>
+        <a:font script="Taml" typeface="Latha"/>
+        <a:font script="Syrc" typeface="Estrangelo Edessa"/>
+        <a:font script="Orya" typeface="Kalinga"/>
+        <a:font script="Mlym" typeface="Kartika"/>
+        <a:font script="Laoo" typeface="DokChampa"/>
+        <a:font script="Sinh" typeface="Iskoola Pota"/>
+        <a:font script="Mong" typeface="Mongolian Baiti"/>
+        <a:font script="Viet" typeface="Times New Roman"/>
+        <a:font script="Uigh" typeface="Microsoft Uighur"/>
+        <a:font script="Geor" typeface="Sylfaen"/>
+      </a:majorFont>
+      <a:minorFont>
+        <a:latin typeface="Arial"/>
+        <a:ea typeface=""/>
+        <a:cs typeface=""/>
+        <a:font script="Jpan" typeface="ＭＳ Ｐゴシック"/>
+        <a:font script="Hang" typeface="맑은 고딕"/>
+        <a:font script="Hans" typeface="宋体"/>
+        <a:font script="Hant" typeface="新細明體"/>
+        <a:font script="Arab" typeface="Arial"/>
+        <a:font script="Hebr" typeface="Arial"/>
+        <a:font script="Thai" typeface="Cordia New"/>
+        <a:font script="Ethi" typeface="Nyala"/>
+        <a:font script="Beng" typeface="Vrinda"/>
+        <a:font script="Gujr" typeface="Shruti"/>
+        <a:font script="Khmr" typeface="DaunPenh"/>
+        <a:font script="Knda" typeface="Tunga"/>
+        <a:font script="Guru" typeface="Raavi"/>
+        <a:font script="Cans" typeface="Euphemia"/>
+        <a:font script="Cher" typeface="Plantagenet Cherokee"/>
+        <a:font script="Yiii" typeface="Microsoft Yi Baiti"/>
+        <a:font script="Tibt" typeface="Microsoft Himalaya"/>
+        <a:font script="Thaa" typeface="MV Boli"/>
+        <a:font script="Deva" typeface="Mangal"/>
+        <a:font script="Telu" typeface="Gautami"/>
+        <a:font script="Taml" typeface="Latha"/>
+        <a:font script="Syrc" typeface="Estrangelo Edessa"/>
+        <a:font script="Orya" typeface="Kalinga"/>
+        <a:font script="Mlym" typeface="Kartika"/>
+        <a:font script="Laoo" typeface="DokChampa"/>
+        <a:font script="Sinh" typeface="Iskoola Pota"/>
+        <a:font script="Mong" typeface="Mongolian Baiti"/>
+        <a:font script="Viet" typeface="Arial"/>
+        <a:font script="Uigh" typeface="Microsoft Uighur"/>
+        <a:font script="Geor" typeface="Sylfaen"/>
+      </a:minorFont>
+    </a:fontScheme>
+    <a:fmtScheme name="Office">
+      <a:fillStyleLst>
+        <a:solidFill>
+          <a:schemeClr val="phClr"/>
+        </a:solidFill>
+        <a:gradFill rotWithShape="1">
+          <a:gsLst>
+            <a:gs pos="0">
+              <a:schemeClr val="phClr">
+                <a:tint val="50000"/>
+                <a:satMod val="300000"/>
+              </a:schemeClr>
+            </a:gs>
+            <a:gs pos="35000">
+              <a:schemeClr val="phClr">
+                <a:tint val="37000"/>
+                <a:satMod val="300000"/>
+              </a:schemeClr>
+            </a:gs>
+            <a:gs pos="100000">
+              <a:schemeClr val="phClr">
+                <a:tint val="15000"/>
+                <a:satMod val="350000"/>
+              </a:schemeClr>
+            </a:gs>
+          </a:gsLst>
+          <a:lin ang="16200000" scaled="1"/>
+        </a:gradFill>
+        <a:gradFill rotWithShape="1">
+          <a:gsLst>
+            <a:gs pos="0">
+              <a:schemeClr val="phClr">
+                <a:tint val="100000"/>
+                <a:shade val="100000"/>
+                <a:satMod val="130000"/>
+              </a:schemeClr>
+            </a:gs>
+            <a:gs pos="100000">
+              <a:schemeClr val="phClr">
+                <a:tint val="50000"/>
+                <a:shade val="100000"/>
+                <a:satMod val="350000"/>
+              </a:schemeClr>
+            </a:gs>
+          </a:gsLst>
+          <a:lin ang="16200000" scaled="0"/>
+        </a:gradFill>
+      </a:fillStyleLst>
+      <a:lnStyleLst>
+        <a:ln w="9525" cap="flat" cmpd="sng" algn="ctr">
+          <a:solidFill>
+            <a:schemeClr val="phClr">
+              <a:shade val="95000"/>
+              <a:satMod val="105000"/>
+            </a:schemeClr>
+          </a:solidFill>
+          <a:prstDash val="solid"/>
+        </a:ln>
+        <a:ln w="25400" cap="flat" cmpd="sng" algn="ctr">
+          <a:solidFill>
+            <a:schemeClr val="phClr"/>
+          </a:solidFill>
+          <a:prstDash val="solid"/>
+        </a:ln>
+        <a:ln w="38100" cap="flat" cmpd="sng" algn="ctr">
+          <a:solidFill>
+            <a:schemeClr val="phClr"/>
+          </a:solidFill>
+          <a:prstDash val="solid"/>
+        </a:ln>
+      </a:lnStyleLst>
+      <a:effectStyleLst>
+        <a:effectStyle>
+          <a:effectLst>
+            <a:outerShdw blurRad="40000" dist="20000" dir="5400000" rotWithShape="0">
+              <a:srgbClr val="000000">
+                <a:alpha val="38000"/>
+              </a:srgbClr>
+            </a:outerShdw>
+          </a:effectLst>
+        </a:effectStyle>
+        <a:effectStyle>
+          <a:effectLst>
+            <a:outerShdw blurRad="40000" dist="23000" dir="5400000" rotWithShape="0">
+              <a:srgbClr val="000000">
+                <a:alpha val="35000"/>
+              </a:srgbClr>
+            </a:outerShdw>
+          </a:effectLst>
+        </a:effectStyle>
+        <a:effectStyle>
+          <a:effectLst>
+            <a:outerShdw blurRad="40000" dist="23000" dir="5400000" rotWithShape="0">
+              <a:srgbClr val="000000">
+                <a:alpha val="35000"/>
+              </a:srgbClr>
+            </a:outerShdw>
+          </a:effectLst>
+          <a:scene3d>
+            <a:camera prst="orthographicFront">
+              <a:rot lat="0" lon="0" rev="0"/>
+            </a:camera>
+            <a:lightRig rig="threePt" dir="t">
+              <a:rot lat="0" lon="0" rev="1200000"/>
+            </a:lightRig>
+          </a:scene3d>
+          <a:sp3d>
+            <a:bevelT w="63500" h="25400"/>
+          </a:sp3d>
+        </a:effectStyle>
+      </a:effectStyleLst>
+      <a:bgFillStyleLst>
+        <a:solidFill>
+          <a:schemeClr val="phClr"/>
+        </a:solidFill>
+        <a:gradFill rotWithShape="1">
+          <a:gsLst>
+            <a:gs pos="0">
+              <a:schemeClr val="phClr">
+                <a:tint val="40000"/>
+                <a:satMod val="350000"/>
+              </a:schemeClr>
+            </a:gs>
+            <a:gs pos="40000">
+              <a:schemeClr val="phClr">
+                <a:tint val="45000"/>
+                <a:shade val="99000"/>
+                <a:satMod val="350000"/>
+              </a:schemeClr>
+            </a:gs>
+            <a:gs pos="100000">
+              <a:schemeClr val="phClr">
+                <a:shade val="20000"/>
+                <a:satMod val="255000"/>
+              </a:schemeClr>
+            </a:gs>
+          </a:gsLst>
+          <a:path path="circle">
+            <a:fillToRect l="50000" t="-80000" r="50000" b="180000"/>
+          </a:path>
+        </a:gradFill>
+        <a:gradFill rotWithShape="1">
+          <a:gsLst>
+            <a:gs pos="0">
+              <a:schemeClr val="phClr">
+                <a:tint val="80000"/>
+                <a:satMod val="300000"/>
+              </a:schemeClr>
+            </a:gs>
+            <a:gs pos="100000">
+              <a:schemeClr val="phClr">
+                <a:shade val="30000"/>
+                <a:satMod val="200000"/>
+              </a:schemeClr>
+            </a:gs>
+          </a:gsLst>
+          <a:path path="circle">
+            <a:fillToRect l="50000" t="50000" r="50000" b="50000"/>
+          </a:path>
+        </a:gradFill>
+      </a:bgFillStyleLst>
+    </a:fmtScheme>
+  </a:themeElements>
+</a:theme>
+</file>
+
+<file path=ppt/theme/theme2.xml><?xml version="1.0" encoding="utf-8"?>
 <a:theme xmlns:a="http://schemas.openxmlformats.org/drawingml/2006/main" xmlns:r="http://schemas.openxmlformats.org/officeDocument/2006/relationships">
   <a:themeElements>
     <a:clrScheme name="Default">
@@ -9072,283 +12569,4 @@
     </a:fmtScheme>
   </a:themeElements>
 </a:theme>
-</file>
-
-<file path=ppt/theme/theme2.xml><?xml version="1.0" encoding="utf-8"?>
-<a:theme xmlns:a="http://schemas.openxmlformats.org/drawingml/2006/main" xmlns:r="http://schemas.openxmlformats.org/officeDocument/2006/relationships" name="Spearmint">
-  <a:themeElements>
-    <a:clrScheme name="Spearmint">
-      <a:dk1>
-        <a:srgbClr val="202729"/>
-      </a:dk1>
-      <a:lt1>
-        <a:srgbClr val="FFFFFF"/>
-      </a:lt1>
-      <a:dk2>
-        <a:srgbClr val="4BA173"/>
-      </a:dk2>
-      <a:lt2>
-        <a:srgbClr val="63D297"/>
-      </a:lt2>
-      <a:accent1>
-        <a:srgbClr val="353744"/>
-      </a:accent1>
-      <a:accent2>
-        <a:srgbClr val="424242"/>
-      </a:accent2>
-      <a:accent3>
-        <a:srgbClr val="616161"/>
-      </a:accent3>
-      <a:accent4>
-        <a:srgbClr val="999999"/>
-      </a:accent4>
-      <a:accent5>
-        <a:srgbClr val="FF5252"/>
-      </a:accent5>
-      <a:accent6>
-        <a:srgbClr val="FFF176"/>
-      </a:accent6>
-      <a:hlink>
-        <a:srgbClr val="FF5252"/>
-      </a:hlink>
-      <a:folHlink>
-        <a:srgbClr val="FF5252"/>
-      </a:folHlink>
-    </a:clrScheme>
-    <a:fontScheme name="Office">
-      <a:majorFont>
-        <a:latin typeface="Arial"/>
-        <a:ea typeface=""/>
-        <a:cs typeface=""/>
-        <a:font script="Jpan" typeface="ＭＳ Ｐゴシック"/>
-        <a:font script="Hang" typeface="맑은 고딕"/>
-        <a:font script="Hans" typeface="宋体"/>
-        <a:font script="Hant" typeface="新細明體"/>
-        <a:font script="Arab" typeface="Times New Roman"/>
-        <a:font script="Hebr" typeface="Times New Roman"/>
-        <a:font script="Thai" typeface="Angsana New"/>
-        <a:font script="Ethi" typeface="Nyala"/>
-        <a:font script="Beng" typeface="Vrinda"/>
-        <a:font script="Gujr" typeface="Shruti"/>
-        <a:font script="Khmr" typeface="MoolBoran"/>
-        <a:font script="Knda" typeface="Tunga"/>
-        <a:font script="Guru" typeface="Raavi"/>
-        <a:font script="Cans" typeface="Euphemia"/>
-        <a:font script="Cher" typeface="Plantagenet Cherokee"/>
-        <a:font script="Yiii" typeface="Microsoft Yi Baiti"/>
-        <a:font script="Tibt" typeface="Microsoft Himalaya"/>
-        <a:font script="Thaa" typeface="MV Boli"/>
-        <a:font script="Deva" typeface="Mangal"/>
-        <a:font script="Telu" typeface="Gautami"/>
-        <a:font script="Taml" typeface="Latha"/>
-        <a:font script="Syrc" typeface="Estrangelo Edessa"/>
-        <a:font script="Orya" typeface="Kalinga"/>
-        <a:font script="Mlym" typeface="Kartika"/>
-        <a:font script="Laoo" typeface="DokChampa"/>
-        <a:font script="Sinh" typeface="Iskoola Pota"/>
-        <a:font script="Mong" typeface="Mongolian Baiti"/>
-        <a:font script="Viet" typeface="Times New Roman"/>
-        <a:font script="Uigh" typeface="Microsoft Uighur"/>
-        <a:font script="Geor" typeface="Sylfaen"/>
-      </a:majorFont>
-      <a:minorFont>
-        <a:latin typeface="Arial"/>
-        <a:ea typeface=""/>
-        <a:cs typeface=""/>
-        <a:font script="Jpan" typeface="ＭＳ Ｐゴシック"/>
-        <a:font script="Hang" typeface="맑은 고딕"/>
-        <a:font script="Hans" typeface="宋体"/>
-        <a:font script="Hant" typeface="新細明體"/>
-        <a:font script="Arab" typeface="Arial"/>
-        <a:font script="Hebr" typeface="Arial"/>
-        <a:font script="Thai" typeface="Cordia New"/>
-        <a:font script="Ethi" typeface="Nyala"/>
-        <a:font script="Beng" typeface="Vrinda"/>
-        <a:font script="Gujr" typeface="Shruti"/>
-        <a:font script="Khmr" typeface="DaunPenh"/>
-        <a:font script="Knda" typeface="Tunga"/>
-        <a:font script="Guru" typeface="Raavi"/>
-        <a:font script="Cans" typeface="Euphemia"/>
-        <a:font script="Cher" typeface="Plantagenet Cherokee"/>
-        <a:font script="Yiii" typeface="Microsoft Yi Baiti"/>
-        <a:font script="Tibt" typeface="Microsoft Himalaya"/>
-        <a:font script="Thaa" typeface="MV Boli"/>
-        <a:font script="Deva" typeface="Mangal"/>
-        <a:font script="Telu" typeface="Gautami"/>
-        <a:font script="Taml" typeface="Latha"/>
-        <a:font script="Syrc" typeface="Estrangelo Edessa"/>
-        <a:font script="Orya" typeface="Kalinga"/>
-        <a:font script="Mlym" typeface="Kartika"/>
-        <a:font script="Laoo" typeface="DokChampa"/>
-        <a:font script="Sinh" typeface="Iskoola Pota"/>
-        <a:font script="Mong" typeface="Mongolian Baiti"/>
-        <a:font script="Viet" typeface="Arial"/>
-        <a:font script="Uigh" typeface="Microsoft Uighur"/>
-        <a:font script="Geor" typeface="Sylfaen"/>
-      </a:minorFont>
-    </a:fontScheme>
-    <a:fmtScheme name="Office">
-      <a:fillStyleLst>
-        <a:solidFill>
-          <a:schemeClr val="phClr"/>
-        </a:solidFill>
-        <a:gradFill rotWithShape="1">
-          <a:gsLst>
-            <a:gs pos="0">
-              <a:schemeClr val="phClr">
-                <a:tint val="50000"/>
-                <a:satMod val="300000"/>
-              </a:schemeClr>
-            </a:gs>
-            <a:gs pos="35000">
-              <a:schemeClr val="phClr">
-                <a:tint val="37000"/>
-                <a:satMod val="300000"/>
-              </a:schemeClr>
-            </a:gs>
-            <a:gs pos="100000">
-              <a:schemeClr val="phClr">
-                <a:tint val="15000"/>
-                <a:satMod val="350000"/>
-              </a:schemeClr>
-            </a:gs>
-          </a:gsLst>
-          <a:lin ang="16200000" scaled="1"/>
-        </a:gradFill>
-        <a:gradFill rotWithShape="1">
-          <a:gsLst>
-            <a:gs pos="0">
-              <a:schemeClr val="phClr">
-                <a:tint val="100000"/>
-                <a:shade val="100000"/>
-                <a:satMod val="130000"/>
-              </a:schemeClr>
-            </a:gs>
-            <a:gs pos="100000">
-              <a:schemeClr val="phClr">
-                <a:tint val="50000"/>
-                <a:shade val="100000"/>
-                <a:satMod val="350000"/>
-              </a:schemeClr>
-            </a:gs>
-          </a:gsLst>
-          <a:lin ang="16200000" scaled="0"/>
-        </a:gradFill>
-      </a:fillStyleLst>
-      <a:lnStyleLst>
-        <a:ln w="9525" cap="flat" cmpd="sng" algn="ctr">
-          <a:solidFill>
-            <a:schemeClr val="phClr">
-              <a:shade val="95000"/>
-              <a:satMod val="105000"/>
-            </a:schemeClr>
-          </a:solidFill>
-          <a:prstDash val="solid"/>
-        </a:ln>
-        <a:ln w="25400" cap="flat" cmpd="sng" algn="ctr">
-          <a:solidFill>
-            <a:schemeClr val="phClr"/>
-          </a:solidFill>
-          <a:prstDash val="solid"/>
-        </a:ln>
-        <a:ln w="38100" cap="flat" cmpd="sng" algn="ctr">
-          <a:solidFill>
-            <a:schemeClr val="phClr"/>
-          </a:solidFill>
-          <a:prstDash val="solid"/>
-        </a:ln>
-      </a:lnStyleLst>
-      <a:effectStyleLst>
-        <a:effectStyle>
-          <a:effectLst>
-            <a:outerShdw blurRad="40000" dist="20000" dir="5400000" rotWithShape="0">
-              <a:srgbClr val="000000">
-                <a:alpha val="38000"/>
-              </a:srgbClr>
-            </a:outerShdw>
-          </a:effectLst>
-        </a:effectStyle>
-        <a:effectStyle>
-          <a:effectLst>
-            <a:outerShdw blurRad="40000" dist="23000" dir="5400000" rotWithShape="0">
-              <a:srgbClr val="000000">
-                <a:alpha val="35000"/>
-              </a:srgbClr>
-            </a:outerShdw>
-          </a:effectLst>
-        </a:effectStyle>
-        <a:effectStyle>
-          <a:effectLst>
-            <a:outerShdw blurRad="40000" dist="23000" dir="5400000" rotWithShape="0">
-              <a:srgbClr val="000000">
-                <a:alpha val="35000"/>
-              </a:srgbClr>
-            </a:outerShdw>
-          </a:effectLst>
-          <a:scene3d>
-            <a:camera prst="orthographicFront">
-              <a:rot lat="0" lon="0" rev="0"/>
-            </a:camera>
-            <a:lightRig rig="threePt" dir="t">
-              <a:rot lat="0" lon="0" rev="1200000"/>
-            </a:lightRig>
-          </a:scene3d>
-          <a:sp3d>
-            <a:bevelT w="63500" h="25400"/>
-          </a:sp3d>
-        </a:effectStyle>
-      </a:effectStyleLst>
-      <a:bgFillStyleLst>
-        <a:solidFill>
-          <a:schemeClr val="phClr"/>
-        </a:solidFill>
-        <a:gradFill rotWithShape="1">
-          <a:gsLst>
-            <a:gs pos="0">
-              <a:schemeClr val="phClr">
-                <a:tint val="40000"/>
-                <a:satMod val="350000"/>
-              </a:schemeClr>
-            </a:gs>
-            <a:gs pos="40000">
-              <a:schemeClr val="phClr">
-                <a:tint val="45000"/>
-                <a:shade val="99000"/>
-                <a:satMod val="350000"/>
-              </a:schemeClr>
-            </a:gs>
-            <a:gs pos="100000">
-              <a:schemeClr val="phClr">
-                <a:shade val="20000"/>
-                <a:satMod val="255000"/>
-              </a:schemeClr>
-            </a:gs>
-          </a:gsLst>
-          <a:path path="circle">
-            <a:fillToRect l="50000" t="-80000" r="50000" b="180000"/>
-          </a:path>
-        </a:gradFill>
-        <a:gradFill rotWithShape="1">
-          <a:gsLst>
-            <a:gs pos="0">
-              <a:schemeClr val="phClr">
-                <a:tint val="80000"/>
-                <a:satMod val="300000"/>
-              </a:schemeClr>
-            </a:gs>
-            <a:gs pos="100000">
-              <a:schemeClr val="phClr">
-                <a:shade val="30000"/>
-                <a:satMod val="200000"/>
-              </a:schemeClr>
-            </a:gs>
-          </a:gsLst>
-          <a:path path="circle">
-            <a:fillToRect l="50000" t="50000" r="50000" b="50000"/>
-          </a:path>
-        </a:gradFill>
-      </a:bgFillStyleLst>
-    </a:fmtScheme>
-  </a:themeElements>
-</a:theme>
 </file>
--- a/Submission4/Slide.pptx
+++ b/Submission4/Slide.pptx
@@ -7573,7 +7573,7 @@
             </a:pPr>
             <a:r>
               <a:rPr lang="en" sz="1900"/>
-              <a:t>WATERMELON LEAF DETECTION USING TRANSFER LEARNING AND EX-AI </a:t>
+              <a:t>WATERMELON LEAF DISEASES DETECTION USING TRANSFER LEARNING AND EX-AI </a:t>
             </a:r>
             <a:endParaRPr sz="1900"/>
           </a:p>
@@ -7594,7 +7594,7 @@
             <a:tbl>
               <a:tblPr>
                 <a:noFill/>
-                <a:tableStyleId>{899D3B0B-E436-408B-96EE-2903464BA0A9}</a:tableStyleId>
+                <a:tableStyleId>{E5EEA6F5-23BB-4031-B648-3811664892E0}</a:tableStyleId>
               </a:tblPr>
               <a:tblGrid>
                 <a:gridCol w="1809750"/>
@@ -10011,7 +10011,7 @@
                 <a:cs typeface="Roboto Slab"/>
                 <a:sym typeface="Roboto Slab"/>
               </a:rPr>
-              <a:t>There is already some work being done in this area to automate the process of detecting disease among plants using machine learning, transfer learning, and deep learning approaches. Some common transfer learning models like Inception had 98.01% accuracy in detecting plant diseases. There are also other models like ResNet50 with 98.93% accuracy in some cases. Our goal is to use different transfer learning techniques and experimental AI models to detect watermelon leaf diseases. </a:t>
+              <a:t>There is already some work being done in this area to automate the process of detecting disease among plants using machine learning, transfer learning, and deep learning approaches. Some common transfer learning models like Inception had 98.01% accuracy in detecting plant diseases. There are also other models like ResNet50 with 98.93% accuracy in some cases. Our goal is to use different transfer learning techniques and explainable AI models to detect watermelon leaf diseases. </a:t>
             </a:r>
             <a:endParaRPr>
               <a:solidFill>
@@ -12014,6 +12014,285 @@
 </file>
 
 <file path=ppt/theme/theme1.xml><?xml version="1.0" encoding="utf-8"?>
+<a:theme xmlns:a="http://schemas.openxmlformats.org/drawingml/2006/main" xmlns:r="http://schemas.openxmlformats.org/officeDocument/2006/relationships">
+  <a:themeElements>
+    <a:clrScheme name="Default">
+      <a:dk1>
+        <a:srgbClr val="000000"/>
+      </a:dk1>
+      <a:lt1>
+        <a:srgbClr val="FFFFFF"/>
+      </a:lt1>
+      <a:dk2>
+        <a:srgbClr val="158158"/>
+      </a:dk2>
+      <a:lt2>
+        <a:srgbClr val="F3F3F3"/>
+      </a:lt2>
+      <a:accent1>
+        <a:srgbClr val="058DC7"/>
+      </a:accent1>
+      <a:accent2>
+        <a:srgbClr val="50B432"/>
+      </a:accent2>
+      <a:accent3>
+        <a:srgbClr val="ED561B"/>
+      </a:accent3>
+      <a:accent4>
+        <a:srgbClr val="EDEF00"/>
+      </a:accent4>
+      <a:accent5>
+        <a:srgbClr val="24CBE5"/>
+      </a:accent5>
+      <a:accent6>
+        <a:srgbClr val="64E572"/>
+      </a:accent6>
+      <a:hlink>
+        <a:srgbClr val="2200CC"/>
+      </a:hlink>
+      <a:folHlink>
+        <a:srgbClr val="551A8B"/>
+      </a:folHlink>
+    </a:clrScheme>
+    <a:fontScheme name="Office">
+      <a:majorFont>
+        <a:latin typeface="Arial"/>
+        <a:ea typeface=""/>
+        <a:cs typeface=""/>
+        <a:font script="Jpan" typeface="ＭＳ Ｐゴシック"/>
+        <a:font script="Hang" typeface="맑은 고딕"/>
+        <a:font script="Hans" typeface="宋体"/>
+        <a:font script="Hant" typeface="新細明體"/>
+        <a:font script="Arab" typeface="Times New Roman"/>
+        <a:font script="Hebr" typeface="Times New Roman"/>
+        <a:font script="Thai" typeface="Angsana New"/>
+        <a:font script="Ethi" typeface="Nyala"/>
+        <a:font script="Beng" typeface="Vrinda"/>
+        <a:font script="Gujr" typeface="Shruti"/>
+        <a:font script="Khmr" typeface="MoolBoran"/>
+        <a:font script="Knda" typeface="Tunga"/>
+        <a:font script="Guru" typeface="Raavi"/>
+        <a:font script="Cans" typeface="Euphemia"/>
+        <a:font script="Cher" typeface="Plantagenet Cherokee"/>
+        <a:font script="Yiii" typeface="Microsoft Yi Baiti"/>
+        <a:font script="Tibt" typeface="Microsoft Himalaya"/>
+        <a:font script="Thaa" typeface="MV Boli"/>
+        <a:font script="Deva" typeface="Mangal"/>
+        <a:font script="Telu" typeface="Gautami"/>
+        <a:font script="Taml" typeface="Latha"/>
+        <a:font script="Syrc" typeface="Estrangelo Edessa"/>
+        <a:font script="Orya" typeface="Kalinga"/>
+        <a:font script="Mlym" typeface="Kartika"/>
+        <a:font script="Laoo" typeface="DokChampa"/>
+        <a:font script="Sinh" typeface="Iskoola Pota"/>
+        <a:font script="Mong" typeface="Mongolian Baiti"/>
+        <a:font script="Viet" typeface="Times New Roman"/>
+        <a:font script="Uigh" typeface="Microsoft Uighur"/>
+        <a:font script="Geor" typeface="Sylfaen"/>
+      </a:majorFont>
+      <a:minorFont>
+        <a:latin typeface="Arial"/>
+        <a:ea typeface=""/>
+        <a:cs typeface=""/>
+        <a:font script="Jpan" typeface="ＭＳ Ｐゴシック"/>
+        <a:font script="Hang" typeface="맑은 고딕"/>
+        <a:font script="Hans" typeface="宋体"/>
+        <a:font script="Hant" typeface="新細明體"/>
+        <a:font script="Arab" typeface="Arial"/>
+        <a:font script="Hebr" typeface="Arial"/>
+        <a:font script="Thai" typeface="Cordia New"/>
+        <a:font script="Ethi" typeface="Nyala"/>
+        <a:font script="Beng" typeface="Vrinda"/>
+        <a:font script="Gujr" typeface="Shruti"/>
+        <a:font script="Khmr" typeface="DaunPenh"/>
+        <a:font script="Knda" typeface="Tunga"/>
+        <a:font script="Guru" typeface="Raavi"/>
+        <a:font script="Cans" typeface="Euphemia"/>
+        <a:font script="Cher" typeface="Plantagenet Cherokee"/>
+        <a:font script="Yiii" typeface="Microsoft Yi Baiti"/>
+        <a:font script="Tibt" typeface="Microsoft Himalaya"/>
+        <a:font script="Thaa" typeface="MV Boli"/>
+        <a:font script="Deva" typeface="Mangal"/>
+        <a:font script="Telu" typeface="Gautami"/>
+        <a:font script="Taml" typeface="Latha"/>
+        <a:font script="Syrc" typeface="Estrangelo Edessa"/>
+        <a:font script="Orya" typeface="Kalinga"/>
+        <a:font script="Mlym" typeface="Kartika"/>
+        <a:font script="Laoo" typeface="DokChampa"/>
+        <a:font script="Sinh" typeface="Iskoola Pota"/>
+        <a:font script="Mong" typeface="Mongolian Baiti"/>
+        <a:font script="Viet" typeface="Arial"/>
+        <a:font script="Uigh" typeface="Microsoft Uighur"/>
+        <a:font script="Geor" typeface="Sylfaen"/>
+      </a:minorFont>
+    </a:fontScheme>
+    <a:fmtScheme name="Office">
+      <a:fillStyleLst>
+        <a:solidFill>
+          <a:schemeClr val="phClr"/>
+        </a:solidFill>
+        <a:gradFill rotWithShape="1">
+          <a:gsLst>
+            <a:gs pos="0">
+              <a:schemeClr val="phClr">
+                <a:tint val="50000"/>
+                <a:satMod val="300000"/>
+              </a:schemeClr>
+            </a:gs>
+            <a:gs pos="35000">
+              <a:schemeClr val="phClr">
+                <a:tint val="37000"/>
+                <a:satMod val="300000"/>
+              </a:schemeClr>
+            </a:gs>
+            <a:gs pos="100000">
+              <a:schemeClr val="phClr">
+                <a:tint val="15000"/>
+                <a:satMod val="350000"/>
+              </a:schemeClr>
+            </a:gs>
+          </a:gsLst>
+          <a:lin ang="16200000" scaled="1"/>
+        </a:gradFill>
+        <a:gradFill rotWithShape="1">
+          <a:gsLst>
+            <a:gs pos="0">
+              <a:schemeClr val="phClr">
+                <a:tint val="100000"/>
+                <a:shade val="100000"/>
+                <a:satMod val="130000"/>
+              </a:schemeClr>
+            </a:gs>
+            <a:gs pos="100000">
+              <a:schemeClr val="phClr">
+                <a:tint val="50000"/>
+                <a:shade val="100000"/>
+                <a:satMod val="350000"/>
+              </a:schemeClr>
+            </a:gs>
+          </a:gsLst>
+          <a:lin ang="16200000" scaled="0"/>
+        </a:gradFill>
+      </a:fillStyleLst>
+      <a:lnStyleLst>
+        <a:ln w="9525" cap="flat" cmpd="sng" algn="ctr">
+          <a:solidFill>
+            <a:schemeClr val="phClr">
+              <a:shade val="95000"/>
+              <a:satMod val="105000"/>
+            </a:schemeClr>
+          </a:solidFill>
+          <a:prstDash val="solid"/>
+        </a:ln>
+        <a:ln w="25400" cap="flat" cmpd="sng" algn="ctr">
+          <a:solidFill>
+            <a:schemeClr val="phClr"/>
+          </a:solidFill>
+          <a:prstDash val="solid"/>
+        </a:ln>
+        <a:ln w="38100" cap="flat" cmpd="sng" algn="ctr">
+          <a:solidFill>
+            <a:schemeClr val="phClr"/>
+          </a:solidFill>
+          <a:prstDash val="solid"/>
+        </a:ln>
+      </a:lnStyleLst>
+      <a:effectStyleLst>
+        <a:effectStyle>
+          <a:effectLst>
+            <a:outerShdw blurRad="40000" dist="20000" dir="5400000" rotWithShape="0">
+              <a:srgbClr val="000000">
+                <a:alpha val="38000"/>
+              </a:srgbClr>
+            </a:outerShdw>
+          </a:effectLst>
+        </a:effectStyle>
+        <a:effectStyle>
+          <a:effectLst>
+            <a:outerShdw blurRad="40000" dist="23000" dir="5400000" rotWithShape="0">
+              <a:srgbClr val="000000">
+                <a:alpha val="35000"/>
+              </a:srgbClr>
+            </a:outerShdw>
+          </a:effectLst>
+        </a:effectStyle>
+        <a:effectStyle>
+          <a:effectLst>
+            <a:outerShdw blurRad="40000" dist="23000" dir="5400000" rotWithShape="0">
+              <a:srgbClr val="000000">
+                <a:alpha val="35000"/>
+              </a:srgbClr>
+            </a:outerShdw>
+          </a:effectLst>
+          <a:scene3d>
+            <a:camera prst="orthographicFront">
+              <a:rot lat="0" lon="0" rev="0"/>
+            </a:camera>
+            <a:lightRig rig="threePt" dir="t">
+              <a:rot lat="0" lon="0" rev="1200000"/>
+            </a:lightRig>
+          </a:scene3d>
+          <a:sp3d>
+            <a:bevelT w="63500" h="25400"/>
+          </a:sp3d>
+        </a:effectStyle>
+      </a:effectStyleLst>
+      <a:bgFillStyleLst>
+        <a:solidFill>
+          <a:schemeClr val="phClr"/>
+        </a:solidFill>
+        <a:gradFill rotWithShape="1">
+          <a:gsLst>
+            <a:gs pos="0">
+              <a:schemeClr val="phClr">
+                <a:tint val="40000"/>
+                <a:satMod val="350000"/>
+              </a:schemeClr>
+            </a:gs>
+            <a:gs pos="40000">
+              <a:schemeClr val="phClr">
+                <a:tint val="45000"/>
+                <a:shade val="99000"/>
+                <a:satMod val="350000"/>
+              </a:schemeClr>
+            </a:gs>
+            <a:gs pos="100000">
+              <a:schemeClr val="phClr">
+                <a:shade val="20000"/>
+                <a:satMod val="255000"/>
+              </a:schemeClr>
+            </a:gs>
+          </a:gsLst>
+          <a:path path="circle">
+            <a:fillToRect l="50000" t="-80000" r="50000" b="180000"/>
+          </a:path>
+        </a:gradFill>
+        <a:gradFill rotWithShape="1">
+          <a:gsLst>
+            <a:gs pos="0">
+              <a:schemeClr val="phClr">
+                <a:tint val="80000"/>
+                <a:satMod val="300000"/>
+              </a:schemeClr>
+            </a:gs>
+            <a:gs pos="100000">
+              <a:schemeClr val="phClr">
+                <a:shade val="30000"/>
+                <a:satMod val="200000"/>
+              </a:schemeClr>
+            </a:gs>
+          </a:gsLst>
+          <a:path path="circle">
+            <a:fillToRect l="50000" t="50000" r="50000" b="50000"/>
+          </a:path>
+        </a:gradFill>
+      </a:bgFillStyleLst>
+    </a:fmtScheme>
+  </a:themeElements>
+</a:theme>
+</file>
+
+<file path=ppt/theme/theme2.xml><?xml version="1.0" encoding="utf-8"?>
 <a:theme xmlns:a="http://schemas.openxmlformats.org/drawingml/2006/main" xmlns:r="http://schemas.openxmlformats.org/officeDocument/2006/relationships" name="Spearmint">
   <a:themeElements>
     <a:clrScheme name="Spearmint">
@@ -12290,283 +12569,4 @@
     </a:fmtScheme>
   </a:themeElements>
 </a:theme>
-</file>
-
-<file path=ppt/theme/theme2.xml><?xml version="1.0" encoding="utf-8"?>
-<a:theme xmlns:a="http://schemas.openxmlformats.org/drawingml/2006/main" xmlns:r="http://schemas.openxmlformats.org/officeDocument/2006/relationships">
-  <a:themeElements>
-    <a:clrScheme name="Default">
-      <a:dk1>
-        <a:srgbClr val="000000"/>
-      </a:dk1>
-      <a:lt1>
-        <a:srgbClr val="FFFFFF"/>
-      </a:lt1>
-      <a:dk2>
-        <a:srgbClr val="158158"/>
-      </a:dk2>
-      <a:lt2>
-        <a:srgbClr val="F3F3F3"/>
-      </a:lt2>
-      <a:accent1>
-        <a:srgbClr val="058DC7"/>
-      </a:accent1>
-      <a:accent2>
-        <a:srgbClr val="50B432"/>
-      </a:accent2>
-      <a:accent3>
-        <a:srgbClr val="ED561B"/>
-      </a:accent3>
-      <a:accent4>
-        <a:srgbClr val="EDEF00"/>
-      </a:accent4>
-      <a:accent5>
-        <a:srgbClr val="24CBE5"/>
-      </a:accent5>
-      <a:accent6>
-        <a:srgbClr val="64E572"/>
-      </a:accent6>
-      <a:hlink>
-        <a:srgbClr val="2200CC"/>
-      </a:hlink>
-      <a:folHlink>
-        <a:srgbClr val="551A8B"/>
-      </a:folHlink>
-    </a:clrScheme>
-    <a:fontScheme name="Office">
-      <a:majorFont>
-        <a:latin typeface="Arial"/>
-        <a:ea typeface=""/>
-        <a:cs typeface=""/>
-        <a:font script="Jpan" typeface="ＭＳ Ｐゴシック"/>
-        <a:font script="Hang" typeface="맑은 고딕"/>
-        <a:font script="Hans" typeface="宋体"/>
-        <a:font script="Hant" typeface="新細明體"/>
-        <a:font script="Arab" typeface="Times New Roman"/>
-        <a:font script="Hebr" typeface="Times New Roman"/>
-        <a:font script="Thai" typeface="Angsana New"/>
-        <a:font script="Ethi" typeface="Nyala"/>
-        <a:font script="Beng" typeface="Vrinda"/>
-        <a:font script="Gujr" typeface="Shruti"/>
-        <a:font script="Khmr" typeface="MoolBoran"/>
-        <a:font script="Knda" typeface="Tunga"/>
-        <a:font script="Guru" typeface="Raavi"/>
-        <a:font script="Cans" typeface="Euphemia"/>
-        <a:font script="Cher" typeface="Plantagenet Cherokee"/>
-        <a:font script="Yiii" typeface="Microsoft Yi Baiti"/>
-        <a:font script="Tibt" typeface="Microsoft Himalaya"/>
-        <a:font script="Thaa" typeface="MV Boli"/>
-        <a:font script="Deva" typeface="Mangal"/>
-        <a:font script="Telu" typeface="Gautami"/>
-        <a:font script="Taml" typeface="Latha"/>
-        <a:font script="Syrc" typeface="Estrangelo Edessa"/>
-        <a:font script="Orya" typeface="Kalinga"/>
-        <a:font script="Mlym" typeface="Kartika"/>
-        <a:font script="Laoo" typeface="DokChampa"/>
-        <a:font script="Sinh" typeface="Iskoola Pota"/>
-        <a:font script="Mong" typeface="Mongolian Baiti"/>
-        <a:font script="Viet" typeface="Times New Roman"/>
-        <a:font script="Uigh" typeface="Microsoft Uighur"/>
-        <a:font script="Geor" typeface="Sylfaen"/>
-      </a:majorFont>
-      <a:minorFont>
-        <a:latin typeface="Arial"/>
-        <a:ea typeface=""/>
-        <a:cs typeface=""/>
-        <a:font script="Jpan" typeface="ＭＳ Ｐゴシック"/>
-        <a:font script="Hang" typeface="맑은 고딕"/>
-        <a:font script="Hans" typeface="宋体"/>
-        <a:font script="Hant" typeface="新細明體"/>
-        <a:font script="Arab" typeface="Arial"/>
-        <a:font script="Hebr" typeface="Arial"/>
-        <a:font script="Thai" typeface="Cordia New"/>
-        <a:font script="Ethi" typeface="Nyala"/>
-        <a:font script="Beng" typeface="Vrinda"/>
-        <a:font script="Gujr" typeface="Shruti"/>
-        <a:font script="Khmr" typeface="DaunPenh"/>
-        <a:font script="Knda" typeface="Tunga"/>
-        <a:font script="Guru" typeface="Raavi"/>
-        <a:font script="Cans" typeface="Euphemia"/>
-        <a:font script="Cher" typeface="Plantagenet Cherokee"/>
-        <a:font script="Yiii" typeface="Microsoft Yi Baiti"/>
-        <a:font script="Tibt" typeface="Microsoft Himalaya"/>
-        <a:font script="Thaa" typeface="MV Boli"/>
-        <a:font script="Deva" typeface="Mangal"/>
-        <a:font script="Telu" typeface="Gautami"/>
-        <a:font script="Taml" typeface="Latha"/>
-        <a:font script="Syrc" typeface="Estrangelo Edessa"/>
-        <a:font script="Orya" typeface="Kalinga"/>
-        <a:font script="Mlym" typeface="Kartika"/>
-        <a:font script="Laoo" typeface="DokChampa"/>
-        <a:font script="Sinh" typeface="Iskoola Pota"/>
-        <a:font script="Mong" typeface="Mongolian Baiti"/>
-        <a:font script="Viet" typeface="Arial"/>
-        <a:font script="Uigh" typeface="Microsoft Uighur"/>
-        <a:font script="Geor" typeface="Sylfaen"/>
-      </a:minorFont>
-    </a:fontScheme>
-    <a:fmtScheme name="Office">
-      <a:fillStyleLst>
-        <a:solidFill>
-          <a:schemeClr val="phClr"/>
-        </a:solidFill>
-        <a:gradFill rotWithShape="1">
-          <a:gsLst>
-            <a:gs pos="0">
-              <a:schemeClr val="phClr">
-                <a:tint val="50000"/>
-                <a:satMod val="300000"/>
-              </a:schemeClr>
-            </a:gs>
-            <a:gs pos="35000">
-              <a:schemeClr val="phClr">
-                <a:tint val="37000"/>
-                <a:satMod val="300000"/>
-              </a:schemeClr>
-            </a:gs>
-            <a:gs pos="100000">
-              <a:schemeClr val="phClr">
-                <a:tint val="15000"/>
-                <a:satMod val="350000"/>
-              </a:schemeClr>
-            </a:gs>
-          </a:gsLst>
-          <a:lin ang="16200000" scaled="1"/>
-        </a:gradFill>
-        <a:gradFill rotWithShape="1">
-          <a:gsLst>
-            <a:gs pos="0">
-              <a:schemeClr val="phClr">
-                <a:tint val="100000"/>
-                <a:shade val="100000"/>
-                <a:satMod val="130000"/>
-              </a:schemeClr>
-            </a:gs>
-            <a:gs pos="100000">
-              <a:schemeClr val="phClr">
-                <a:tint val="50000"/>
-                <a:shade val="100000"/>
-                <a:satMod val="350000"/>
-              </a:schemeClr>
-            </a:gs>
-          </a:gsLst>
-          <a:lin ang="16200000" scaled="0"/>
-        </a:gradFill>
-      </a:fillStyleLst>
-      <a:lnStyleLst>
-        <a:ln w="9525" cap="flat" cmpd="sng" algn="ctr">
-          <a:solidFill>
-            <a:schemeClr val="phClr">
-              <a:shade val="95000"/>
-              <a:satMod val="105000"/>
-            </a:schemeClr>
-          </a:solidFill>
-          <a:prstDash val="solid"/>
-        </a:ln>
-        <a:ln w="25400" cap="flat" cmpd="sng" algn="ctr">
-          <a:solidFill>
-            <a:schemeClr val="phClr"/>
-          </a:solidFill>
-          <a:prstDash val="solid"/>
-        </a:ln>
-        <a:ln w="38100" cap="flat" cmpd="sng" algn="ctr">
-          <a:solidFill>
-            <a:schemeClr val="phClr"/>
-          </a:solidFill>
-          <a:prstDash val="solid"/>
-        </a:ln>
-      </a:lnStyleLst>
-      <a:effectStyleLst>
-        <a:effectStyle>
-          <a:effectLst>
-            <a:outerShdw blurRad="40000" dist="20000" dir="5400000" rotWithShape="0">
-              <a:srgbClr val="000000">
-                <a:alpha val="38000"/>
-              </a:srgbClr>
-            </a:outerShdw>
-          </a:effectLst>
-        </a:effectStyle>
-        <a:effectStyle>
-          <a:effectLst>
-            <a:outerShdw blurRad="40000" dist="23000" dir="5400000" rotWithShape="0">
-              <a:srgbClr val="000000">
-                <a:alpha val="35000"/>
-              </a:srgbClr>
-            </a:outerShdw>
-          </a:effectLst>
-        </a:effectStyle>
-        <a:effectStyle>
-          <a:effectLst>
-            <a:outerShdw blurRad="40000" dist="23000" dir="5400000" rotWithShape="0">
-              <a:srgbClr val="000000">
-                <a:alpha val="35000"/>
-              </a:srgbClr>
-            </a:outerShdw>
-          </a:effectLst>
-          <a:scene3d>
-            <a:camera prst="orthographicFront">
-              <a:rot lat="0" lon="0" rev="0"/>
-            </a:camera>
-            <a:lightRig rig="threePt" dir="t">
-              <a:rot lat="0" lon="0" rev="1200000"/>
-            </a:lightRig>
-          </a:scene3d>
-          <a:sp3d>
-            <a:bevelT w="63500" h="25400"/>
-          </a:sp3d>
-        </a:effectStyle>
-      </a:effectStyleLst>
-      <a:bgFillStyleLst>
-        <a:solidFill>
-          <a:schemeClr val="phClr"/>
-        </a:solidFill>
-        <a:gradFill rotWithShape="1">
-          <a:gsLst>
-            <a:gs pos="0">
-              <a:schemeClr val="phClr">
-                <a:tint val="40000"/>
-                <a:satMod val="350000"/>
-              </a:schemeClr>
-            </a:gs>
-            <a:gs pos="40000">
-              <a:schemeClr val="phClr">
-                <a:tint val="45000"/>
-                <a:shade val="99000"/>
-                <a:satMod val="350000"/>
-              </a:schemeClr>
-            </a:gs>
-            <a:gs pos="100000">
-              <a:schemeClr val="phClr">
-                <a:shade val="20000"/>
-                <a:satMod val="255000"/>
-              </a:schemeClr>
-            </a:gs>
-          </a:gsLst>
-          <a:path path="circle">
-            <a:fillToRect l="50000" t="-80000" r="50000" b="180000"/>
-          </a:path>
-        </a:gradFill>
-        <a:gradFill rotWithShape="1">
-          <a:gsLst>
-            <a:gs pos="0">
-              <a:schemeClr val="phClr">
-                <a:tint val="80000"/>
-                <a:satMod val="300000"/>
-              </a:schemeClr>
-            </a:gs>
-            <a:gs pos="100000">
-              <a:schemeClr val="phClr">
-                <a:shade val="30000"/>
-                <a:satMod val="200000"/>
-              </a:schemeClr>
-            </a:gs>
-          </a:gsLst>
-          <a:path path="circle">
-            <a:fillToRect l="50000" t="50000" r="50000" b="50000"/>
-          </a:path>
-        </a:gradFill>
-      </a:bgFillStyleLst>
-    </a:fmtScheme>
-  </a:themeElements>
-</a:theme>
 </file>